--- a/要件定義書.pptx
+++ b/要件定義書.pptx
@@ -6,7 +6,7 @@
     <p:sldMasterId id="2147483661" r:id="rId2"/>
   </p:sldMasterIdLst>
   <p:notesMasterIdLst>
-    <p:notesMasterId r:id="rId17"/>
+    <p:notesMasterId r:id="rId18"/>
   </p:notesMasterIdLst>
   <p:sldIdLst>
     <p:sldId id="256" r:id="rId3"/>
@@ -23,6 +23,7 @@
     <p:sldId id="275" r:id="rId14"/>
     <p:sldId id="266" r:id="rId15"/>
     <p:sldId id="267" r:id="rId16"/>
+    <p:sldId id="277" r:id="rId17"/>
   </p:sldIdLst>
   <p:sldSz cx="12192000" cy="6858000"/>
   <p:notesSz cx="6858000" cy="9144000"/>
@@ -1373,6 +1374,172 @@
         </p:txBody>
       </p:sp>
     </p:spTree>
+  </p:cSld>
+  <p:clrMapOvr>
+    <a:masterClrMapping/>
+  </p:clrMapOvr>
+</p:notes>
+</file>
+
+<file path=ppt/notesSlides/notesSlide14.xml><?xml version="1.0" encoding="utf-8"?>
+<p:notes xmlns:a="http://schemas.openxmlformats.org/drawingml/2006/main" xmlns:r="http://schemas.openxmlformats.org/officeDocument/2006/relationships" xmlns:p="http://schemas.openxmlformats.org/presentationml/2006/main">
+  <p:cSld>
+    <p:spTree>
+      <p:nvGrpSpPr>
+        <p:cNvPr id="1" name=""/>
+        <p:cNvGrpSpPr/>
+        <p:nvPr/>
+      </p:nvGrpSpPr>
+      <p:grpSpPr>
+        <a:xfrm>
+          <a:off x="0" y="0"/>
+          <a:ext cx="0" cy="0"/>
+          <a:chOff x="0" y="0"/>
+          <a:chExt cx="0" cy="0"/>
+        </a:xfrm>
+      </p:grpSpPr>
+      <p:sp>
+        <p:nvSpPr>
+          <p:cNvPr id="280" name="PlaceHolder 1"/>
+          <p:cNvSpPr>
+            <a:spLocks noGrp="1" noRot="1" noChangeAspect="1"/>
+          </p:cNvSpPr>
+          <p:nvPr>
+            <p:ph type="sldImg"/>
+          </p:nvPr>
+        </p:nvSpPr>
+        <p:spPr>
+          <a:xfrm>
+            <a:off x="685800" y="1143000"/>
+            <a:ext cx="5484813" cy="3084513"/>
+          </a:xfrm>
+          <a:prstGeom prst="rect">
+            <a:avLst/>
+          </a:prstGeom>
+          <a:ln w="0">
+            <a:noFill/>
+          </a:ln>
+        </p:spPr>
+      </p:sp>
+      <p:sp>
+        <p:nvSpPr>
+          <p:cNvPr id="281" name="PlaceHolder 2"/>
+          <p:cNvSpPr>
+            <a:spLocks noGrp="1"/>
+          </p:cNvSpPr>
+          <p:nvPr>
+            <p:ph type="body"/>
+          </p:nvPr>
+        </p:nvSpPr>
+        <p:spPr>
+          <a:xfrm>
+            <a:off x="685800" y="4400640"/>
+            <a:ext cx="5484240" cy="3598560"/>
+          </a:xfrm>
+          <a:prstGeom prst="rect">
+            <a:avLst/>
+          </a:prstGeom>
+          <a:noFill/>
+          <a:ln w="0">
+            <a:noFill/>
+          </a:ln>
+        </p:spPr>
+        <p:txBody>
+          <a:bodyPr lIns="0" tIns="0" rIns="0" bIns="0" anchor="t">
+            <a:noAutofit/>
+          </a:bodyPr>
+          <a:lstStyle/>
+          <a:p>
+            <a:pPr marL="216000" indent="0">
+              <a:buNone/>
+            </a:pPr>
+            <a:endParaRPr lang="en-US" sz="1800" b="0" strike="noStrike" spc="-1">
+              <a:solidFill>
+                <a:srgbClr val="000000"/>
+              </a:solidFill>
+              <a:latin typeface="Arial"/>
+            </a:endParaRPr>
+          </a:p>
+        </p:txBody>
+      </p:sp>
+      <p:sp>
+        <p:nvSpPr>
+          <p:cNvPr id="282" name="PlaceHolder 3"/>
+          <p:cNvSpPr>
+            <a:spLocks noGrp="1"/>
+          </p:cNvSpPr>
+          <p:nvPr>
+            <p:ph type="sldNum" idx="21"/>
+          </p:nvPr>
+        </p:nvSpPr>
+        <p:spPr>
+          <a:xfrm>
+            <a:off x="3884760" y="8685360"/>
+            <a:ext cx="2969640" cy="456480"/>
+          </a:xfrm>
+          <a:prstGeom prst="rect">
+            <a:avLst/>
+          </a:prstGeom>
+          <a:noFill/>
+          <a:ln w="0">
+            <a:noFill/>
+          </a:ln>
+        </p:spPr>
+        <p:txBody>
+          <a:bodyPr lIns="0" tIns="0" rIns="0" bIns="0" anchor="b">
+            <a:noAutofit/>
+          </a:bodyPr>
+          <a:lstStyle>
+            <a:lvl1pPr indent="0" algn="r">
+              <a:lnSpc>
+                <a:spcPct val="100000"/>
+              </a:lnSpc>
+              <a:buNone/>
+              <a:tabLst>
+                <a:tab pos="0" algn="l"/>
+              </a:tabLst>
+              <a:defRPr lang="en-US" sz="1400" b="0" strike="noStrike" spc="-1">
+                <a:solidFill>
+                  <a:srgbClr val="000000"/>
+                </a:solidFill>
+                <a:latin typeface="游明朝"/>
+              </a:defRPr>
+            </a:lvl1pPr>
+          </a:lstStyle>
+          <a:p>
+            <a:pPr indent="0" algn="r">
+              <a:lnSpc>
+                <a:spcPct val="100000"/>
+              </a:lnSpc>
+              <a:buNone/>
+              <a:tabLst>
+                <a:tab pos="0" algn="l"/>
+              </a:tabLst>
+            </a:pPr>
+            <a:fld id="{2260D47E-DB66-4C57-A4F7-4574F8AC0551}" type="slidenum">
+              <a:rPr lang="en-US" sz="1400" b="0" strike="noStrike" spc="-1">
+                <a:solidFill>
+                  <a:srgbClr val="000000"/>
+                </a:solidFill>
+                <a:latin typeface="游明朝"/>
+              </a:rPr>
+              <a:t>15</a:t>
+            </a:fld>
+            <a:endParaRPr lang="en-US" sz="1400" b="0" strike="noStrike" spc="-1">
+              <a:solidFill>
+                <a:srgbClr val="000000"/>
+              </a:solidFill>
+              <a:latin typeface="游明朝"/>
+            </a:endParaRPr>
+          </a:p>
+        </p:txBody>
+      </p:sp>
+    </p:spTree>
+    <p:extLst>
+      <p:ext uri="{BB962C8B-B14F-4D97-AF65-F5344CB8AC3E}">
+        <p14:creationId xmlns:p14="http://schemas.microsoft.com/office/powerpoint/2010/main" val="4224635549"/>
+      </p:ext>
+    </p:extLst>
   </p:cSld>
   <p:clrMapOvr>
     <a:masterClrMapping/>
@@ -13658,7 +13825,7 @@
         <p:spPr>
           <a:xfrm>
             <a:off x="3233521" y="4700373"/>
-            <a:ext cx="1634314" cy="292778"/>
+            <a:ext cx="1426614" cy="292778"/>
           </a:xfrm>
           <a:prstGeom prst="rect">
             <a:avLst/>
@@ -13687,6 +13854,462 @@
           <a:p>
             <a:pPr algn="ctr"/>
             <a:endParaRPr kumimoji="1" lang="ja-JP" altLang="en-US"/>
+          </a:p>
+        </p:txBody>
+      </p:sp>
+      <p:sp>
+        <p:nvSpPr>
+          <p:cNvPr id="20" name="正方形/長方形 14">
+            <a:extLst>
+              <a:ext uri="{FF2B5EF4-FFF2-40B4-BE49-F238E27FC236}">
+                <a16:creationId xmlns:a16="http://schemas.microsoft.com/office/drawing/2014/main" id="{C0721BEF-28DC-4D82-A960-412048E2B31B}"/>
+              </a:ext>
+            </a:extLst>
+          </p:cNvPr>
+          <p:cNvSpPr/>
+          <p:nvPr/>
+        </p:nvSpPr>
+        <p:spPr>
+          <a:xfrm>
+            <a:off x="3233521" y="3573087"/>
+            <a:ext cx="1644948" cy="375618"/>
+          </a:xfrm>
+          <a:prstGeom prst="rect">
+            <a:avLst/>
+          </a:prstGeom>
+          <a:solidFill>
+            <a:srgbClr val="A9D4DB"/>
+          </a:solidFill>
+          <a:ln cap="rnd">
+            <a:solidFill>
+              <a:srgbClr val="4A5C5F"/>
+            </a:solidFill>
+            <a:round/>
+          </a:ln>
+        </p:spPr>
+        <p:style>
+          <a:lnRef idx="2">
+            <a:schemeClr val="accent1">
+              <a:shade val="15000"/>
+            </a:schemeClr>
+          </a:lnRef>
+          <a:fillRef idx="1">
+            <a:schemeClr val="accent1"/>
+          </a:fillRef>
+          <a:effectRef idx="0">
+            <a:schemeClr val="accent1"/>
+          </a:effectRef>
+          <a:fontRef idx="minor"/>
+        </p:style>
+        <p:txBody>
+          <a:bodyPr lIns="90000" tIns="45000" rIns="90000" bIns="45000" anchor="ctr">
+            <a:noAutofit/>
+          </a:bodyPr>
+          <a:lstStyle/>
+          <a:p>
+            <a:pPr algn="ctr">
+              <a:lnSpc>
+                <a:spcPct val="100000"/>
+              </a:lnSpc>
+            </a:pPr>
+            <a:r>
+              <a:rPr lang="ja-JP" altLang="en-US" sz="1600" b="1" strike="noStrike" spc="-1" dirty="0">
+                <a:solidFill>
+                  <a:srgbClr val="000000"/>
+                </a:solidFill>
+                <a:latin typeface="Arial"/>
+              </a:rPr>
+              <a:t>レオパレス荻窪</a:t>
+            </a:r>
+            <a:endParaRPr lang="en-US" sz="1600" b="1" strike="noStrike" spc="-1" dirty="0">
+              <a:solidFill>
+                <a:srgbClr val="000000"/>
+              </a:solidFill>
+              <a:latin typeface="Arial"/>
+            </a:endParaRPr>
+          </a:p>
+        </p:txBody>
+      </p:sp>
+      <p:sp>
+        <p:nvSpPr>
+          <p:cNvPr id="21" name="正方形/長方形 14">
+            <a:extLst>
+              <a:ext uri="{FF2B5EF4-FFF2-40B4-BE49-F238E27FC236}">
+                <a16:creationId xmlns:a16="http://schemas.microsoft.com/office/drawing/2014/main" id="{C371C426-E00F-4C53-94B2-5FAF88E1747D}"/>
+              </a:ext>
+            </a:extLst>
+          </p:cNvPr>
+          <p:cNvSpPr/>
+          <p:nvPr/>
+        </p:nvSpPr>
+        <p:spPr>
+          <a:xfrm>
+            <a:off x="3234777" y="4129595"/>
+            <a:ext cx="1204038" cy="375618"/>
+          </a:xfrm>
+          <a:prstGeom prst="rect">
+            <a:avLst/>
+          </a:prstGeom>
+          <a:solidFill>
+            <a:srgbClr val="A9D4DB"/>
+          </a:solidFill>
+          <a:ln cap="rnd">
+            <a:solidFill>
+              <a:srgbClr val="4A5C5F"/>
+            </a:solidFill>
+            <a:round/>
+          </a:ln>
+        </p:spPr>
+        <p:style>
+          <a:lnRef idx="2">
+            <a:schemeClr val="accent1">
+              <a:shade val="15000"/>
+            </a:schemeClr>
+          </a:lnRef>
+          <a:fillRef idx="1">
+            <a:schemeClr val="accent1"/>
+          </a:fillRef>
+          <a:effectRef idx="0">
+            <a:schemeClr val="accent1"/>
+          </a:effectRef>
+          <a:fontRef idx="minor"/>
+        </p:style>
+        <p:txBody>
+          <a:bodyPr lIns="90000" tIns="45000" rIns="90000" bIns="45000" anchor="ctr">
+            <a:noAutofit/>
+          </a:bodyPr>
+          <a:lstStyle/>
+          <a:p>
+            <a:pPr algn="ctr">
+              <a:lnSpc>
+                <a:spcPct val="100000"/>
+              </a:lnSpc>
+            </a:pPr>
+            <a:r>
+              <a:rPr lang="ja-JP" altLang="en-US" sz="1600" b="1" strike="noStrike" spc="-1" dirty="0">
+                <a:solidFill>
+                  <a:srgbClr val="000000"/>
+                </a:solidFill>
+                <a:latin typeface="Arial"/>
+              </a:rPr>
+              <a:t>メゾン中野</a:t>
+            </a:r>
+            <a:endParaRPr lang="en-US" sz="1600" b="1" strike="noStrike" spc="-1" dirty="0">
+              <a:solidFill>
+                <a:srgbClr val="000000"/>
+              </a:solidFill>
+              <a:latin typeface="Arial"/>
+            </a:endParaRPr>
+          </a:p>
+        </p:txBody>
+      </p:sp>
+      <p:sp>
+        <p:nvSpPr>
+          <p:cNvPr id="24" name="正方形/長方形 14">
+            <a:extLst>
+              <a:ext uri="{FF2B5EF4-FFF2-40B4-BE49-F238E27FC236}">
+                <a16:creationId xmlns:a16="http://schemas.microsoft.com/office/drawing/2014/main" id="{3B120839-5878-4012-ACD6-501CDC16DEEF}"/>
+              </a:ext>
+            </a:extLst>
+          </p:cNvPr>
+          <p:cNvSpPr/>
+          <p:nvPr/>
+        </p:nvSpPr>
+        <p:spPr>
+          <a:xfrm>
+            <a:off x="3222887" y="4645861"/>
+            <a:ext cx="1644948" cy="375618"/>
+          </a:xfrm>
+          <a:prstGeom prst="rect">
+            <a:avLst/>
+          </a:prstGeom>
+          <a:solidFill>
+            <a:srgbClr val="A9D4DB"/>
+          </a:solidFill>
+          <a:ln cap="rnd">
+            <a:solidFill>
+              <a:srgbClr val="4A5C5F"/>
+            </a:solidFill>
+            <a:round/>
+          </a:ln>
+        </p:spPr>
+        <p:style>
+          <a:lnRef idx="2">
+            <a:schemeClr val="accent1">
+              <a:shade val="15000"/>
+            </a:schemeClr>
+          </a:lnRef>
+          <a:fillRef idx="1">
+            <a:schemeClr val="accent1"/>
+          </a:fillRef>
+          <a:effectRef idx="0">
+            <a:schemeClr val="accent1"/>
+          </a:effectRef>
+          <a:fontRef idx="minor"/>
+        </p:style>
+        <p:txBody>
+          <a:bodyPr lIns="90000" tIns="45000" rIns="90000" bIns="45000" anchor="ctr">
+            <a:noAutofit/>
+          </a:bodyPr>
+          <a:lstStyle/>
+          <a:p>
+            <a:pPr algn="ctr">
+              <a:lnSpc>
+                <a:spcPct val="100000"/>
+              </a:lnSpc>
+            </a:pPr>
+            <a:r>
+              <a:rPr lang="ja-JP" altLang="en-US" sz="1600" b="1" strike="noStrike" spc="-1" dirty="0">
+                <a:solidFill>
+                  <a:srgbClr val="000000"/>
+                </a:solidFill>
+                <a:latin typeface="Arial"/>
+              </a:rPr>
+              <a:t>レオパレス杉並</a:t>
+            </a:r>
+            <a:endParaRPr lang="en-US" sz="1600" b="1" strike="noStrike" spc="-1" dirty="0">
+              <a:solidFill>
+                <a:srgbClr val="000000"/>
+              </a:solidFill>
+              <a:latin typeface="Arial"/>
+            </a:endParaRPr>
+          </a:p>
+        </p:txBody>
+      </p:sp>
+      <p:sp>
+        <p:nvSpPr>
+          <p:cNvPr id="25" name="正方形/長方形 14">
+            <a:extLst>
+              <a:ext uri="{FF2B5EF4-FFF2-40B4-BE49-F238E27FC236}">
+                <a16:creationId xmlns:a16="http://schemas.microsoft.com/office/drawing/2014/main" id="{DFD62F5B-179F-4DDF-AE15-05B968670A66}"/>
+              </a:ext>
+            </a:extLst>
+          </p:cNvPr>
+          <p:cNvSpPr/>
+          <p:nvPr/>
+        </p:nvSpPr>
+        <p:spPr>
+          <a:xfrm>
+            <a:off x="7017096" y="3558832"/>
+            <a:ext cx="1102336" cy="375618"/>
+          </a:xfrm>
+          <a:prstGeom prst="rect">
+            <a:avLst/>
+          </a:prstGeom>
+          <a:solidFill>
+            <a:srgbClr val="A9D4DB"/>
+          </a:solidFill>
+          <a:ln cap="rnd">
+            <a:solidFill>
+              <a:srgbClr val="4A5C5F"/>
+            </a:solidFill>
+            <a:round/>
+          </a:ln>
+        </p:spPr>
+        <p:style>
+          <a:lnRef idx="2">
+            <a:schemeClr val="accent1">
+              <a:shade val="15000"/>
+            </a:schemeClr>
+          </a:lnRef>
+          <a:fillRef idx="1">
+            <a:schemeClr val="accent1"/>
+          </a:fillRef>
+          <a:effectRef idx="0">
+            <a:schemeClr val="accent1"/>
+          </a:effectRef>
+          <a:fontRef idx="minor"/>
+        </p:style>
+        <p:txBody>
+          <a:bodyPr lIns="90000" tIns="45000" rIns="90000" bIns="45000" anchor="ctr">
+            <a:noAutofit/>
+          </a:bodyPr>
+          <a:lstStyle/>
+          <a:p>
+            <a:pPr algn="ctr">
+              <a:lnSpc>
+                <a:spcPct val="100000"/>
+              </a:lnSpc>
+            </a:pPr>
+            <a:r>
+              <a:rPr lang="ja-JP" altLang="en-US" sz="1600" b="1" strike="noStrike" spc="-1" dirty="0">
+                <a:solidFill>
+                  <a:srgbClr val="000000"/>
+                </a:solidFill>
+                <a:latin typeface="Arial"/>
+              </a:rPr>
+              <a:t>山田太郎</a:t>
+            </a:r>
+            <a:endParaRPr lang="en-US" sz="1600" b="1" strike="noStrike" spc="-1" dirty="0">
+              <a:solidFill>
+                <a:srgbClr val="000000"/>
+              </a:solidFill>
+              <a:latin typeface="Arial"/>
+            </a:endParaRPr>
+          </a:p>
+        </p:txBody>
+      </p:sp>
+      <p:sp>
+        <p:nvSpPr>
+          <p:cNvPr id="26" name="正方形/長方形 14">
+            <a:extLst>
+              <a:ext uri="{FF2B5EF4-FFF2-40B4-BE49-F238E27FC236}">
+                <a16:creationId xmlns:a16="http://schemas.microsoft.com/office/drawing/2014/main" id="{8ACA16B5-ECD0-4556-B17B-BCC42B562711}"/>
+              </a:ext>
+            </a:extLst>
+          </p:cNvPr>
+          <p:cNvSpPr/>
+          <p:nvPr/>
+        </p:nvSpPr>
+        <p:spPr>
+          <a:xfrm>
+            <a:off x="7017096" y="4086440"/>
+            <a:ext cx="1102336" cy="375618"/>
+          </a:xfrm>
+          <a:prstGeom prst="rect">
+            <a:avLst/>
+          </a:prstGeom>
+          <a:solidFill>
+            <a:srgbClr val="A9D4DB"/>
+          </a:solidFill>
+          <a:ln cap="rnd">
+            <a:solidFill>
+              <a:srgbClr val="4A5C5F"/>
+            </a:solidFill>
+            <a:round/>
+          </a:ln>
+        </p:spPr>
+        <p:style>
+          <a:lnRef idx="2">
+            <a:schemeClr val="accent1">
+              <a:shade val="15000"/>
+            </a:schemeClr>
+          </a:lnRef>
+          <a:fillRef idx="1">
+            <a:schemeClr val="accent1"/>
+          </a:fillRef>
+          <a:effectRef idx="0">
+            <a:schemeClr val="accent1"/>
+          </a:effectRef>
+          <a:fontRef idx="minor"/>
+        </p:style>
+        <p:txBody>
+          <a:bodyPr lIns="90000" tIns="45000" rIns="90000" bIns="45000" anchor="ctr">
+            <a:noAutofit/>
+          </a:bodyPr>
+          <a:lstStyle/>
+          <a:p>
+            <a:pPr algn="ctr">
+              <a:lnSpc>
+                <a:spcPct val="100000"/>
+              </a:lnSpc>
+            </a:pPr>
+            <a:r>
+              <a:rPr lang="ja-JP" altLang="en-US" sz="1600" b="1" spc="-1" dirty="0">
+                <a:solidFill>
+                  <a:srgbClr val="000000"/>
+                </a:solidFill>
+                <a:latin typeface="Arial"/>
+              </a:rPr>
+              <a:t>鈴木</a:t>
+            </a:r>
+            <a:r>
+              <a:rPr lang="ja-JP" altLang="en-US" sz="1600" b="1" strike="noStrike" spc="-1" dirty="0">
+                <a:solidFill>
+                  <a:srgbClr val="000000"/>
+                </a:solidFill>
+                <a:latin typeface="Arial"/>
+              </a:rPr>
+              <a:t>太郎</a:t>
+            </a:r>
+            <a:endParaRPr lang="en-US" sz="1600" b="1" strike="noStrike" spc="-1" dirty="0">
+              <a:solidFill>
+                <a:srgbClr val="000000"/>
+              </a:solidFill>
+              <a:latin typeface="Arial"/>
+            </a:endParaRPr>
+          </a:p>
+        </p:txBody>
+      </p:sp>
+      <p:sp>
+        <p:nvSpPr>
+          <p:cNvPr id="32" name="正方形/長方形 14">
+            <a:extLst>
+              <a:ext uri="{FF2B5EF4-FFF2-40B4-BE49-F238E27FC236}">
+                <a16:creationId xmlns:a16="http://schemas.microsoft.com/office/drawing/2014/main" id="{C624DA2A-5C4E-4E99-B290-575E51D941B2}"/>
+              </a:ext>
+            </a:extLst>
+          </p:cNvPr>
+          <p:cNvSpPr/>
+          <p:nvPr/>
+        </p:nvSpPr>
+        <p:spPr>
+          <a:xfrm>
+            <a:off x="7017096" y="4623693"/>
+            <a:ext cx="1102336" cy="375618"/>
+          </a:xfrm>
+          <a:prstGeom prst="rect">
+            <a:avLst/>
+          </a:prstGeom>
+          <a:solidFill>
+            <a:srgbClr val="A9D4DB"/>
+          </a:solidFill>
+          <a:ln cap="rnd">
+            <a:solidFill>
+              <a:srgbClr val="4A5C5F"/>
+            </a:solidFill>
+            <a:round/>
+          </a:ln>
+        </p:spPr>
+        <p:style>
+          <a:lnRef idx="2">
+            <a:schemeClr val="accent1">
+              <a:shade val="15000"/>
+            </a:schemeClr>
+          </a:lnRef>
+          <a:fillRef idx="1">
+            <a:schemeClr val="accent1"/>
+          </a:fillRef>
+          <a:effectRef idx="0">
+            <a:schemeClr val="accent1"/>
+          </a:effectRef>
+          <a:fontRef idx="minor"/>
+        </p:style>
+        <p:txBody>
+          <a:bodyPr lIns="90000" tIns="45000" rIns="90000" bIns="45000" anchor="ctr">
+            <a:noAutofit/>
+          </a:bodyPr>
+          <a:lstStyle/>
+          <a:p>
+            <a:pPr algn="ctr">
+              <a:lnSpc>
+                <a:spcPct val="100000"/>
+              </a:lnSpc>
+            </a:pPr>
+            <a:r>
+              <a:rPr lang="ja-JP" altLang="en-US" sz="1600" b="1" spc="-1" dirty="0">
+                <a:solidFill>
+                  <a:srgbClr val="000000"/>
+                </a:solidFill>
+                <a:latin typeface="Arial"/>
+              </a:rPr>
+              <a:t>山本</a:t>
+            </a:r>
+            <a:r>
+              <a:rPr lang="ja-JP" altLang="en-US" sz="1600" b="1" strike="noStrike" spc="-1" dirty="0">
+                <a:solidFill>
+                  <a:srgbClr val="000000"/>
+                </a:solidFill>
+                <a:latin typeface="Arial"/>
+              </a:rPr>
+              <a:t>太郎</a:t>
+            </a:r>
+            <a:endParaRPr lang="en-US" sz="1600" b="1" strike="noStrike" spc="-1" dirty="0">
+              <a:solidFill>
+                <a:srgbClr val="000000"/>
+              </a:solidFill>
+              <a:latin typeface="Arial"/>
+            </a:endParaRPr>
           </a:p>
         </p:txBody>
       </p:sp>
@@ -15193,6 +15816,1301 @@
 </p:sld>
 </file>
 
+<file path=ppt/slides/slide15.xml><?xml version="1.0" encoding="utf-8"?>
+<p:sld xmlns:a="http://schemas.openxmlformats.org/drawingml/2006/main" xmlns:r="http://schemas.openxmlformats.org/officeDocument/2006/relationships" xmlns:p="http://schemas.openxmlformats.org/presentationml/2006/main">
+  <p:cSld>
+    <p:spTree>
+      <p:nvGrpSpPr>
+        <p:cNvPr id="1" name=""/>
+        <p:cNvGrpSpPr/>
+        <p:nvPr/>
+      </p:nvGrpSpPr>
+      <p:grpSpPr>
+        <a:xfrm>
+          <a:off x="0" y="0"/>
+          <a:ext cx="0" cy="0"/>
+          <a:chOff x="0" y="0"/>
+          <a:chExt cx="0" cy="0"/>
+        </a:xfrm>
+      </p:grpSpPr>
+      <p:sp>
+        <p:nvSpPr>
+          <p:cNvPr id="234" name="正方形/長方形 3"/>
+          <p:cNvSpPr/>
+          <p:nvPr/>
+        </p:nvSpPr>
+        <p:spPr>
+          <a:xfrm>
+            <a:off x="478560" y="1212265"/>
+            <a:ext cx="11234880" cy="5493600"/>
+          </a:xfrm>
+          <a:prstGeom prst="rect">
+            <a:avLst/>
+          </a:prstGeom>
+          <a:solidFill>
+            <a:schemeClr val="accent1">
+              <a:lumMod val="20000"/>
+              <a:lumOff val="80000"/>
+            </a:schemeClr>
+          </a:solidFill>
+          <a:ln>
+            <a:solidFill>
+              <a:srgbClr val="000000"/>
+            </a:solidFill>
+            <a:round/>
+          </a:ln>
+        </p:spPr>
+        <p:style>
+          <a:lnRef idx="2">
+            <a:schemeClr val="accent1">
+              <a:shade val="15000"/>
+            </a:schemeClr>
+          </a:lnRef>
+          <a:fillRef idx="1">
+            <a:schemeClr val="accent1"/>
+          </a:fillRef>
+          <a:effectRef idx="0">
+            <a:schemeClr val="accent1"/>
+          </a:effectRef>
+          <a:fontRef idx="minor"/>
+        </p:style>
+        <p:txBody>
+          <a:bodyPr lIns="90000" tIns="45000" rIns="90000" bIns="45000" anchor="ctr">
+            <a:noAutofit/>
+          </a:bodyPr>
+          <a:lstStyle/>
+          <a:p>
+            <a:pPr algn="ctr">
+              <a:lnSpc>
+                <a:spcPct val="100000"/>
+              </a:lnSpc>
+            </a:pPr>
+            <a:endParaRPr lang="en-US" sz="1400" b="0" strike="noStrike" spc="-1">
+              <a:solidFill>
+                <a:schemeClr val="lt1"/>
+              </a:solidFill>
+              <a:latin typeface="Arial"/>
+              <a:ea typeface="Arial"/>
+            </a:endParaRPr>
+          </a:p>
+        </p:txBody>
+      </p:sp>
+      <p:sp>
+        <p:nvSpPr>
+          <p:cNvPr id="235" name="正方形/長方形 14"/>
+          <p:cNvSpPr/>
+          <p:nvPr/>
+        </p:nvSpPr>
+        <p:spPr>
+          <a:xfrm>
+            <a:off x="883800" y="2179080"/>
+            <a:ext cx="1278000" cy="520920"/>
+          </a:xfrm>
+          <a:prstGeom prst="rect">
+            <a:avLst/>
+          </a:prstGeom>
+          <a:solidFill>
+            <a:srgbClr val="A9D4DB"/>
+          </a:solidFill>
+          <a:ln cap="rnd">
+            <a:solidFill>
+              <a:srgbClr val="4A5C5F"/>
+            </a:solidFill>
+            <a:round/>
+          </a:ln>
+        </p:spPr>
+        <p:style>
+          <a:lnRef idx="2">
+            <a:schemeClr val="accent1">
+              <a:shade val="15000"/>
+            </a:schemeClr>
+          </a:lnRef>
+          <a:fillRef idx="1">
+            <a:schemeClr val="accent1"/>
+          </a:fillRef>
+          <a:effectRef idx="0">
+            <a:schemeClr val="accent1"/>
+          </a:effectRef>
+          <a:fontRef idx="minor"/>
+        </p:style>
+        <p:txBody>
+          <a:bodyPr lIns="90000" tIns="45000" rIns="90000" bIns="45000" anchor="ctr">
+            <a:noAutofit/>
+          </a:bodyPr>
+          <a:lstStyle/>
+          <a:p>
+            <a:pPr algn="ctr">
+              <a:lnSpc>
+                <a:spcPct val="100000"/>
+              </a:lnSpc>
+            </a:pPr>
+            <a:r>
+              <a:rPr lang="ja-JP" sz="2000" b="1" strike="noStrike" spc="-1">
+                <a:solidFill>
+                  <a:srgbClr val="000000"/>
+                </a:solidFill>
+                <a:latin typeface="Arial"/>
+                <a:ea typeface="Arial"/>
+              </a:rPr>
+              <a:t>新規登録</a:t>
+            </a:r>
+            <a:endParaRPr lang="en-US" sz="2000" b="0" strike="noStrike" spc="-1">
+              <a:solidFill>
+                <a:srgbClr val="000000"/>
+              </a:solidFill>
+              <a:latin typeface="Arial"/>
+            </a:endParaRPr>
+          </a:p>
+        </p:txBody>
+      </p:sp>
+      <p:sp>
+        <p:nvSpPr>
+          <p:cNvPr id="236" name="テキスト ボックス 1"/>
+          <p:cNvSpPr/>
+          <p:nvPr/>
+        </p:nvSpPr>
+        <p:spPr>
+          <a:xfrm>
+            <a:off x="805320" y="1530360"/>
+            <a:ext cx="6293520" cy="521766"/>
+          </a:xfrm>
+          <a:prstGeom prst="rect">
+            <a:avLst/>
+          </a:prstGeom>
+          <a:noFill/>
+          <a:ln w="0">
+            <a:noFill/>
+          </a:ln>
+        </p:spPr>
+        <p:style>
+          <a:lnRef idx="0">
+            <a:scrgbClr r="0" g="0" b="0"/>
+          </a:lnRef>
+          <a:fillRef idx="0">
+            <a:scrgbClr r="0" g="0" b="0"/>
+          </a:fillRef>
+          <a:effectRef idx="0">
+            <a:scrgbClr r="0" g="0" b="0"/>
+          </a:effectRef>
+          <a:fontRef idx="minor"/>
+        </p:style>
+        <p:txBody>
+          <a:bodyPr lIns="90000" tIns="45000" rIns="90000" bIns="45000" anchor="t">
+            <a:spAutoFit/>
+          </a:bodyPr>
+          <a:lstStyle/>
+          <a:p>
+            <a:pPr>
+              <a:lnSpc>
+                <a:spcPct val="100000"/>
+              </a:lnSpc>
+            </a:pPr>
+            <a:r>
+              <a:rPr lang="ja-JP" altLang="en-US" sz="2800" b="1" strike="noStrike" spc="-1" dirty="0">
+                <a:solidFill>
+                  <a:srgbClr val="000000"/>
+                </a:solidFill>
+                <a:latin typeface="Arial"/>
+                <a:ea typeface="Arial"/>
+              </a:rPr>
+              <a:t>オーナー </a:t>
+            </a:r>
+            <a:r>
+              <a:rPr lang="ja-JP" sz="2800" b="1" strike="noStrike" spc="-1" dirty="0">
+                <a:solidFill>
+                  <a:srgbClr val="000000"/>
+                </a:solidFill>
+                <a:latin typeface="Arial"/>
+                <a:ea typeface="Arial"/>
+              </a:rPr>
+              <a:t>一覧</a:t>
+            </a:r>
+            <a:endParaRPr lang="en-US" sz="2800" b="0" strike="noStrike" spc="-1" dirty="0">
+              <a:solidFill>
+                <a:srgbClr val="000000"/>
+              </a:solidFill>
+              <a:latin typeface="Arial"/>
+            </a:endParaRPr>
+          </a:p>
+        </p:txBody>
+      </p:sp>
+      <p:sp>
+        <p:nvSpPr>
+          <p:cNvPr id="237" name="テキスト ボックス 10"/>
+          <p:cNvSpPr/>
+          <p:nvPr/>
+        </p:nvSpPr>
+        <p:spPr>
+          <a:xfrm>
+            <a:off x="718920" y="2965680"/>
+            <a:ext cx="10442160" cy="337100"/>
+          </a:xfrm>
+          <a:prstGeom prst="rect">
+            <a:avLst/>
+          </a:prstGeom>
+          <a:noFill/>
+          <a:ln w="0">
+            <a:noFill/>
+          </a:ln>
+        </p:spPr>
+        <p:style>
+          <a:lnRef idx="0">
+            <a:scrgbClr r="0" g="0" b="0"/>
+          </a:lnRef>
+          <a:fillRef idx="0">
+            <a:scrgbClr r="0" g="0" b="0"/>
+          </a:fillRef>
+          <a:effectRef idx="0">
+            <a:scrgbClr r="0" g="0" b="0"/>
+          </a:effectRef>
+          <a:fontRef idx="minor"/>
+        </p:style>
+        <p:txBody>
+          <a:bodyPr lIns="90000" tIns="45000" rIns="90000" bIns="45000" anchor="t">
+            <a:spAutoFit/>
+          </a:bodyPr>
+          <a:lstStyle/>
+          <a:p>
+            <a:pPr>
+              <a:lnSpc>
+                <a:spcPct val="100000"/>
+              </a:lnSpc>
+            </a:pPr>
+            <a:r>
+              <a:rPr lang="ja-JP" altLang="en-US" sz="1600" b="1" strike="noStrike" spc="-1" dirty="0">
+                <a:solidFill>
+                  <a:srgbClr val="000000"/>
+                </a:solidFill>
+                <a:latin typeface="Arial"/>
+                <a:ea typeface="Arial"/>
+              </a:rPr>
+              <a:t>名前　　</a:t>
+            </a:r>
+            <a:r>
+              <a:rPr lang="ja-JP" sz="1600" b="1" strike="noStrike" spc="-1" dirty="0">
+                <a:solidFill>
+                  <a:srgbClr val="000000"/>
+                </a:solidFill>
+                <a:latin typeface="Arial"/>
+                <a:ea typeface="Arial"/>
+              </a:rPr>
+              <a:t>　</a:t>
+            </a:r>
+            <a:r>
+              <a:rPr lang="en-US" sz="1600" b="1" strike="noStrike" spc="-1" dirty="0">
+                <a:solidFill>
+                  <a:srgbClr val="000000"/>
+                </a:solidFill>
+                <a:latin typeface="Arial"/>
+                <a:ea typeface="Arial"/>
+              </a:rPr>
+              <a:t>ID</a:t>
+            </a:r>
+            <a:r>
+              <a:rPr lang="ja-JP" sz="1600" b="1" strike="noStrike" spc="-1" dirty="0">
+                <a:solidFill>
+                  <a:srgbClr val="000000"/>
+                </a:solidFill>
+                <a:latin typeface="Arial"/>
+                <a:ea typeface="Arial"/>
+              </a:rPr>
+              <a:t>　</a:t>
+            </a:r>
+            <a:r>
+              <a:rPr lang="ja-JP" altLang="en-US" sz="1600" b="1" strike="noStrike" spc="-1" dirty="0">
+                <a:solidFill>
+                  <a:srgbClr val="000000"/>
+                </a:solidFill>
+                <a:latin typeface="Arial"/>
+                <a:ea typeface="Arial"/>
+              </a:rPr>
+              <a:t>　生年月日</a:t>
+            </a:r>
+            <a:r>
+              <a:rPr lang="ja-JP" sz="1600" b="1" strike="noStrike" spc="-1" dirty="0">
+                <a:solidFill>
+                  <a:srgbClr val="000000"/>
+                </a:solidFill>
+                <a:latin typeface="Arial"/>
+                <a:ea typeface="Arial"/>
+              </a:rPr>
+              <a:t>　</a:t>
+            </a:r>
+            <a:r>
+              <a:rPr lang="ja-JP" altLang="en-US" sz="1600" b="1" strike="noStrike" spc="-1" dirty="0">
+                <a:solidFill>
+                  <a:srgbClr val="000000"/>
+                </a:solidFill>
+                <a:latin typeface="Arial"/>
+                <a:ea typeface="Arial"/>
+              </a:rPr>
+              <a:t>　　　　　</a:t>
+            </a:r>
+            <a:r>
+              <a:rPr lang="ja-JP" altLang="en-US" sz="1600" b="1" spc="-1" dirty="0">
+                <a:solidFill>
+                  <a:srgbClr val="000000"/>
+                </a:solidFill>
+                <a:latin typeface="Arial"/>
+                <a:ea typeface="Arial"/>
+              </a:rPr>
+              <a:t>登録日</a:t>
+            </a:r>
+            <a:r>
+              <a:rPr lang="ja-JP" sz="1600" b="1" strike="noStrike" spc="-1" dirty="0">
+                <a:solidFill>
+                  <a:srgbClr val="000000"/>
+                </a:solidFill>
+                <a:latin typeface="Arial"/>
+                <a:ea typeface="Arial"/>
+              </a:rPr>
+              <a:t>　　　　　</a:t>
+            </a:r>
+            <a:r>
+              <a:rPr lang="ja-JP" altLang="en-US" sz="1600" b="1" strike="noStrike" spc="-1" dirty="0">
+                <a:solidFill>
+                  <a:srgbClr val="000000"/>
+                </a:solidFill>
+                <a:latin typeface="Arial"/>
+                <a:ea typeface="Arial"/>
+              </a:rPr>
+              <a:t>　　</a:t>
+            </a:r>
+            <a:r>
+              <a:rPr lang="ja-JP" sz="1600" b="1" strike="noStrike" spc="-1" dirty="0">
+                <a:solidFill>
+                  <a:srgbClr val="000000"/>
+                </a:solidFill>
+                <a:latin typeface="Arial"/>
+                <a:ea typeface="Arial"/>
+              </a:rPr>
+              <a:t>　・・・　　　　　　　　　　　　</a:t>
+            </a:r>
+            <a:endParaRPr lang="en-US" sz="1600" b="0" strike="noStrike" spc="-1" dirty="0">
+              <a:solidFill>
+                <a:srgbClr val="000000"/>
+              </a:solidFill>
+              <a:latin typeface="Arial"/>
+            </a:endParaRPr>
+          </a:p>
+        </p:txBody>
+      </p:sp>
+      <p:cxnSp>
+        <p:nvCxnSpPr>
+          <p:cNvPr id="238" name="直線コネクタ 12"/>
+          <p:cNvCxnSpPr/>
+          <p:nvPr/>
+        </p:nvCxnSpPr>
+        <p:spPr>
+          <a:xfrm>
+            <a:off x="761760" y="3429000"/>
+            <a:ext cx="10721160" cy="2160"/>
+          </a:xfrm>
+          <a:prstGeom prst="straightConnector1">
+            <a:avLst/>
+          </a:prstGeom>
+          <a:ln w="0">
+            <a:solidFill>
+              <a:srgbClr val="000000"/>
+            </a:solidFill>
+          </a:ln>
+        </p:spPr>
+      </p:cxnSp>
+      <p:cxnSp>
+        <p:nvCxnSpPr>
+          <p:cNvPr id="239" name="直線コネクタ 20"/>
+          <p:cNvCxnSpPr/>
+          <p:nvPr/>
+        </p:nvCxnSpPr>
+        <p:spPr>
+          <a:xfrm>
+            <a:off x="718560" y="4017960"/>
+            <a:ext cx="10721160" cy="2160"/>
+          </a:xfrm>
+          <a:prstGeom prst="straightConnector1">
+            <a:avLst/>
+          </a:prstGeom>
+          <a:ln w="0">
+            <a:solidFill>
+              <a:srgbClr val="000000"/>
+            </a:solidFill>
+          </a:ln>
+        </p:spPr>
+      </p:cxnSp>
+      <p:sp>
+        <p:nvSpPr>
+          <p:cNvPr id="240" name="テキスト ボックス 22"/>
+          <p:cNvSpPr/>
+          <p:nvPr/>
+        </p:nvSpPr>
+        <p:spPr>
+          <a:xfrm>
+            <a:off x="718920" y="3545849"/>
+            <a:ext cx="7356444" cy="337100"/>
+          </a:xfrm>
+          <a:prstGeom prst="rect">
+            <a:avLst/>
+          </a:prstGeom>
+          <a:noFill/>
+          <a:ln w="0">
+            <a:noFill/>
+          </a:ln>
+        </p:spPr>
+        <p:style>
+          <a:lnRef idx="0">
+            <a:scrgbClr r="0" g="0" b="0"/>
+          </a:lnRef>
+          <a:fillRef idx="0">
+            <a:scrgbClr r="0" g="0" b="0"/>
+          </a:fillRef>
+          <a:effectRef idx="0">
+            <a:scrgbClr r="0" g="0" b="0"/>
+          </a:effectRef>
+          <a:fontRef idx="minor"/>
+        </p:style>
+        <p:txBody>
+          <a:bodyPr wrap="square" lIns="90000" tIns="45000" rIns="90000" bIns="45000" anchor="t">
+            <a:spAutoFit/>
+          </a:bodyPr>
+          <a:lstStyle/>
+          <a:p>
+            <a:pPr>
+              <a:lnSpc>
+                <a:spcPct val="100000"/>
+              </a:lnSpc>
+            </a:pPr>
+            <a:r>
+              <a:rPr lang="ja-JP" altLang="en-US" sz="1600" b="1" strike="noStrike" spc="-1" dirty="0">
+                <a:solidFill>
+                  <a:srgbClr val="000000"/>
+                </a:solidFill>
+                <a:latin typeface="Arial"/>
+                <a:ea typeface="Arial"/>
+              </a:rPr>
+              <a:t>山田太郎</a:t>
+            </a:r>
+            <a:r>
+              <a:rPr lang="en-US" sz="1600" b="1" strike="noStrike" spc="-1" dirty="0">
+                <a:solidFill>
+                  <a:srgbClr val="000000"/>
+                </a:solidFill>
+                <a:latin typeface="Arial"/>
+                <a:ea typeface="Arial"/>
+              </a:rPr>
+              <a:t>     1</a:t>
+            </a:r>
+            <a:r>
+              <a:rPr lang="ja-JP" sz="1600" b="1" strike="noStrike" spc="-1" dirty="0">
+                <a:solidFill>
+                  <a:srgbClr val="000000"/>
+                </a:solidFill>
+                <a:latin typeface="Arial"/>
+                <a:ea typeface="Arial"/>
+              </a:rPr>
+              <a:t>　 </a:t>
+            </a:r>
+            <a:r>
+              <a:rPr lang="en-US" altLang="ja-JP" sz="1600" b="1" strike="noStrike" spc="-1" dirty="0">
+                <a:solidFill>
+                  <a:srgbClr val="000000"/>
+                </a:solidFill>
+                <a:latin typeface="Arial"/>
+                <a:ea typeface="Arial"/>
+              </a:rPr>
+              <a:t>1987</a:t>
+            </a:r>
+            <a:r>
+              <a:rPr lang="ja-JP" altLang="en-US" sz="1600" b="1" strike="noStrike" spc="-1" dirty="0">
+                <a:solidFill>
+                  <a:srgbClr val="000000"/>
+                </a:solidFill>
+                <a:latin typeface="Arial"/>
+                <a:ea typeface="Arial"/>
+              </a:rPr>
+              <a:t>年</a:t>
+            </a:r>
+            <a:r>
+              <a:rPr lang="en-US" altLang="ja-JP" sz="1600" b="1" strike="noStrike" spc="-1" dirty="0">
+                <a:solidFill>
+                  <a:srgbClr val="000000"/>
+                </a:solidFill>
+                <a:latin typeface="Arial"/>
+                <a:ea typeface="Arial"/>
+              </a:rPr>
+              <a:t>9</a:t>
+            </a:r>
+            <a:r>
+              <a:rPr lang="ja-JP" altLang="en-US" sz="1600" b="1" strike="noStrike" spc="-1" dirty="0">
+                <a:solidFill>
+                  <a:srgbClr val="000000"/>
+                </a:solidFill>
+                <a:latin typeface="Arial"/>
+                <a:ea typeface="Arial"/>
+              </a:rPr>
+              <a:t>月</a:t>
+            </a:r>
+            <a:r>
+              <a:rPr lang="en-US" altLang="ja-JP" sz="1600" b="1" strike="noStrike" spc="-1" dirty="0">
+                <a:solidFill>
+                  <a:srgbClr val="000000"/>
+                </a:solidFill>
+                <a:latin typeface="Arial"/>
+                <a:ea typeface="Arial"/>
+              </a:rPr>
+              <a:t>17</a:t>
+            </a:r>
+            <a:r>
+              <a:rPr lang="ja-JP" altLang="en-US" sz="1600" b="1" strike="noStrike" spc="-1" dirty="0">
+                <a:solidFill>
+                  <a:srgbClr val="000000"/>
+                </a:solidFill>
+                <a:latin typeface="Arial"/>
+                <a:ea typeface="Arial"/>
+              </a:rPr>
+              <a:t>日</a:t>
+            </a:r>
+            <a:r>
+              <a:rPr lang="en-US" sz="1600" b="1" strike="noStrike" spc="-1" dirty="0">
+                <a:solidFill>
+                  <a:srgbClr val="000000"/>
+                </a:solidFill>
+                <a:latin typeface="Arial"/>
+                <a:ea typeface="Arial"/>
+              </a:rPr>
+              <a:t>    </a:t>
+            </a:r>
+            <a:r>
+              <a:rPr lang="ja-JP" altLang="en-US" sz="1600" b="1" strike="noStrike" spc="-1" dirty="0">
+                <a:solidFill>
+                  <a:srgbClr val="000000"/>
+                </a:solidFill>
+                <a:latin typeface="Arial"/>
+                <a:ea typeface="Arial"/>
+              </a:rPr>
+              <a:t>　</a:t>
+            </a:r>
+            <a:r>
+              <a:rPr lang="en-US" sz="1600" b="1" strike="noStrike" spc="-1" dirty="0">
+                <a:solidFill>
+                  <a:srgbClr val="000000"/>
+                </a:solidFill>
+                <a:latin typeface="Arial"/>
+                <a:ea typeface="Arial"/>
+              </a:rPr>
+              <a:t> </a:t>
+            </a:r>
+            <a:r>
+              <a:rPr lang="ja-JP" sz="1600" b="1" strike="noStrike" spc="-1" dirty="0">
+                <a:solidFill>
+                  <a:srgbClr val="000000"/>
+                </a:solidFill>
+                <a:latin typeface="Arial"/>
+                <a:ea typeface="Arial"/>
+              </a:rPr>
+              <a:t>　</a:t>
+            </a:r>
+            <a:r>
+              <a:rPr lang="en-US" altLang="ja-JP" sz="1600" b="1" strike="noStrike" spc="-1" dirty="0">
+                <a:solidFill>
+                  <a:srgbClr val="000000"/>
+                </a:solidFill>
+                <a:latin typeface="Arial"/>
+                <a:ea typeface="Arial"/>
+              </a:rPr>
+              <a:t>2017</a:t>
+            </a:r>
+            <a:r>
+              <a:rPr lang="ja-JP" altLang="en-US" sz="1600" b="1" strike="noStrike" spc="-1" dirty="0">
+                <a:solidFill>
+                  <a:srgbClr val="000000"/>
+                </a:solidFill>
+                <a:latin typeface="Arial"/>
+                <a:ea typeface="Arial"/>
+              </a:rPr>
+              <a:t>年</a:t>
+            </a:r>
+            <a:r>
+              <a:rPr lang="en-US" altLang="ja-JP" sz="1600" b="1" strike="noStrike" spc="-1" dirty="0">
+                <a:solidFill>
+                  <a:srgbClr val="000000"/>
+                </a:solidFill>
+                <a:latin typeface="Arial"/>
+                <a:ea typeface="Arial"/>
+              </a:rPr>
+              <a:t>5</a:t>
+            </a:r>
+            <a:r>
+              <a:rPr lang="ja-JP" altLang="en-US" sz="1600" b="1" strike="noStrike" spc="-1" dirty="0">
+                <a:solidFill>
+                  <a:srgbClr val="000000"/>
+                </a:solidFill>
+                <a:latin typeface="Arial"/>
+                <a:ea typeface="Arial"/>
+              </a:rPr>
+              <a:t>月</a:t>
+            </a:r>
+            <a:r>
+              <a:rPr lang="en-US" altLang="ja-JP" sz="1600" b="1" strike="noStrike" spc="-1" dirty="0">
+                <a:solidFill>
+                  <a:srgbClr val="000000"/>
+                </a:solidFill>
+                <a:latin typeface="Arial"/>
+                <a:ea typeface="Arial"/>
+              </a:rPr>
+              <a:t>18</a:t>
+            </a:r>
+            <a:r>
+              <a:rPr lang="ja-JP" altLang="en-US" sz="1600" b="1" strike="noStrike" spc="-1" dirty="0">
+                <a:solidFill>
+                  <a:srgbClr val="000000"/>
+                </a:solidFill>
+                <a:latin typeface="Arial"/>
+                <a:ea typeface="Arial"/>
+              </a:rPr>
+              <a:t>日</a:t>
+            </a:r>
+            <a:r>
+              <a:rPr lang="ja-JP" sz="1600" b="1" strike="noStrike" spc="-1" dirty="0">
+                <a:solidFill>
+                  <a:srgbClr val="000000"/>
+                </a:solidFill>
+                <a:latin typeface="Arial"/>
+                <a:ea typeface="Arial"/>
+              </a:rPr>
+              <a:t>　　     </a:t>
+            </a:r>
+            <a:r>
+              <a:rPr lang="ja-JP" altLang="en-US" sz="1600" b="1" strike="noStrike" spc="-1" dirty="0">
+                <a:solidFill>
+                  <a:srgbClr val="000000"/>
+                </a:solidFill>
+                <a:latin typeface="Arial"/>
+                <a:ea typeface="Arial"/>
+              </a:rPr>
+              <a:t>　</a:t>
+            </a:r>
+            <a:r>
+              <a:rPr lang="ja-JP" sz="1600" b="1" strike="noStrike" spc="-1" dirty="0">
+                <a:solidFill>
+                  <a:srgbClr val="000000"/>
+                </a:solidFill>
+                <a:latin typeface="Arial"/>
+                <a:ea typeface="Arial"/>
+              </a:rPr>
+              <a:t>  ・・・</a:t>
+            </a:r>
+            <a:endParaRPr lang="en-US" sz="1600" b="0" strike="noStrike" spc="-1" dirty="0">
+              <a:solidFill>
+                <a:srgbClr val="000000"/>
+              </a:solidFill>
+              <a:latin typeface="Arial"/>
+            </a:endParaRPr>
+          </a:p>
+        </p:txBody>
+      </p:sp>
+      <p:cxnSp>
+        <p:nvCxnSpPr>
+          <p:cNvPr id="241" name="直線コネクタ 24"/>
+          <p:cNvCxnSpPr/>
+          <p:nvPr/>
+        </p:nvCxnSpPr>
+        <p:spPr>
+          <a:xfrm>
+            <a:off x="718560" y="4598280"/>
+            <a:ext cx="10721160" cy="2160"/>
+          </a:xfrm>
+          <a:prstGeom prst="straightConnector1">
+            <a:avLst/>
+          </a:prstGeom>
+          <a:ln w="0">
+            <a:solidFill>
+              <a:srgbClr val="000000"/>
+            </a:solidFill>
+          </a:ln>
+        </p:spPr>
+      </p:cxnSp>
+      <p:sp>
+        <p:nvSpPr>
+          <p:cNvPr id="242" name="テキスト ボックス 4"/>
+          <p:cNvSpPr/>
+          <p:nvPr/>
+        </p:nvSpPr>
+        <p:spPr>
+          <a:xfrm>
+            <a:off x="718919" y="4126320"/>
+            <a:ext cx="7092039" cy="337100"/>
+          </a:xfrm>
+          <a:prstGeom prst="rect">
+            <a:avLst/>
+          </a:prstGeom>
+          <a:noFill/>
+          <a:ln w="0">
+            <a:noFill/>
+          </a:ln>
+        </p:spPr>
+        <p:style>
+          <a:lnRef idx="0">
+            <a:scrgbClr r="0" g="0" b="0"/>
+          </a:lnRef>
+          <a:fillRef idx="0">
+            <a:scrgbClr r="0" g="0" b="0"/>
+          </a:fillRef>
+          <a:effectRef idx="0">
+            <a:scrgbClr r="0" g="0" b="0"/>
+          </a:effectRef>
+          <a:fontRef idx="minor"/>
+        </p:style>
+        <p:txBody>
+          <a:bodyPr wrap="square" lIns="90000" tIns="45000" rIns="90000" bIns="45000" anchor="t">
+            <a:spAutoFit/>
+          </a:bodyPr>
+          <a:lstStyle/>
+          <a:p>
+            <a:pPr>
+              <a:lnSpc>
+                <a:spcPct val="100000"/>
+              </a:lnSpc>
+            </a:pPr>
+            <a:r>
+              <a:rPr lang="ja-JP" altLang="en-US" sz="1600" b="1" strike="noStrike" spc="-1" dirty="0">
+                <a:solidFill>
+                  <a:srgbClr val="000000"/>
+                </a:solidFill>
+                <a:latin typeface="Arial"/>
+                <a:ea typeface="Arial"/>
+              </a:rPr>
+              <a:t>鈴木太郎</a:t>
+            </a:r>
+            <a:r>
+              <a:rPr lang="en-US" sz="1600" b="1" strike="noStrike" spc="-1" dirty="0">
+                <a:solidFill>
+                  <a:srgbClr val="000000"/>
+                </a:solidFill>
+                <a:latin typeface="Arial"/>
+                <a:ea typeface="Arial"/>
+              </a:rPr>
+              <a:t>  </a:t>
+            </a:r>
+            <a:r>
+              <a:rPr lang="ja-JP" sz="1600" b="1" strike="noStrike" spc="-1" dirty="0">
+                <a:solidFill>
+                  <a:srgbClr val="000000"/>
+                </a:solidFill>
+                <a:latin typeface="Arial"/>
+                <a:ea typeface="Arial"/>
+              </a:rPr>
+              <a:t>　</a:t>
+            </a:r>
+            <a:r>
+              <a:rPr lang="en-US" sz="1600" b="1" strike="noStrike" spc="-1" dirty="0">
+                <a:solidFill>
+                  <a:srgbClr val="000000"/>
+                </a:solidFill>
+                <a:latin typeface="Arial"/>
+                <a:ea typeface="Arial"/>
+              </a:rPr>
+              <a:t>2</a:t>
+            </a:r>
+            <a:r>
+              <a:rPr lang="ja-JP" sz="1600" b="1" strike="noStrike" spc="-1" dirty="0">
+                <a:solidFill>
+                  <a:srgbClr val="000000"/>
+                </a:solidFill>
+                <a:latin typeface="Arial"/>
+                <a:ea typeface="Arial"/>
+              </a:rPr>
+              <a:t>　 </a:t>
+            </a:r>
+            <a:r>
+              <a:rPr lang="en-US" altLang="ja-JP" sz="1600" b="1" strike="noStrike" spc="-1" dirty="0">
+                <a:solidFill>
+                  <a:srgbClr val="000000"/>
+                </a:solidFill>
+                <a:latin typeface="Arial"/>
+                <a:ea typeface="Arial"/>
+              </a:rPr>
+              <a:t>1987</a:t>
+            </a:r>
+            <a:r>
+              <a:rPr lang="ja-JP" altLang="en-US" sz="1600" b="1" strike="noStrike" spc="-1" dirty="0">
+                <a:solidFill>
+                  <a:srgbClr val="000000"/>
+                </a:solidFill>
+                <a:latin typeface="Arial"/>
+                <a:ea typeface="Arial"/>
+              </a:rPr>
+              <a:t>年</a:t>
+            </a:r>
+            <a:r>
+              <a:rPr lang="en-US" altLang="ja-JP" sz="1600" b="1" strike="noStrike" spc="-1" dirty="0">
+                <a:solidFill>
+                  <a:srgbClr val="000000"/>
+                </a:solidFill>
+                <a:latin typeface="Arial"/>
+                <a:ea typeface="Arial"/>
+              </a:rPr>
+              <a:t>8</a:t>
+            </a:r>
+            <a:r>
+              <a:rPr lang="ja-JP" altLang="en-US" sz="1600" b="1" strike="noStrike" spc="-1" dirty="0">
+                <a:solidFill>
+                  <a:srgbClr val="000000"/>
+                </a:solidFill>
+                <a:latin typeface="Arial"/>
+                <a:ea typeface="Arial"/>
+              </a:rPr>
+              <a:t>月</a:t>
+            </a:r>
+            <a:r>
+              <a:rPr lang="en-US" altLang="ja-JP" sz="1600" b="1" strike="noStrike" spc="-1" dirty="0">
+                <a:solidFill>
+                  <a:srgbClr val="000000"/>
+                </a:solidFill>
+                <a:latin typeface="Arial"/>
+                <a:ea typeface="Arial"/>
+              </a:rPr>
+              <a:t>17</a:t>
+            </a:r>
+            <a:r>
+              <a:rPr lang="ja-JP" altLang="en-US" sz="1600" b="1" strike="noStrike" spc="-1" dirty="0">
+                <a:solidFill>
+                  <a:srgbClr val="000000"/>
+                </a:solidFill>
+                <a:latin typeface="Arial"/>
+                <a:ea typeface="Arial"/>
+              </a:rPr>
+              <a:t>日</a:t>
+            </a:r>
+            <a:r>
+              <a:rPr lang="en-US" sz="1600" b="1" strike="noStrike" spc="-1" dirty="0">
+                <a:solidFill>
+                  <a:srgbClr val="000000"/>
+                </a:solidFill>
+                <a:latin typeface="Arial"/>
+                <a:ea typeface="Arial"/>
+              </a:rPr>
+              <a:t>    </a:t>
+            </a:r>
+            <a:r>
+              <a:rPr lang="ja-JP" altLang="en-US" sz="1600" b="1" strike="noStrike" spc="-1" dirty="0">
+                <a:solidFill>
+                  <a:srgbClr val="000000"/>
+                </a:solidFill>
+                <a:latin typeface="Arial"/>
+                <a:ea typeface="Arial"/>
+              </a:rPr>
+              <a:t>　　 </a:t>
+            </a:r>
+            <a:r>
+              <a:rPr lang="en-US" altLang="ja-JP" sz="1600" b="1" strike="noStrike" spc="-1" dirty="0">
+                <a:solidFill>
+                  <a:srgbClr val="000000"/>
+                </a:solidFill>
+                <a:latin typeface="Arial"/>
+                <a:ea typeface="Arial"/>
+              </a:rPr>
+              <a:t>2012</a:t>
+            </a:r>
+            <a:r>
+              <a:rPr lang="ja-JP" altLang="en-US" sz="1600" b="1" strike="noStrike" spc="-1" dirty="0">
+                <a:solidFill>
+                  <a:srgbClr val="000000"/>
+                </a:solidFill>
+                <a:latin typeface="Arial"/>
+                <a:ea typeface="Arial"/>
+              </a:rPr>
+              <a:t>年</a:t>
+            </a:r>
+            <a:r>
+              <a:rPr lang="en-US" altLang="ja-JP" sz="1600" b="1" strike="noStrike" spc="-1" dirty="0">
+                <a:solidFill>
+                  <a:srgbClr val="000000"/>
+                </a:solidFill>
+                <a:latin typeface="Arial"/>
+                <a:ea typeface="Arial"/>
+              </a:rPr>
+              <a:t>8</a:t>
+            </a:r>
+            <a:r>
+              <a:rPr lang="ja-JP" altLang="en-US" sz="1600" b="1" strike="noStrike" spc="-1" dirty="0">
+                <a:solidFill>
+                  <a:srgbClr val="000000"/>
+                </a:solidFill>
+                <a:latin typeface="Arial"/>
+                <a:ea typeface="Arial"/>
+              </a:rPr>
+              <a:t>月</a:t>
+            </a:r>
+            <a:r>
+              <a:rPr lang="en-US" altLang="ja-JP" sz="1600" b="1" strike="noStrike" spc="-1" dirty="0">
+                <a:solidFill>
+                  <a:srgbClr val="000000"/>
+                </a:solidFill>
+                <a:latin typeface="Arial"/>
+                <a:ea typeface="Arial"/>
+              </a:rPr>
+              <a:t>17</a:t>
+            </a:r>
+            <a:r>
+              <a:rPr lang="ja-JP" altLang="en-US" sz="1600" b="1" strike="noStrike" spc="-1" dirty="0">
+                <a:solidFill>
+                  <a:srgbClr val="000000"/>
+                </a:solidFill>
+                <a:latin typeface="Arial"/>
+                <a:ea typeface="Arial"/>
+              </a:rPr>
+              <a:t>日</a:t>
+            </a:r>
+            <a:r>
+              <a:rPr lang="ja-JP" sz="1600" b="1" strike="noStrike" spc="-1" dirty="0">
+                <a:solidFill>
+                  <a:srgbClr val="000000"/>
+                </a:solidFill>
+                <a:latin typeface="Arial"/>
+                <a:ea typeface="Arial"/>
+              </a:rPr>
+              <a:t>　　       　・・・</a:t>
+            </a:r>
+            <a:endParaRPr lang="en-US" sz="1600" b="0" strike="noStrike" spc="-1" dirty="0">
+              <a:solidFill>
+                <a:srgbClr val="000000"/>
+              </a:solidFill>
+              <a:latin typeface="Arial"/>
+            </a:endParaRPr>
+          </a:p>
+        </p:txBody>
+      </p:sp>
+      <p:sp>
+        <p:nvSpPr>
+          <p:cNvPr id="243" name="正方形/長方形 7"/>
+          <p:cNvSpPr/>
+          <p:nvPr/>
+        </p:nvSpPr>
+        <p:spPr>
+          <a:xfrm>
+            <a:off x="10576440" y="4147920"/>
+            <a:ext cx="943920" cy="280440"/>
+          </a:xfrm>
+          <a:prstGeom prst="rect">
+            <a:avLst/>
+          </a:prstGeom>
+          <a:solidFill>
+            <a:srgbClr val="A9D4DB"/>
+          </a:solidFill>
+          <a:ln>
+            <a:solidFill>
+              <a:srgbClr val="4A5C5F"/>
+            </a:solidFill>
+            <a:round/>
+          </a:ln>
+        </p:spPr>
+        <p:style>
+          <a:lnRef idx="2">
+            <a:schemeClr val="accent1">
+              <a:shade val="15000"/>
+            </a:schemeClr>
+          </a:lnRef>
+          <a:fillRef idx="1">
+            <a:schemeClr val="accent1"/>
+          </a:fillRef>
+          <a:effectRef idx="0">
+            <a:schemeClr val="accent1"/>
+          </a:effectRef>
+          <a:fontRef idx="minor"/>
+        </p:style>
+        <p:txBody>
+          <a:bodyPr lIns="90000" tIns="45000" rIns="90000" bIns="45000" anchor="ctr">
+            <a:noAutofit/>
+          </a:bodyPr>
+          <a:lstStyle/>
+          <a:p>
+            <a:pPr algn="ctr">
+              <a:lnSpc>
+                <a:spcPct val="100000"/>
+              </a:lnSpc>
+            </a:pPr>
+            <a:r>
+              <a:rPr lang="ja-JP" sz="1400" b="1" strike="noStrike" spc="-1" dirty="0">
+                <a:solidFill>
+                  <a:srgbClr val="000000"/>
+                </a:solidFill>
+                <a:latin typeface="Arial"/>
+                <a:ea typeface="Arial"/>
+              </a:rPr>
+              <a:t>編集</a:t>
+            </a:r>
+            <a:endParaRPr lang="en-US" sz="1400" b="0" strike="noStrike" spc="-1" dirty="0">
+              <a:solidFill>
+                <a:srgbClr val="000000"/>
+              </a:solidFill>
+              <a:latin typeface="Arial"/>
+            </a:endParaRPr>
+          </a:p>
+        </p:txBody>
+      </p:sp>
+      <p:sp>
+        <p:nvSpPr>
+          <p:cNvPr id="244" name="正方形/長方形 8"/>
+          <p:cNvSpPr/>
+          <p:nvPr/>
+        </p:nvSpPr>
+        <p:spPr>
+          <a:xfrm>
+            <a:off x="10576440" y="3619800"/>
+            <a:ext cx="943920" cy="280440"/>
+          </a:xfrm>
+          <a:prstGeom prst="rect">
+            <a:avLst/>
+          </a:prstGeom>
+          <a:solidFill>
+            <a:srgbClr val="A9D4DB"/>
+          </a:solidFill>
+          <a:ln>
+            <a:solidFill>
+              <a:srgbClr val="4A5C5F"/>
+            </a:solidFill>
+            <a:round/>
+          </a:ln>
+        </p:spPr>
+        <p:style>
+          <a:lnRef idx="2">
+            <a:schemeClr val="accent1">
+              <a:shade val="15000"/>
+            </a:schemeClr>
+          </a:lnRef>
+          <a:fillRef idx="1">
+            <a:schemeClr val="accent1"/>
+          </a:fillRef>
+          <a:effectRef idx="0">
+            <a:schemeClr val="accent1"/>
+          </a:effectRef>
+          <a:fontRef idx="minor"/>
+        </p:style>
+        <p:txBody>
+          <a:bodyPr lIns="90000" tIns="45000" rIns="90000" bIns="45000" anchor="ctr">
+            <a:noAutofit/>
+          </a:bodyPr>
+          <a:lstStyle/>
+          <a:p>
+            <a:pPr algn="ctr">
+              <a:lnSpc>
+                <a:spcPct val="100000"/>
+              </a:lnSpc>
+            </a:pPr>
+            <a:r>
+              <a:rPr lang="ja-JP" sz="1400" b="1" strike="noStrike" spc="-1" dirty="0">
+                <a:solidFill>
+                  <a:srgbClr val="000000"/>
+                </a:solidFill>
+                <a:latin typeface="Arial"/>
+                <a:ea typeface="Arial"/>
+              </a:rPr>
+              <a:t>編集</a:t>
+            </a:r>
+            <a:endParaRPr lang="en-US" sz="1400" b="0" strike="noStrike" spc="-1" dirty="0">
+              <a:solidFill>
+                <a:srgbClr val="000000"/>
+              </a:solidFill>
+              <a:latin typeface="Arial"/>
+            </a:endParaRPr>
+          </a:p>
+        </p:txBody>
+      </p:sp>
+      <p:sp>
+        <p:nvSpPr>
+          <p:cNvPr id="245" name="正方形/長方形 6"/>
+          <p:cNvSpPr/>
+          <p:nvPr/>
+        </p:nvSpPr>
+        <p:spPr>
+          <a:xfrm>
+            <a:off x="883800" y="2179080"/>
+            <a:ext cx="1816560" cy="520920"/>
+          </a:xfrm>
+          <a:prstGeom prst="rect">
+            <a:avLst/>
+          </a:prstGeom>
+          <a:solidFill>
+            <a:srgbClr val="A9D4DB"/>
+          </a:solidFill>
+          <a:ln cap="rnd">
+            <a:solidFill>
+              <a:srgbClr val="4A5C5F"/>
+            </a:solidFill>
+            <a:round/>
+          </a:ln>
+        </p:spPr>
+        <p:style>
+          <a:lnRef idx="2">
+            <a:schemeClr val="accent1">
+              <a:shade val="15000"/>
+            </a:schemeClr>
+          </a:lnRef>
+          <a:fillRef idx="1">
+            <a:schemeClr val="accent1"/>
+          </a:fillRef>
+          <a:effectRef idx="0">
+            <a:schemeClr val="accent1"/>
+          </a:effectRef>
+          <a:fontRef idx="minor"/>
+        </p:style>
+        <p:txBody>
+          <a:bodyPr lIns="90000" tIns="45000" rIns="90000" bIns="45000" anchor="ctr">
+            <a:noAutofit/>
+          </a:bodyPr>
+          <a:lstStyle/>
+          <a:p>
+            <a:pPr algn="ctr">
+              <a:lnSpc>
+                <a:spcPct val="100000"/>
+              </a:lnSpc>
+            </a:pPr>
+            <a:r>
+              <a:rPr lang="ja-JP" sz="2000" b="1" strike="noStrike" spc="-1" dirty="0">
+                <a:solidFill>
+                  <a:srgbClr val="000000"/>
+                </a:solidFill>
+                <a:latin typeface="Arial"/>
+                <a:ea typeface="Arial"/>
+              </a:rPr>
+              <a:t>新規登録</a:t>
+            </a:r>
+            <a:endParaRPr lang="en-US" sz="2000" b="0" strike="noStrike" spc="-1" dirty="0">
+              <a:solidFill>
+                <a:srgbClr val="000000"/>
+              </a:solidFill>
+              <a:latin typeface="Arial"/>
+            </a:endParaRPr>
+          </a:p>
+        </p:txBody>
+      </p:sp>
+      <p:sp>
+        <p:nvSpPr>
+          <p:cNvPr id="246" name="テキスト ボックス 9"/>
+          <p:cNvSpPr/>
+          <p:nvPr/>
+        </p:nvSpPr>
+        <p:spPr>
+          <a:xfrm>
+            <a:off x="6017400" y="4995000"/>
+            <a:ext cx="736560" cy="596880"/>
+          </a:xfrm>
+          <a:prstGeom prst="rect">
+            <a:avLst/>
+          </a:prstGeom>
+          <a:noFill/>
+          <a:ln w="0">
+            <a:noFill/>
+          </a:ln>
+        </p:spPr>
+        <p:style>
+          <a:lnRef idx="0">
+            <a:scrgbClr r="0" g="0" b="0"/>
+          </a:lnRef>
+          <a:fillRef idx="0">
+            <a:scrgbClr r="0" g="0" b="0"/>
+          </a:fillRef>
+          <a:effectRef idx="0">
+            <a:scrgbClr r="0" g="0" b="0"/>
+          </a:effectRef>
+          <a:fontRef idx="minor"/>
+        </p:style>
+        <p:txBody>
+          <a:bodyPr vert="vert" lIns="45000" tIns="90000" rIns="45000" bIns="90000" anchor="t">
+            <a:noAutofit/>
+          </a:bodyPr>
+          <a:lstStyle/>
+          <a:p>
+            <a:pPr>
+              <a:lnSpc>
+                <a:spcPct val="100000"/>
+              </a:lnSpc>
+            </a:pPr>
+            <a:r>
+              <a:rPr lang="en-US" sz="3600" b="1" strike="noStrike" spc="-1">
+                <a:solidFill>
+                  <a:srgbClr val="000000"/>
+                </a:solidFill>
+                <a:latin typeface="Arial"/>
+                <a:ea typeface="Arial"/>
+              </a:rPr>
+              <a:t>… </a:t>
+            </a:r>
+            <a:endParaRPr lang="en-US" sz="3600" b="0" strike="noStrike" spc="-1">
+              <a:solidFill>
+                <a:srgbClr val="000000"/>
+              </a:solidFill>
+              <a:latin typeface="Arial"/>
+            </a:endParaRPr>
+          </a:p>
+        </p:txBody>
+      </p:sp>
+      <p:sp>
+        <p:nvSpPr>
+          <p:cNvPr id="16" name="PlaceHolder 1">
+            <a:extLst>
+              <a:ext uri="{FF2B5EF4-FFF2-40B4-BE49-F238E27FC236}">
+                <a16:creationId xmlns:a16="http://schemas.microsoft.com/office/drawing/2014/main" id="{4D94A865-D726-4753-8DFD-692D2AF2E6B9}"/>
+              </a:ext>
+            </a:extLst>
+          </p:cNvPr>
+          <p:cNvSpPr txBox="1">
+            <a:spLocks/>
+          </p:cNvSpPr>
+          <p:nvPr/>
+        </p:nvSpPr>
+        <p:spPr>
+          <a:xfrm>
+            <a:off x="892963" y="664774"/>
+            <a:ext cx="3361877" cy="547491"/>
+          </a:xfrm>
+          <a:prstGeom prst="rect">
+            <a:avLst/>
+          </a:prstGeom>
+        </p:spPr>
+        <p:txBody>
+          <a:bodyPr/>
+          <a:lstStyle>
+            <a:lvl1pPr algn="l" defTabSz="914400" rtl="0" eaLnBrk="1" latinLnBrk="0" hangingPunct="1">
+              <a:lnSpc>
+                <a:spcPct val="90000"/>
+              </a:lnSpc>
+              <a:spcBef>
+                <a:spcPct val="0"/>
+              </a:spcBef>
+              <a:buNone/>
+              <a:defRPr kumimoji="1" sz="4400" kern="1200">
+                <a:solidFill>
+                  <a:schemeClr val="tx1"/>
+                </a:solidFill>
+                <a:latin typeface="+mj-lt"/>
+                <a:ea typeface="+mj-ea"/>
+                <a:cs typeface="+mj-cs"/>
+              </a:defRPr>
+            </a:lvl1pPr>
+          </a:lstStyle>
+          <a:p>
+            <a:r>
+              <a:rPr lang="ja-JP" altLang="en-US" sz="2800" dirty="0"/>
+              <a:t>オーナー 一覧画面</a:t>
+            </a:r>
+            <a:endParaRPr lang="en-US" sz="2800" dirty="0"/>
+          </a:p>
+        </p:txBody>
+      </p:sp>
+    </p:spTree>
+    <p:extLst>
+      <p:ext uri="{BB962C8B-B14F-4D97-AF65-F5344CB8AC3E}">
+        <p14:creationId xmlns:p14="http://schemas.microsoft.com/office/powerpoint/2010/main" val="988113395"/>
+      </p:ext>
+    </p:extLst>
+  </p:cSld>
+  <p:clrMapOvr>
+    <a:masterClrMapping/>
+  </p:clrMapOvr>
+</p:sld>
+</file>
+
 <file path=ppt/slides/slide2.xml><?xml version="1.0" encoding="utf-8"?>
 <p:sld xmlns:a="http://schemas.openxmlformats.org/drawingml/2006/main" xmlns:r="http://schemas.openxmlformats.org/officeDocument/2006/relationships" xmlns:p="http://schemas.openxmlformats.org/presentationml/2006/main" showMasterSp="0">
   <p:cSld>
@@ -15315,7 +17233,7 @@
             </a:r>
             <a:r>
               <a:rPr kumimoji="1" lang="ja-JP" altLang="en-US" sz="2800" dirty="0"/>
-              <a:t>サイトを作成し顧客との直接の契約をすることにより利益・契約の獲得を図る</a:t>
+              <a:t>サイトを作成し顧客との直接の契約をすることにより利益・契約の獲得を図る。</a:t>
             </a:r>
             <a:endParaRPr kumimoji="1" lang="en-US" altLang="ja-JP" sz="2800" dirty="0"/>
           </a:p>

--- a/要件定義書.pptx
+++ b/要件定義書.pptx
@@ -6,7 +6,7 @@
     <p:sldMasterId id="2147483661" r:id="rId2"/>
   </p:sldMasterIdLst>
   <p:notesMasterIdLst>
-    <p:notesMasterId r:id="rId18"/>
+    <p:notesMasterId r:id="rId20"/>
   </p:notesMasterIdLst>
   <p:sldIdLst>
     <p:sldId id="256" r:id="rId3"/>
@@ -21,9 +21,11 @@
     <p:sldId id="263" r:id="rId12"/>
     <p:sldId id="264" r:id="rId13"/>
     <p:sldId id="275" r:id="rId14"/>
-    <p:sldId id="266" r:id="rId15"/>
-    <p:sldId id="267" r:id="rId16"/>
-    <p:sldId id="277" r:id="rId17"/>
+    <p:sldId id="278" r:id="rId15"/>
+    <p:sldId id="266" r:id="rId16"/>
+    <p:sldId id="267" r:id="rId17"/>
+    <p:sldId id="277" r:id="rId18"/>
+    <p:sldId id="279" r:id="rId19"/>
   </p:sldIdLst>
   <p:sldSz cx="12192000" cy="6858000"/>
   <p:notesSz cx="6858000" cy="9144000"/>
@@ -1078,7 +1080,7 @@
       </p:grpSpPr>
       <p:sp>
         <p:nvSpPr>
-          <p:cNvPr id="277" name="PlaceHolder 1"/>
+          <p:cNvPr id="274" name="PlaceHolder 1"/>
           <p:cNvSpPr>
             <a:spLocks noGrp="1" noRot="1" noChangeAspect="1"/>
           </p:cNvSpPr>
@@ -1101,7 +1103,7 @@
       </p:sp>
       <p:sp>
         <p:nvSpPr>
-          <p:cNvPr id="278" name="PlaceHolder 2"/>
+          <p:cNvPr id="275" name="PlaceHolder 2"/>
           <p:cNvSpPr>
             <a:spLocks noGrp="1"/>
           </p:cNvSpPr>
@@ -1142,12 +1144,12 @@
       </p:sp>
       <p:sp>
         <p:nvSpPr>
-          <p:cNvPr id="279" name="PlaceHolder 3"/>
+          <p:cNvPr id="276" name="PlaceHolder 3"/>
           <p:cNvSpPr>
             <a:spLocks noGrp="1"/>
           </p:cNvSpPr>
           <p:nvPr>
-            <p:ph type="sldNum" idx="20"/>
+            <p:ph type="sldNum" idx="19"/>
           </p:nvPr>
         </p:nvSpPr>
         <p:spPr>
@@ -1194,7 +1196,7 @@
                 <a:tab pos="0" algn="l"/>
               </a:tabLst>
             </a:pPr>
-            <a:fld id="{F64568F3-CD49-4871-A19B-390BE5E97BA1}" type="slidenum">
+            <a:fld id="{02594C92-F883-482D-AB45-2385F39E9A8A}" type="slidenum">
               <a:rPr lang="en-US" sz="1400" b="0" strike="noStrike" spc="-1">
                 <a:solidFill>
                   <a:srgbClr val="000000"/>
@@ -1213,6 +1215,11 @@
         </p:txBody>
       </p:sp>
     </p:spTree>
+    <p:extLst>
+      <p:ext uri="{BB962C8B-B14F-4D97-AF65-F5344CB8AC3E}">
+        <p14:creationId xmlns:p14="http://schemas.microsoft.com/office/powerpoint/2010/main" val="3936349972"/>
+      </p:ext>
+    </p:extLst>
   </p:cSld>
   <p:clrMapOvr>
     <a:masterClrMapping/>
@@ -1239,7 +1246,7 @@
       </p:grpSpPr>
       <p:sp>
         <p:nvSpPr>
-          <p:cNvPr id="280" name="PlaceHolder 1"/>
+          <p:cNvPr id="277" name="PlaceHolder 1"/>
           <p:cNvSpPr>
             <a:spLocks noGrp="1" noRot="1" noChangeAspect="1"/>
           </p:cNvSpPr>
@@ -1262,7 +1269,7 @@
       </p:sp>
       <p:sp>
         <p:nvSpPr>
-          <p:cNvPr id="281" name="PlaceHolder 2"/>
+          <p:cNvPr id="278" name="PlaceHolder 2"/>
           <p:cNvSpPr>
             <a:spLocks noGrp="1"/>
           </p:cNvSpPr>
@@ -1303,12 +1310,12 @@
       </p:sp>
       <p:sp>
         <p:nvSpPr>
-          <p:cNvPr id="282" name="PlaceHolder 3"/>
+          <p:cNvPr id="279" name="PlaceHolder 3"/>
           <p:cNvSpPr>
             <a:spLocks noGrp="1"/>
           </p:cNvSpPr>
           <p:nvPr>
-            <p:ph type="sldNum" idx="21"/>
+            <p:ph type="sldNum" idx="20"/>
           </p:nvPr>
         </p:nvSpPr>
         <p:spPr>
@@ -1355,7 +1362,7 @@
                 <a:tab pos="0" algn="l"/>
               </a:tabLst>
             </a:pPr>
-            <a:fld id="{2260D47E-DB66-4C57-A4F7-4574F8AC0551}" type="slidenum">
+            <a:fld id="{F64568F3-CD49-4871-A19B-390BE5E97BA1}" type="slidenum">
               <a:rPr lang="en-US" sz="1400" b="0" strike="noStrike" spc="-1">
                 <a:solidFill>
                   <a:srgbClr val="000000"/>
@@ -1535,9 +1542,336 @@
         </p:txBody>
       </p:sp>
     </p:spTree>
+  </p:cSld>
+  <p:clrMapOvr>
+    <a:masterClrMapping/>
+  </p:clrMapOvr>
+</p:notes>
+</file>
+
+<file path=ppt/notesSlides/notesSlide15.xml><?xml version="1.0" encoding="utf-8"?>
+<p:notes xmlns:a="http://schemas.openxmlformats.org/drawingml/2006/main" xmlns:r="http://schemas.openxmlformats.org/officeDocument/2006/relationships" xmlns:p="http://schemas.openxmlformats.org/presentationml/2006/main">
+  <p:cSld>
+    <p:spTree>
+      <p:nvGrpSpPr>
+        <p:cNvPr id="1" name=""/>
+        <p:cNvGrpSpPr/>
+        <p:nvPr/>
+      </p:nvGrpSpPr>
+      <p:grpSpPr>
+        <a:xfrm>
+          <a:off x="0" y="0"/>
+          <a:ext cx="0" cy="0"/>
+          <a:chOff x="0" y="0"/>
+          <a:chExt cx="0" cy="0"/>
+        </a:xfrm>
+      </p:grpSpPr>
+      <p:sp>
+        <p:nvSpPr>
+          <p:cNvPr id="280" name="PlaceHolder 1"/>
+          <p:cNvSpPr>
+            <a:spLocks noGrp="1" noRot="1" noChangeAspect="1"/>
+          </p:cNvSpPr>
+          <p:nvPr>
+            <p:ph type="sldImg"/>
+          </p:nvPr>
+        </p:nvSpPr>
+        <p:spPr>
+          <a:xfrm>
+            <a:off x="685800" y="1143000"/>
+            <a:ext cx="5484813" cy="3084513"/>
+          </a:xfrm>
+          <a:prstGeom prst="rect">
+            <a:avLst/>
+          </a:prstGeom>
+          <a:ln w="0">
+            <a:noFill/>
+          </a:ln>
+        </p:spPr>
+      </p:sp>
+      <p:sp>
+        <p:nvSpPr>
+          <p:cNvPr id="281" name="PlaceHolder 2"/>
+          <p:cNvSpPr>
+            <a:spLocks noGrp="1"/>
+          </p:cNvSpPr>
+          <p:nvPr>
+            <p:ph type="body"/>
+          </p:nvPr>
+        </p:nvSpPr>
+        <p:spPr>
+          <a:xfrm>
+            <a:off x="685800" y="4400640"/>
+            <a:ext cx="5484240" cy="3598560"/>
+          </a:xfrm>
+          <a:prstGeom prst="rect">
+            <a:avLst/>
+          </a:prstGeom>
+          <a:noFill/>
+          <a:ln w="0">
+            <a:noFill/>
+          </a:ln>
+        </p:spPr>
+        <p:txBody>
+          <a:bodyPr lIns="0" tIns="0" rIns="0" bIns="0" anchor="t">
+            <a:noAutofit/>
+          </a:bodyPr>
+          <a:lstStyle/>
+          <a:p>
+            <a:pPr marL="216000" indent="0">
+              <a:buNone/>
+            </a:pPr>
+            <a:endParaRPr lang="en-US" sz="1800" b="0" strike="noStrike" spc="-1">
+              <a:solidFill>
+                <a:srgbClr val="000000"/>
+              </a:solidFill>
+              <a:latin typeface="Arial"/>
+            </a:endParaRPr>
+          </a:p>
+        </p:txBody>
+      </p:sp>
+      <p:sp>
+        <p:nvSpPr>
+          <p:cNvPr id="282" name="PlaceHolder 3"/>
+          <p:cNvSpPr>
+            <a:spLocks noGrp="1"/>
+          </p:cNvSpPr>
+          <p:nvPr>
+            <p:ph type="sldNum" idx="21"/>
+          </p:nvPr>
+        </p:nvSpPr>
+        <p:spPr>
+          <a:xfrm>
+            <a:off x="3884760" y="8685360"/>
+            <a:ext cx="2969640" cy="456480"/>
+          </a:xfrm>
+          <a:prstGeom prst="rect">
+            <a:avLst/>
+          </a:prstGeom>
+          <a:noFill/>
+          <a:ln w="0">
+            <a:noFill/>
+          </a:ln>
+        </p:spPr>
+        <p:txBody>
+          <a:bodyPr lIns="0" tIns="0" rIns="0" bIns="0" anchor="b">
+            <a:noAutofit/>
+          </a:bodyPr>
+          <a:lstStyle>
+            <a:lvl1pPr indent="0" algn="r">
+              <a:lnSpc>
+                <a:spcPct val="100000"/>
+              </a:lnSpc>
+              <a:buNone/>
+              <a:tabLst>
+                <a:tab pos="0" algn="l"/>
+              </a:tabLst>
+              <a:defRPr lang="en-US" sz="1400" b="0" strike="noStrike" spc="-1">
+                <a:solidFill>
+                  <a:srgbClr val="000000"/>
+                </a:solidFill>
+                <a:latin typeface="游明朝"/>
+              </a:defRPr>
+            </a:lvl1pPr>
+          </a:lstStyle>
+          <a:p>
+            <a:pPr indent="0" algn="r">
+              <a:lnSpc>
+                <a:spcPct val="100000"/>
+              </a:lnSpc>
+              <a:buNone/>
+              <a:tabLst>
+                <a:tab pos="0" algn="l"/>
+              </a:tabLst>
+            </a:pPr>
+            <a:fld id="{2260D47E-DB66-4C57-A4F7-4574F8AC0551}" type="slidenum">
+              <a:rPr lang="en-US" sz="1400" b="0" strike="noStrike" spc="-1">
+                <a:solidFill>
+                  <a:srgbClr val="000000"/>
+                </a:solidFill>
+                <a:latin typeface="游明朝"/>
+              </a:rPr>
+              <a:t>16</a:t>
+            </a:fld>
+            <a:endParaRPr lang="en-US" sz="1400" b="0" strike="noStrike" spc="-1">
+              <a:solidFill>
+                <a:srgbClr val="000000"/>
+              </a:solidFill>
+              <a:latin typeface="游明朝"/>
+            </a:endParaRPr>
+          </a:p>
+        </p:txBody>
+      </p:sp>
+    </p:spTree>
     <p:extLst>
       <p:ext uri="{BB962C8B-B14F-4D97-AF65-F5344CB8AC3E}">
         <p14:creationId xmlns:p14="http://schemas.microsoft.com/office/powerpoint/2010/main" val="4224635549"/>
+      </p:ext>
+    </p:extLst>
+  </p:cSld>
+  <p:clrMapOvr>
+    <a:masterClrMapping/>
+  </p:clrMapOvr>
+</p:notes>
+</file>
+
+<file path=ppt/notesSlides/notesSlide16.xml><?xml version="1.0" encoding="utf-8"?>
+<p:notes xmlns:a="http://schemas.openxmlformats.org/drawingml/2006/main" xmlns:r="http://schemas.openxmlformats.org/officeDocument/2006/relationships" xmlns:p="http://schemas.openxmlformats.org/presentationml/2006/main">
+  <p:cSld>
+    <p:spTree>
+      <p:nvGrpSpPr>
+        <p:cNvPr id="1" name=""/>
+        <p:cNvGrpSpPr/>
+        <p:nvPr/>
+      </p:nvGrpSpPr>
+      <p:grpSpPr>
+        <a:xfrm>
+          <a:off x="0" y="0"/>
+          <a:ext cx="0" cy="0"/>
+          <a:chOff x="0" y="0"/>
+          <a:chExt cx="0" cy="0"/>
+        </a:xfrm>
+      </p:grpSpPr>
+      <p:sp>
+        <p:nvSpPr>
+          <p:cNvPr id="280" name="PlaceHolder 1"/>
+          <p:cNvSpPr>
+            <a:spLocks noGrp="1" noRot="1" noChangeAspect="1"/>
+          </p:cNvSpPr>
+          <p:nvPr>
+            <p:ph type="sldImg"/>
+          </p:nvPr>
+        </p:nvSpPr>
+        <p:spPr>
+          <a:xfrm>
+            <a:off x="685800" y="1143000"/>
+            <a:ext cx="5484813" cy="3084513"/>
+          </a:xfrm>
+          <a:prstGeom prst="rect">
+            <a:avLst/>
+          </a:prstGeom>
+          <a:ln w="0">
+            <a:noFill/>
+          </a:ln>
+        </p:spPr>
+      </p:sp>
+      <p:sp>
+        <p:nvSpPr>
+          <p:cNvPr id="281" name="PlaceHolder 2"/>
+          <p:cNvSpPr>
+            <a:spLocks noGrp="1"/>
+          </p:cNvSpPr>
+          <p:nvPr>
+            <p:ph type="body"/>
+          </p:nvPr>
+        </p:nvSpPr>
+        <p:spPr>
+          <a:xfrm>
+            <a:off x="685800" y="4400640"/>
+            <a:ext cx="5484240" cy="3598560"/>
+          </a:xfrm>
+          <a:prstGeom prst="rect">
+            <a:avLst/>
+          </a:prstGeom>
+          <a:noFill/>
+          <a:ln w="0">
+            <a:noFill/>
+          </a:ln>
+        </p:spPr>
+        <p:txBody>
+          <a:bodyPr lIns="0" tIns="0" rIns="0" bIns="0" anchor="t">
+            <a:noAutofit/>
+          </a:bodyPr>
+          <a:lstStyle/>
+          <a:p>
+            <a:pPr marL="216000" indent="0">
+              <a:buNone/>
+            </a:pPr>
+            <a:endParaRPr lang="en-US" sz="1800" b="0" strike="noStrike" spc="-1">
+              <a:solidFill>
+                <a:srgbClr val="000000"/>
+              </a:solidFill>
+              <a:latin typeface="Arial"/>
+            </a:endParaRPr>
+          </a:p>
+        </p:txBody>
+      </p:sp>
+      <p:sp>
+        <p:nvSpPr>
+          <p:cNvPr id="282" name="PlaceHolder 3"/>
+          <p:cNvSpPr>
+            <a:spLocks noGrp="1"/>
+          </p:cNvSpPr>
+          <p:nvPr>
+            <p:ph type="sldNum" idx="21"/>
+          </p:nvPr>
+        </p:nvSpPr>
+        <p:spPr>
+          <a:xfrm>
+            <a:off x="3884760" y="8685360"/>
+            <a:ext cx="2969640" cy="456480"/>
+          </a:xfrm>
+          <a:prstGeom prst="rect">
+            <a:avLst/>
+          </a:prstGeom>
+          <a:noFill/>
+          <a:ln w="0">
+            <a:noFill/>
+          </a:ln>
+        </p:spPr>
+        <p:txBody>
+          <a:bodyPr lIns="0" tIns="0" rIns="0" bIns="0" anchor="b">
+            <a:noAutofit/>
+          </a:bodyPr>
+          <a:lstStyle>
+            <a:lvl1pPr indent="0" algn="r">
+              <a:lnSpc>
+                <a:spcPct val="100000"/>
+              </a:lnSpc>
+              <a:buNone/>
+              <a:tabLst>
+                <a:tab pos="0" algn="l"/>
+              </a:tabLst>
+              <a:defRPr lang="en-US" sz="1400" b="0" strike="noStrike" spc="-1">
+                <a:solidFill>
+                  <a:srgbClr val="000000"/>
+                </a:solidFill>
+                <a:latin typeface="游明朝"/>
+              </a:defRPr>
+            </a:lvl1pPr>
+          </a:lstStyle>
+          <a:p>
+            <a:pPr indent="0" algn="r">
+              <a:lnSpc>
+                <a:spcPct val="100000"/>
+              </a:lnSpc>
+              <a:buNone/>
+              <a:tabLst>
+                <a:tab pos="0" algn="l"/>
+              </a:tabLst>
+            </a:pPr>
+            <a:fld id="{2260D47E-DB66-4C57-A4F7-4574F8AC0551}" type="slidenum">
+              <a:rPr lang="en-US" sz="1400" b="0" strike="noStrike" spc="-1">
+                <a:solidFill>
+                  <a:srgbClr val="000000"/>
+                </a:solidFill>
+                <a:latin typeface="游明朝"/>
+              </a:rPr>
+              <a:t>17</a:t>
+            </a:fld>
+            <a:endParaRPr lang="en-US" sz="1400" b="0" strike="noStrike" spc="-1">
+              <a:solidFill>
+                <a:srgbClr val="000000"/>
+              </a:solidFill>
+              <a:latin typeface="游明朝"/>
+            </a:endParaRPr>
+          </a:p>
+        </p:txBody>
+      </p:sp>
+    </p:spTree>
+    <p:extLst>
+      <p:ext uri="{BB962C8B-B14F-4D97-AF65-F5344CB8AC3E}">
+        <p14:creationId xmlns:p14="http://schemas.microsoft.com/office/powerpoint/2010/main" val="428869760"/>
       </p:ext>
     </p:extLst>
   </p:cSld>
@@ -9166,16 +9500,35 @@
               </a:lnSpc>
             </a:pPr>
             <a:r>
-              <a:rPr lang="ja-JP" sz="1400" b="1" strike="noStrike" spc="-1">
-                <a:solidFill>
-                  <a:srgbClr val="000000"/>
-                </a:solidFill>
-                <a:latin typeface="Arial"/>
-                <a:ea typeface="Arial"/>
-              </a:rPr>
-              <a:t>　　　　　　　　ホーム　お気に入り　会社概要　お問い合わせ</a:t>
-            </a:r>
-            <a:endParaRPr lang="en-US" sz="1400" b="0" strike="noStrike" spc="-1">
+              <a:rPr lang="ja-JP" sz="1400" b="1" strike="noStrike" spc="-1" dirty="0">
+                <a:solidFill>
+                  <a:srgbClr val="000000"/>
+                </a:solidFill>
+                <a:latin typeface="Arial"/>
+                <a:ea typeface="Arial"/>
+              </a:rPr>
+              <a:t>　　　　　　　　ホーム　お気に入り</a:t>
+            </a:r>
+            <a:r>
+              <a:rPr lang="ja-JP" altLang="en-US" sz="1400" b="1" spc="-1" dirty="0">
+                <a:solidFill>
+                  <a:srgbClr val="000000"/>
+                </a:solidFill>
+                <a:ea typeface="Arial"/>
+              </a:rPr>
+              <a:t>　ログイン</a:t>
+            </a:r>
+            <a:r>
+              <a:rPr lang="ja-JP" sz="1400" b="1" strike="noStrike" spc="-1" dirty="0">
+                <a:solidFill>
+                  <a:srgbClr val="000000"/>
+                </a:solidFill>
+                <a:latin typeface="Arial"/>
+                <a:ea typeface="Arial"/>
+              </a:rPr>
+              <a:t>　会社概要　お問い合わせ</a:t>
+            </a:r>
+            <a:endParaRPr lang="en-US" sz="1400" b="0" strike="noStrike" spc="-1" dirty="0">
               <a:solidFill>
                 <a:srgbClr val="000000"/>
               </a:solidFill>
@@ -12052,16 +12405,35 @@
               </a:lnSpc>
             </a:pPr>
             <a:r>
-              <a:rPr lang="ja-JP" sz="1400" b="1" strike="noStrike" spc="-1">
-                <a:solidFill>
-                  <a:srgbClr val="000000"/>
-                </a:solidFill>
-                <a:latin typeface="Arial"/>
-                <a:ea typeface="Arial"/>
-              </a:rPr>
-              <a:t>　　　　　　　　ホーム　お気に入り　会社概要　お問い合わせ</a:t>
-            </a:r>
-            <a:endParaRPr lang="en-US" sz="1400" b="0" strike="noStrike" spc="-1">
+              <a:rPr lang="ja-JP" sz="1400" b="1" strike="noStrike" spc="-1" dirty="0">
+                <a:solidFill>
+                  <a:srgbClr val="000000"/>
+                </a:solidFill>
+                <a:latin typeface="Arial"/>
+                <a:ea typeface="Arial"/>
+              </a:rPr>
+              <a:t>　　　　　　　　ホーム　お気に入り</a:t>
+            </a:r>
+            <a:r>
+              <a:rPr lang="ja-JP" altLang="en-US" sz="1400" b="1" spc="-1" dirty="0">
+                <a:solidFill>
+                  <a:srgbClr val="000000"/>
+                </a:solidFill>
+                <a:ea typeface="Arial"/>
+              </a:rPr>
+              <a:t>　ログイン</a:t>
+            </a:r>
+            <a:r>
+              <a:rPr lang="ja-JP" sz="1400" b="1" strike="noStrike" spc="-1" dirty="0">
+                <a:solidFill>
+                  <a:srgbClr val="000000"/>
+                </a:solidFill>
+                <a:latin typeface="Arial"/>
+                <a:ea typeface="Arial"/>
+              </a:rPr>
+              <a:t>　会社概要　お問い合わせ</a:t>
+            </a:r>
+            <a:endParaRPr lang="en-US" sz="1400" b="0" strike="noStrike" spc="-1" dirty="0">
               <a:solidFill>
                 <a:srgbClr val="000000"/>
               </a:solidFill>
@@ -12786,7 +13158,7 @@
         </p:nvSpPr>
         <p:spPr>
           <a:xfrm>
-            <a:off x="478440" y="1277188"/>
+            <a:off x="478560" y="1202816"/>
             <a:ext cx="11234880" cy="5493600"/>
           </a:xfrm>
           <a:prstGeom prst="rect">
@@ -12848,8 +13220,8 @@
         </p:nvSpPr>
         <p:spPr>
           <a:xfrm>
-            <a:off x="2994989" y="2273233"/>
-            <a:ext cx="1278000" cy="520920"/>
+            <a:off x="4123637" y="3367271"/>
+            <a:ext cx="1852434" cy="720904"/>
           </a:xfrm>
           <a:prstGeom prst="rect">
             <a:avLst/>
@@ -12890,14 +13262,24 @@
               </a:lnSpc>
             </a:pPr>
             <a:r>
-              <a:rPr lang="ja-JP" sz="2000" b="1" strike="noStrike" spc="-1" dirty="0">
-                <a:solidFill>
-                  <a:srgbClr val="000000"/>
-                </a:solidFill>
-                <a:latin typeface="Arial"/>
-                <a:ea typeface="Arial"/>
-              </a:rPr>
-              <a:t>新規登録</a:t>
+              <a:rPr lang="ja-JP" altLang="en-US" sz="2000" b="1" spc="-1" dirty="0">
+                <a:solidFill>
+                  <a:srgbClr val="000000"/>
+                </a:solidFill>
+                <a:latin typeface="Arial"/>
+                <a:ea typeface="Arial"/>
+              </a:rPr>
+              <a:t>物件</a:t>
+            </a:r>
+            <a:r>
+              <a:rPr lang="ja-JP" altLang="en-US" sz="2000" b="1" strike="noStrike" spc="-1" dirty="0">
+                <a:solidFill>
+                  <a:srgbClr val="000000"/>
+                </a:solidFill>
+                <a:latin typeface="Arial"/>
+                <a:ea typeface="Arial"/>
+              </a:rPr>
+              <a:t>一覧</a:t>
             </a:r>
             <a:endParaRPr lang="en-US" sz="2000" b="0" strike="noStrike" spc="-1" dirty="0">
               <a:solidFill>
@@ -12916,8 +13298,8 @@
         </p:nvSpPr>
         <p:spPr>
           <a:xfrm>
-            <a:off x="3633989" y="1596422"/>
-            <a:ext cx="6293520" cy="521766"/>
+            <a:off x="5639059" y="1751467"/>
+            <a:ext cx="2171900" cy="521766"/>
           </a:xfrm>
           <a:prstGeom prst="rect">
             <a:avLst/>
@@ -12940,7 +13322,7 @@
           <a:fontRef idx="minor"/>
         </p:style>
         <p:txBody>
-          <a:bodyPr lIns="90000" tIns="45000" rIns="90000" bIns="45000" anchor="t">
+          <a:bodyPr wrap="square" lIns="90000" tIns="45000" rIns="90000" bIns="45000" anchor="t">
             <a:spAutoFit/>
           </a:bodyPr>
           <a:lstStyle/>
@@ -12958,303 +13340,9 @@
                 <a:latin typeface="Arial"/>
                 <a:ea typeface="Arial"/>
               </a:rPr>
-              <a:t>物件</a:t>
-            </a:r>
-            <a:r>
-              <a:rPr lang="ja-JP" sz="2800" b="1" strike="noStrike" spc="-1" dirty="0">
-                <a:solidFill>
-                  <a:srgbClr val="000000"/>
-                </a:solidFill>
-                <a:latin typeface="Arial"/>
-                <a:ea typeface="Arial"/>
-              </a:rPr>
-              <a:t>一覧・新規登録・編集</a:t>
+              <a:t>管理画面</a:t>
             </a:r>
             <a:endParaRPr lang="en-US" sz="2800" b="0" strike="noStrike" spc="-1" dirty="0">
-              <a:solidFill>
-                <a:srgbClr val="000000"/>
-              </a:solidFill>
-              <a:latin typeface="Arial"/>
-            </a:endParaRPr>
-          </a:p>
-        </p:txBody>
-      </p:sp>
-      <p:sp>
-        <p:nvSpPr>
-          <p:cNvPr id="205" name="テキスト ボックス 10"/>
-          <p:cNvSpPr/>
-          <p:nvPr/>
-        </p:nvSpPr>
-        <p:spPr>
-          <a:xfrm>
-            <a:off x="3233521" y="3062083"/>
-            <a:ext cx="6030296" cy="337100"/>
-          </a:xfrm>
-          <a:prstGeom prst="rect">
-            <a:avLst/>
-          </a:prstGeom>
-          <a:noFill/>
-          <a:ln w="0">
-            <a:noFill/>
-          </a:ln>
-        </p:spPr>
-        <p:style>
-          <a:lnRef idx="0">
-            <a:scrgbClr r="0" g="0" b="0"/>
-          </a:lnRef>
-          <a:fillRef idx="0">
-            <a:scrgbClr r="0" g="0" b="0"/>
-          </a:fillRef>
-          <a:effectRef idx="0">
-            <a:scrgbClr r="0" g="0" b="0"/>
-          </a:effectRef>
-          <a:fontRef idx="minor"/>
-        </p:style>
-        <p:txBody>
-          <a:bodyPr wrap="square" lIns="90000" tIns="45000" rIns="90000" bIns="45000" anchor="t">
-            <a:spAutoFit/>
-          </a:bodyPr>
-          <a:lstStyle/>
-          <a:p>
-            <a:pPr>
-              <a:lnSpc>
-                <a:spcPct val="100000"/>
-              </a:lnSpc>
-            </a:pPr>
-            <a:r>
-              <a:rPr lang="ja-JP" altLang="en-US" sz="1600" b="1" strike="noStrike" spc="-1" dirty="0">
-                <a:solidFill>
-                  <a:srgbClr val="000000"/>
-                </a:solidFill>
-                <a:latin typeface="Arial"/>
-                <a:ea typeface="Arial"/>
-              </a:rPr>
-              <a:t>アパート</a:t>
-            </a:r>
-            <a:r>
-              <a:rPr lang="ja-JP" sz="1600" b="1" strike="noStrike" spc="-1" dirty="0">
-                <a:solidFill>
-                  <a:srgbClr val="000000"/>
-                </a:solidFill>
-                <a:latin typeface="Arial"/>
-                <a:ea typeface="Arial"/>
-              </a:rPr>
-              <a:t>名　　　　　住所　　　　　　</a:t>
-            </a:r>
-            <a:r>
-              <a:rPr lang="ja-JP" altLang="en-US" sz="1600" b="1" strike="noStrike" spc="-1" dirty="0">
-                <a:solidFill>
-                  <a:srgbClr val="000000"/>
-                </a:solidFill>
-                <a:latin typeface="Arial"/>
-                <a:ea typeface="Arial"/>
-              </a:rPr>
-              <a:t>オーナー</a:t>
-            </a:r>
-            <a:endParaRPr lang="en-US" sz="1600" b="0" strike="noStrike" spc="-1" dirty="0">
-              <a:solidFill>
-                <a:srgbClr val="000000"/>
-              </a:solidFill>
-              <a:latin typeface="Arial"/>
-            </a:endParaRPr>
-          </a:p>
-        </p:txBody>
-      </p:sp>
-      <p:cxnSp>
-        <p:nvCxnSpPr>
-          <p:cNvPr id="206" name="直線コネクタ 12"/>
-          <p:cNvCxnSpPr>
-            <a:cxnSpLocks/>
-          </p:cNvCxnSpPr>
-          <p:nvPr/>
-        </p:nvCxnSpPr>
-        <p:spPr>
-          <a:xfrm flipV="1">
-            <a:off x="3319921" y="3475990"/>
-            <a:ext cx="5178240" cy="17860"/>
-          </a:xfrm>
-          <a:prstGeom prst="straightConnector1">
-            <a:avLst/>
-          </a:prstGeom>
-          <a:ln w="0">
-            <a:solidFill>
-              <a:srgbClr val="000000"/>
-            </a:solidFill>
-          </a:ln>
-        </p:spPr>
-      </p:cxnSp>
-      <p:sp>
-        <p:nvSpPr>
-          <p:cNvPr id="208" name="テキスト ボックス 22"/>
-          <p:cNvSpPr/>
-          <p:nvPr/>
-        </p:nvSpPr>
-        <p:spPr>
-          <a:xfrm>
-            <a:off x="3233521" y="3632323"/>
-            <a:ext cx="6030296" cy="337100"/>
-          </a:xfrm>
-          <a:prstGeom prst="rect">
-            <a:avLst/>
-          </a:prstGeom>
-          <a:noFill/>
-          <a:ln w="0">
-            <a:noFill/>
-          </a:ln>
-        </p:spPr>
-        <p:style>
-          <a:lnRef idx="0">
-            <a:scrgbClr r="0" g="0" b="0"/>
-          </a:lnRef>
-          <a:fillRef idx="0">
-            <a:scrgbClr r="0" g="0" b="0"/>
-          </a:fillRef>
-          <a:effectRef idx="0">
-            <a:scrgbClr r="0" g="0" b="0"/>
-          </a:effectRef>
-          <a:fontRef idx="minor"/>
-        </p:style>
-        <p:txBody>
-          <a:bodyPr wrap="square" lIns="90000" tIns="45000" rIns="90000" bIns="45000" anchor="t">
-            <a:spAutoFit/>
-          </a:bodyPr>
-          <a:lstStyle/>
-          <a:p>
-            <a:pPr>
-              <a:lnSpc>
-                <a:spcPct val="100000"/>
-              </a:lnSpc>
-            </a:pPr>
-            <a:r>
-              <a:rPr lang="ja-JP" altLang="ja-JP" sz="1600" b="1" spc="-1" dirty="0">
-                <a:solidFill>
-                  <a:srgbClr val="000000"/>
-                </a:solidFill>
-                <a:ea typeface="Arial"/>
-              </a:rPr>
-              <a:t>レオパレス</a:t>
-            </a:r>
-            <a:r>
-              <a:rPr lang="ja-JP" altLang="en-US" sz="1600" b="1" spc="-1" dirty="0">
-                <a:solidFill>
-                  <a:srgbClr val="000000"/>
-                </a:solidFill>
-                <a:ea typeface="Arial"/>
-              </a:rPr>
-              <a:t>荻窪</a:t>
-            </a:r>
-            <a:r>
-              <a:rPr lang="ja-JP" sz="1600" b="1" strike="noStrike" spc="-1" dirty="0">
-                <a:solidFill>
-                  <a:srgbClr val="000000"/>
-                </a:solidFill>
-                <a:latin typeface="Arial"/>
-                <a:ea typeface="Arial"/>
-              </a:rPr>
-              <a:t>　　東京都</a:t>
-            </a:r>
-            <a:r>
-              <a:rPr lang="ja-JP" altLang="en-US" sz="1600" b="1" strike="noStrike" spc="-1" dirty="0">
-                <a:solidFill>
-                  <a:srgbClr val="000000"/>
-                </a:solidFill>
-                <a:latin typeface="Arial"/>
-                <a:ea typeface="Arial"/>
-              </a:rPr>
-              <a:t>杉並区</a:t>
-            </a:r>
-            <a:r>
-              <a:rPr lang="ja-JP" sz="1600" b="1" strike="noStrike" spc="-1" dirty="0">
-                <a:solidFill>
-                  <a:srgbClr val="000000"/>
-                </a:solidFill>
-                <a:latin typeface="Arial"/>
-                <a:ea typeface="Arial"/>
-              </a:rPr>
-              <a:t>荻窪　</a:t>
-            </a:r>
-            <a:r>
-              <a:rPr lang="ja-JP" altLang="en-US" sz="1600" b="1" spc="-1" dirty="0">
-                <a:solidFill>
-                  <a:srgbClr val="000000"/>
-                </a:solidFill>
-                <a:latin typeface="Arial"/>
-                <a:ea typeface="Arial"/>
-              </a:rPr>
-              <a:t>山田 太郎</a:t>
-            </a:r>
-            <a:r>
-              <a:rPr lang="ja-JP" sz="1600" b="1" strike="noStrike" spc="-1" dirty="0">
-                <a:solidFill>
-                  <a:srgbClr val="000000"/>
-                </a:solidFill>
-                <a:latin typeface="Arial"/>
-                <a:ea typeface="Arial"/>
-              </a:rPr>
-              <a:t>　　　　　　　　 </a:t>
-            </a:r>
-            <a:endParaRPr lang="en-US" sz="1600" b="0" strike="noStrike" spc="-1" dirty="0">
-              <a:solidFill>
-                <a:srgbClr val="000000"/>
-              </a:solidFill>
-              <a:latin typeface="Arial"/>
-            </a:endParaRPr>
-          </a:p>
-        </p:txBody>
-      </p:sp>
-      <p:sp>
-        <p:nvSpPr>
-          <p:cNvPr id="218" name="テキスト ボックス 33"/>
-          <p:cNvSpPr/>
-          <p:nvPr/>
-        </p:nvSpPr>
-        <p:spPr>
-          <a:xfrm>
-            <a:off x="5780139" y="5360350"/>
-            <a:ext cx="736560" cy="596880"/>
-          </a:xfrm>
-          <a:prstGeom prst="rect">
-            <a:avLst/>
-          </a:prstGeom>
-          <a:noFill/>
-          <a:ln w="0">
-            <a:noFill/>
-          </a:ln>
-        </p:spPr>
-        <p:style>
-          <a:lnRef idx="0">
-            <a:scrgbClr r="0" g="0" b="0"/>
-          </a:lnRef>
-          <a:fillRef idx="0">
-            <a:scrgbClr r="0" g="0" b="0"/>
-          </a:fillRef>
-          <a:effectRef idx="0">
-            <a:scrgbClr r="0" g="0" b="0"/>
-          </a:effectRef>
-          <a:fontRef idx="minor"/>
-        </p:style>
-        <p:txBody>
-          <a:bodyPr vert="vert" lIns="45000" tIns="90000" rIns="45000" bIns="90000" anchor="t">
-            <a:noAutofit/>
-          </a:bodyPr>
-          <a:lstStyle/>
-          <a:p>
-            <a:pPr>
-              <a:lnSpc>
-                <a:spcPct val="100000"/>
-              </a:lnSpc>
-            </a:pPr>
-            <a:r>
-              <a:rPr lang="en-US" sz="3600" b="1" strike="noStrike" spc="-1" dirty="0">
-                <a:solidFill>
-                  <a:srgbClr val="000000"/>
-                </a:solidFill>
-                <a:latin typeface="Arial"/>
-                <a:ea typeface="Arial"/>
-              </a:rPr>
-              <a:t>…</a:t>
-            </a:r>
-            <a:endParaRPr lang="en-US" sz="3600" b="0" strike="noStrike" spc="-1" dirty="0">
               <a:solidFill>
                 <a:srgbClr val="000000"/>
               </a:solidFill>
@@ -13377,41 +13465,12 @@
           </a:p>
         </p:txBody>
       </p:sp>
-      <p:cxnSp>
-        <p:nvCxnSpPr>
-          <p:cNvPr id="27" name="直線コネクタ 12">
+      <p:sp>
+        <p:nvSpPr>
+          <p:cNvPr id="33" name="正方形/長方形 14">
             <a:extLst>
               <a:ext uri="{FF2B5EF4-FFF2-40B4-BE49-F238E27FC236}">
-                <a16:creationId xmlns:a16="http://schemas.microsoft.com/office/drawing/2014/main" id="{411668A9-EE3D-4EFC-BB1D-F5BD21CDFAE2}"/>
-              </a:ext>
-            </a:extLst>
-          </p:cNvPr>
-          <p:cNvCxnSpPr>
-            <a:cxnSpLocks/>
-          </p:cNvCxnSpPr>
-          <p:nvPr/>
-        </p:nvCxnSpPr>
-        <p:spPr>
-          <a:xfrm flipV="1">
-            <a:off x="3363481" y="4009310"/>
-            <a:ext cx="5178240" cy="17860"/>
-          </a:xfrm>
-          <a:prstGeom prst="straightConnector1">
-            <a:avLst/>
-          </a:prstGeom>
-          <a:ln w="0">
-            <a:solidFill>
-              <a:srgbClr val="000000"/>
-            </a:solidFill>
-          </a:ln>
-        </p:spPr>
-      </p:cxnSp>
-      <p:sp>
-        <p:nvSpPr>
-          <p:cNvPr id="28" name="テキスト ボックス 22">
-            <a:extLst>
-              <a:ext uri="{FF2B5EF4-FFF2-40B4-BE49-F238E27FC236}">
-                <a16:creationId xmlns:a16="http://schemas.microsoft.com/office/drawing/2014/main" id="{AF2F93B3-EFFF-470C-9C94-11BA232BC4FE}"/>
+                <a16:creationId xmlns:a16="http://schemas.microsoft.com/office/drawing/2014/main" id="{80B6C7F5-54BE-43F0-A023-35C62DB2E8E8}"/>
               </a:ext>
             </a:extLst>
           </p:cNvPr>
@@ -13420,459 +13479,8 @@
         </p:nvSpPr>
         <p:spPr>
           <a:xfrm>
-            <a:off x="3233521" y="4144187"/>
-            <a:ext cx="5574303" cy="337100"/>
-          </a:xfrm>
-          <a:prstGeom prst="rect">
-            <a:avLst/>
-          </a:prstGeom>
-          <a:noFill/>
-          <a:ln w="0">
-            <a:noFill/>
-          </a:ln>
-        </p:spPr>
-        <p:style>
-          <a:lnRef idx="0">
-            <a:scrgbClr r="0" g="0" b="0"/>
-          </a:lnRef>
-          <a:fillRef idx="0">
-            <a:scrgbClr r="0" g="0" b="0"/>
-          </a:fillRef>
-          <a:effectRef idx="0">
-            <a:scrgbClr r="0" g="0" b="0"/>
-          </a:effectRef>
-          <a:fontRef idx="minor"/>
-        </p:style>
-        <p:txBody>
-          <a:bodyPr wrap="square" lIns="90000" tIns="45000" rIns="90000" bIns="45000" anchor="t">
-            <a:spAutoFit/>
-          </a:bodyPr>
-          <a:lstStyle/>
-          <a:p>
-            <a:pPr>
-              <a:lnSpc>
-                <a:spcPct val="100000"/>
-              </a:lnSpc>
-            </a:pPr>
-            <a:r>
-              <a:rPr lang="ja-JP" altLang="en-US" sz="1600" b="1" spc="-1" dirty="0">
-                <a:solidFill>
-                  <a:srgbClr val="000000"/>
-                </a:solidFill>
-                <a:ea typeface="Arial"/>
-              </a:rPr>
-              <a:t>メゾン中野　　</a:t>
-            </a:r>
-            <a:r>
-              <a:rPr lang="ja-JP" sz="1600" b="1" strike="noStrike" spc="-1" dirty="0">
-                <a:solidFill>
-                  <a:srgbClr val="000000"/>
-                </a:solidFill>
-                <a:latin typeface="Arial"/>
-                <a:ea typeface="Arial"/>
-              </a:rPr>
-              <a:t>　　東京都中野区</a:t>
-            </a:r>
-            <a:r>
-              <a:rPr lang="ja-JP" altLang="en-US" sz="1600" b="1" spc="-1" dirty="0">
-                <a:solidFill>
-                  <a:srgbClr val="000000"/>
-                </a:solidFill>
-                <a:latin typeface="Arial"/>
-                <a:ea typeface="Arial"/>
-              </a:rPr>
-              <a:t>　　　</a:t>
-            </a:r>
-            <a:r>
-              <a:rPr lang="ja-JP" altLang="en-US" sz="1600" b="1" strike="noStrike" spc="-1" dirty="0">
-                <a:solidFill>
-                  <a:srgbClr val="000000"/>
-                </a:solidFill>
-                <a:latin typeface="Arial"/>
-                <a:ea typeface="Arial"/>
-              </a:rPr>
-              <a:t>鈴木</a:t>
-            </a:r>
-            <a:r>
-              <a:rPr lang="ja-JP" altLang="en-US" sz="1600" b="1" spc="-1" dirty="0">
-                <a:solidFill>
-                  <a:srgbClr val="000000"/>
-                </a:solidFill>
-                <a:latin typeface="Arial"/>
-                <a:ea typeface="Arial"/>
-              </a:rPr>
-              <a:t> 太郎</a:t>
-            </a:r>
-            <a:r>
-              <a:rPr lang="ja-JP" sz="1600" b="1" strike="noStrike" spc="-1" dirty="0">
-                <a:solidFill>
-                  <a:srgbClr val="000000"/>
-                </a:solidFill>
-                <a:latin typeface="Arial"/>
-                <a:ea typeface="Arial"/>
-              </a:rPr>
-              <a:t>　　　　　　　　 </a:t>
-            </a:r>
-            <a:endParaRPr lang="en-US" sz="1600" b="0" strike="noStrike" spc="-1" dirty="0">
-              <a:solidFill>
-                <a:srgbClr val="000000"/>
-              </a:solidFill>
-              <a:latin typeface="Arial"/>
-            </a:endParaRPr>
-          </a:p>
-        </p:txBody>
-      </p:sp>
-      <p:cxnSp>
-        <p:nvCxnSpPr>
-          <p:cNvPr id="29" name="直線コネクタ 12">
-            <a:extLst>
-              <a:ext uri="{FF2B5EF4-FFF2-40B4-BE49-F238E27FC236}">
-                <a16:creationId xmlns:a16="http://schemas.microsoft.com/office/drawing/2014/main" id="{2F7F2CF8-8470-4685-8100-65ED1117E30D}"/>
-              </a:ext>
-            </a:extLst>
-          </p:cNvPr>
-          <p:cNvCxnSpPr>
-            <a:cxnSpLocks/>
-          </p:cNvCxnSpPr>
-          <p:nvPr/>
-        </p:nvCxnSpPr>
-        <p:spPr>
-          <a:xfrm flipV="1">
-            <a:off x="3363481" y="4527468"/>
-            <a:ext cx="5178240" cy="17860"/>
-          </a:xfrm>
-          <a:prstGeom prst="straightConnector1">
-            <a:avLst/>
-          </a:prstGeom>
-          <a:ln w="0">
-            <a:solidFill>
-              <a:srgbClr val="000000"/>
-            </a:solidFill>
-          </a:ln>
-        </p:spPr>
-      </p:cxnSp>
-      <p:cxnSp>
-        <p:nvCxnSpPr>
-          <p:cNvPr id="30" name="直線コネクタ 12">
-            <a:extLst>
-              <a:ext uri="{FF2B5EF4-FFF2-40B4-BE49-F238E27FC236}">
-                <a16:creationId xmlns:a16="http://schemas.microsoft.com/office/drawing/2014/main" id="{5528F7BF-35DF-42A1-99A8-B73363CB2A58}"/>
-              </a:ext>
-            </a:extLst>
-          </p:cNvPr>
-          <p:cNvCxnSpPr>
-            <a:cxnSpLocks/>
-          </p:cNvCxnSpPr>
-          <p:nvPr/>
-        </p:nvCxnSpPr>
-        <p:spPr>
-          <a:xfrm flipV="1">
-            <a:off x="3363481" y="5068770"/>
-            <a:ext cx="5178240" cy="17860"/>
-          </a:xfrm>
-          <a:prstGeom prst="straightConnector1">
-            <a:avLst/>
-          </a:prstGeom>
-          <a:ln w="0">
-            <a:solidFill>
-              <a:srgbClr val="000000"/>
-            </a:solidFill>
-          </a:ln>
-        </p:spPr>
-      </p:cxnSp>
-      <p:sp>
-        <p:nvSpPr>
-          <p:cNvPr id="31" name="テキスト ボックス 22">
-            <a:extLst>
-              <a:ext uri="{FF2B5EF4-FFF2-40B4-BE49-F238E27FC236}">
-                <a16:creationId xmlns:a16="http://schemas.microsoft.com/office/drawing/2014/main" id="{70952157-92E2-47EE-9EE7-1FBAC1A222AE}"/>
-              </a:ext>
-            </a:extLst>
-          </p:cNvPr>
-          <p:cNvSpPr/>
-          <p:nvPr/>
-        </p:nvSpPr>
-        <p:spPr>
-          <a:xfrm>
-            <a:off x="3233521" y="4700373"/>
-            <a:ext cx="5829797" cy="337100"/>
-          </a:xfrm>
-          <a:prstGeom prst="rect">
-            <a:avLst/>
-          </a:prstGeom>
-          <a:noFill/>
-          <a:ln w="0">
-            <a:noFill/>
-          </a:ln>
-        </p:spPr>
-        <p:style>
-          <a:lnRef idx="0">
-            <a:scrgbClr r="0" g="0" b="0"/>
-          </a:lnRef>
-          <a:fillRef idx="0">
-            <a:scrgbClr r="0" g="0" b="0"/>
-          </a:fillRef>
-          <a:effectRef idx="0">
-            <a:scrgbClr r="0" g="0" b="0"/>
-          </a:effectRef>
-          <a:fontRef idx="minor"/>
-        </p:style>
-        <p:txBody>
-          <a:bodyPr wrap="square" lIns="90000" tIns="45000" rIns="90000" bIns="45000" anchor="t">
-            <a:spAutoFit/>
-          </a:bodyPr>
-          <a:lstStyle/>
-          <a:p>
-            <a:pPr>
-              <a:lnSpc>
-                <a:spcPct val="100000"/>
-              </a:lnSpc>
-            </a:pPr>
-            <a:r>
-              <a:rPr lang="ja-JP" altLang="en-US" sz="1600" b="1" spc="-1" dirty="0">
-                <a:solidFill>
-                  <a:srgbClr val="000000"/>
-                </a:solidFill>
-                <a:ea typeface="Arial"/>
-              </a:rPr>
-              <a:t>アパート荻窪</a:t>
-            </a:r>
-            <a:r>
-              <a:rPr lang="ja-JP" sz="1600" b="1" strike="noStrike" spc="-1" dirty="0">
-                <a:solidFill>
-                  <a:srgbClr val="000000"/>
-                </a:solidFill>
-                <a:latin typeface="Arial"/>
-                <a:ea typeface="Arial"/>
-              </a:rPr>
-              <a:t>　　</a:t>
-            </a:r>
-            <a:r>
-              <a:rPr lang="ja-JP" altLang="en-US" sz="1600" b="1" strike="noStrike" spc="-1" dirty="0">
-                <a:solidFill>
-                  <a:srgbClr val="000000"/>
-                </a:solidFill>
-                <a:latin typeface="Arial"/>
-                <a:ea typeface="Arial"/>
-              </a:rPr>
-              <a:t>　</a:t>
-            </a:r>
-            <a:r>
-              <a:rPr lang="ja-JP" sz="1600" b="1" strike="noStrike" spc="-1" dirty="0">
-                <a:solidFill>
-                  <a:srgbClr val="000000"/>
-                </a:solidFill>
-                <a:latin typeface="Arial"/>
-                <a:ea typeface="Arial"/>
-              </a:rPr>
-              <a:t>東京都</a:t>
-            </a:r>
-            <a:r>
-              <a:rPr lang="ja-JP" altLang="en-US" sz="1600" b="1" strike="noStrike" spc="-1" dirty="0">
-                <a:solidFill>
-                  <a:srgbClr val="000000"/>
-                </a:solidFill>
-                <a:latin typeface="Arial"/>
-                <a:ea typeface="Arial"/>
-              </a:rPr>
-              <a:t>杉並</a:t>
-            </a:r>
-            <a:r>
-              <a:rPr lang="ja-JP" sz="1600" b="1" strike="noStrike" spc="-1" dirty="0">
-                <a:solidFill>
-                  <a:srgbClr val="000000"/>
-                </a:solidFill>
-                <a:latin typeface="Arial"/>
-                <a:ea typeface="Arial"/>
-              </a:rPr>
-              <a:t>区荻窪　</a:t>
-            </a:r>
-            <a:r>
-              <a:rPr lang="ja-JP" altLang="en-US" sz="1600" b="1" spc="-1" dirty="0">
-                <a:solidFill>
-                  <a:srgbClr val="000000"/>
-                </a:solidFill>
-                <a:latin typeface="Arial"/>
-                <a:ea typeface="Arial"/>
-              </a:rPr>
-              <a:t>山田 太郎</a:t>
-            </a:r>
-            <a:r>
-              <a:rPr lang="ja-JP" sz="1600" b="1" strike="noStrike" spc="-1" dirty="0">
-                <a:solidFill>
-                  <a:srgbClr val="000000"/>
-                </a:solidFill>
-                <a:latin typeface="Arial"/>
-                <a:ea typeface="Arial"/>
-              </a:rPr>
-              <a:t>　　　　　　　　 </a:t>
-            </a:r>
-            <a:endParaRPr lang="en-US" sz="1600" b="0" strike="noStrike" spc="-1" dirty="0">
-              <a:solidFill>
-                <a:srgbClr val="000000"/>
-              </a:solidFill>
-              <a:latin typeface="Arial"/>
-            </a:endParaRPr>
-          </a:p>
-        </p:txBody>
-      </p:sp>
-      <p:sp>
-        <p:nvSpPr>
-          <p:cNvPr id="2" name="正方形/長方形 1">
-            <a:extLst>
-              <a:ext uri="{FF2B5EF4-FFF2-40B4-BE49-F238E27FC236}">
-                <a16:creationId xmlns:a16="http://schemas.microsoft.com/office/drawing/2014/main" id="{34617EEE-2704-4165-8C53-881371CCCFAB}"/>
-              </a:ext>
-            </a:extLst>
-          </p:cNvPr>
-          <p:cNvSpPr/>
-          <p:nvPr/>
-        </p:nvSpPr>
-        <p:spPr>
-          <a:xfrm>
-            <a:off x="3233521" y="3632323"/>
-            <a:ext cx="1634314" cy="292778"/>
-          </a:xfrm>
-          <a:prstGeom prst="rect">
-            <a:avLst/>
-          </a:prstGeom>
-          <a:noFill/>
-        </p:spPr>
-        <p:style>
-          <a:lnRef idx="2">
-            <a:schemeClr val="accent1">
-              <a:shade val="50000"/>
-            </a:schemeClr>
-          </a:lnRef>
-          <a:fillRef idx="1">
-            <a:schemeClr val="accent1"/>
-          </a:fillRef>
-          <a:effectRef idx="0">
-            <a:schemeClr val="accent1"/>
-          </a:effectRef>
-          <a:fontRef idx="minor">
-            <a:schemeClr val="lt1"/>
-          </a:fontRef>
-        </p:style>
-        <p:txBody>
-          <a:bodyPr rtlCol="0" anchor="ctr"/>
-          <a:lstStyle/>
-          <a:p>
-            <a:pPr algn="ctr"/>
-            <a:endParaRPr kumimoji="1" lang="ja-JP" altLang="en-US"/>
-          </a:p>
-        </p:txBody>
-      </p:sp>
-      <p:sp>
-        <p:nvSpPr>
-          <p:cNvPr id="18" name="正方形/長方形 17">
-            <a:extLst>
-              <a:ext uri="{FF2B5EF4-FFF2-40B4-BE49-F238E27FC236}">
-                <a16:creationId xmlns:a16="http://schemas.microsoft.com/office/drawing/2014/main" id="{70F2ACE5-6B4D-47ED-A339-D44AB7BE93A2}"/>
-              </a:ext>
-            </a:extLst>
-          </p:cNvPr>
-          <p:cNvSpPr/>
-          <p:nvPr/>
-        </p:nvSpPr>
-        <p:spPr>
-          <a:xfrm>
-            <a:off x="3236063" y="4124468"/>
-            <a:ext cx="1201466" cy="318508"/>
-          </a:xfrm>
-          <a:prstGeom prst="rect">
-            <a:avLst/>
-          </a:prstGeom>
-          <a:noFill/>
-        </p:spPr>
-        <p:style>
-          <a:lnRef idx="2">
-            <a:schemeClr val="accent1">
-              <a:shade val="50000"/>
-            </a:schemeClr>
-          </a:lnRef>
-          <a:fillRef idx="1">
-            <a:schemeClr val="accent1"/>
-          </a:fillRef>
-          <a:effectRef idx="0">
-            <a:schemeClr val="accent1"/>
-          </a:effectRef>
-          <a:fontRef idx="minor">
-            <a:schemeClr val="lt1"/>
-          </a:fontRef>
-        </p:style>
-        <p:txBody>
-          <a:bodyPr rtlCol="0" anchor="ctr"/>
-          <a:lstStyle/>
-          <a:p>
-            <a:pPr algn="ctr"/>
-            <a:endParaRPr kumimoji="1" lang="ja-JP" altLang="en-US"/>
-          </a:p>
-        </p:txBody>
-      </p:sp>
-      <p:sp>
-        <p:nvSpPr>
-          <p:cNvPr id="19" name="正方形/長方形 18">
-            <a:extLst>
-              <a:ext uri="{FF2B5EF4-FFF2-40B4-BE49-F238E27FC236}">
-                <a16:creationId xmlns:a16="http://schemas.microsoft.com/office/drawing/2014/main" id="{69976EA9-B4E1-4B21-909E-78CCF009B756}"/>
-              </a:ext>
-            </a:extLst>
-          </p:cNvPr>
-          <p:cNvSpPr/>
-          <p:nvPr/>
-        </p:nvSpPr>
-        <p:spPr>
-          <a:xfrm>
-            <a:off x="3233521" y="4700373"/>
-            <a:ext cx="1426614" cy="292778"/>
-          </a:xfrm>
-          <a:prstGeom prst="rect">
-            <a:avLst/>
-          </a:prstGeom>
-          <a:noFill/>
-        </p:spPr>
-        <p:style>
-          <a:lnRef idx="2">
-            <a:schemeClr val="accent1">
-              <a:shade val="50000"/>
-            </a:schemeClr>
-          </a:lnRef>
-          <a:fillRef idx="1">
-            <a:schemeClr val="accent1"/>
-          </a:fillRef>
-          <a:effectRef idx="0">
-            <a:schemeClr val="accent1"/>
-          </a:effectRef>
-          <a:fontRef idx="minor">
-            <a:schemeClr val="lt1"/>
-          </a:fontRef>
-        </p:style>
-        <p:txBody>
-          <a:bodyPr rtlCol="0" anchor="ctr"/>
-          <a:lstStyle/>
-          <a:p>
-            <a:pPr algn="ctr"/>
-            <a:endParaRPr kumimoji="1" lang="ja-JP" altLang="en-US"/>
-          </a:p>
-        </p:txBody>
-      </p:sp>
-      <p:sp>
-        <p:nvSpPr>
-          <p:cNvPr id="20" name="正方形/長方形 14">
-            <a:extLst>
-              <a:ext uri="{FF2B5EF4-FFF2-40B4-BE49-F238E27FC236}">
-                <a16:creationId xmlns:a16="http://schemas.microsoft.com/office/drawing/2014/main" id="{C0721BEF-28DC-4D82-A960-412048E2B31B}"/>
-              </a:ext>
-            </a:extLst>
-          </p:cNvPr>
-          <p:cNvSpPr/>
-          <p:nvPr/>
-        </p:nvSpPr>
-        <p:spPr>
-          <a:xfrm>
-            <a:off x="3233521" y="3573087"/>
-            <a:ext cx="1644948" cy="375618"/>
+            <a:off x="7157527" y="3367271"/>
+            <a:ext cx="1852434" cy="720904"/>
           </a:xfrm>
           <a:prstGeom prst="rect">
             <a:avLst/>
@@ -13913,398 +13521,16 @@
               </a:lnSpc>
             </a:pPr>
             <a:r>
-              <a:rPr lang="ja-JP" altLang="en-US" sz="1600" b="1" strike="noStrike" spc="-1" dirty="0">
-                <a:solidFill>
-                  <a:srgbClr val="000000"/>
-                </a:solidFill>
-                <a:latin typeface="Arial"/>
-              </a:rPr>
-              <a:t>レオパレス荻窪</a:t>
-            </a:r>
-            <a:endParaRPr lang="en-US" sz="1600" b="1" strike="noStrike" spc="-1" dirty="0">
-              <a:solidFill>
-                <a:srgbClr val="000000"/>
-              </a:solidFill>
-              <a:latin typeface="Arial"/>
-            </a:endParaRPr>
-          </a:p>
-        </p:txBody>
-      </p:sp>
-      <p:sp>
-        <p:nvSpPr>
-          <p:cNvPr id="21" name="正方形/長方形 14">
-            <a:extLst>
-              <a:ext uri="{FF2B5EF4-FFF2-40B4-BE49-F238E27FC236}">
-                <a16:creationId xmlns:a16="http://schemas.microsoft.com/office/drawing/2014/main" id="{C371C426-E00F-4C53-94B2-5FAF88E1747D}"/>
-              </a:ext>
-            </a:extLst>
-          </p:cNvPr>
-          <p:cNvSpPr/>
-          <p:nvPr/>
-        </p:nvSpPr>
-        <p:spPr>
-          <a:xfrm>
-            <a:off x="3234777" y="4129595"/>
-            <a:ext cx="1204038" cy="375618"/>
-          </a:xfrm>
-          <a:prstGeom prst="rect">
-            <a:avLst/>
-          </a:prstGeom>
-          <a:solidFill>
-            <a:srgbClr val="A9D4DB"/>
-          </a:solidFill>
-          <a:ln cap="rnd">
-            <a:solidFill>
-              <a:srgbClr val="4A5C5F"/>
-            </a:solidFill>
-            <a:round/>
-          </a:ln>
-        </p:spPr>
-        <p:style>
-          <a:lnRef idx="2">
-            <a:schemeClr val="accent1">
-              <a:shade val="15000"/>
-            </a:schemeClr>
-          </a:lnRef>
-          <a:fillRef idx="1">
-            <a:schemeClr val="accent1"/>
-          </a:fillRef>
-          <a:effectRef idx="0">
-            <a:schemeClr val="accent1"/>
-          </a:effectRef>
-          <a:fontRef idx="minor"/>
-        </p:style>
-        <p:txBody>
-          <a:bodyPr lIns="90000" tIns="45000" rIns="90000" bIns="45000" anchor="ctr">
-            <a:noAutofit/>
-          </a:bodyPr>
-          <a:lstStyle/>
-          <a:p>
-            <a:pPr algn="ctr">
-              <a:lnSpc>
-                <a:spcPct val="100000"/>
-              </a:lnSpc>
-            </a:pPr>
-            <a:r>
-              <a:rPr lang="ja-JP" altLang="en-US" sz="1600" b="1" strike="noStrike" spc="-1" dirty="0">
-                <a:solidFill>
-                  <a:srgbClr val="000000"/>
-                </a:solidFill>
-                <a:latin typeface="Arial"/>
-              </a:rPr>
-              <a:t>メゾン中野</a:t>
-            </a:r>
-            <a:endParaRPr lang="en-US" sz="1600" b="1" strike="noStrike" spc="-1" dirty="0">
-              <a:solidFill>
-                <a:srgbClr val="000000"/>
-              </a:solidFill>
-              <a:latin typeface="Arial"/>
-            </a:endParaRPr>
-          </a:p>
-        </p:txBody>
-      </p:sp>
-      <p:sp>
-        <p:nvSpPr>
-          <p:cNvPr id="24" name="正方形/長方形 14">
-            <a:extLst>
-              <a:ext uri="{FF2B5EF4-FFF2-40B4-BE49-F238E27FC236}">
-                <a16:creationId xmlns:a16="http://schemas.microsoft.com/office/drawing/2014/main" id="{3B120839-5878-4012-ACD6-501CDC16DEEF}"/>
-              </a:ext>
-            </a:extLst>
-          </p:cNvPr>
-          <p:cNvSpPr/>
-          <p:nvPr/>
-        </p:nvSpPr>
-        <p:spPr>
-          <a:xfrm>
-            <a:off x="3222887" y="4645861"/>
-            <a:ext cx="1644948" cy="375618"/>
-          </a:xfrm>
-          <a:prstGeom prst="rect">
-            <a:avLst/>
-          </a:prstGeom>
-          <a:solidFill>
-            <a:srgbClr val="A9D4DB"/>
-          </a:solidFill>
-          <a:ln cap="rnd">
-            <a:solidFill>
-              <a:srgbClr val="4A5C5F"/>
-            </a:solidFill>
-            <a:round/>
-          </a:ln>
-        </p:spPr>
-        <p:style>
-          <a:lnRef idx="2">
-            <a:schemeClr val="accent1">
-              <a:shade val="15000"/>
-            </a:schemeClr>
-          </a:lnRef>
-          <a:fillRef idx="1">
-            <a:schemeClr val="accent1"/>
-          </a:fillRef>
-          <a:effectRef idx="0">
-            <a:schemeClr val="accent1"/>
-          </a:effectRef>
-          <a:fontRef idx="minor"/>
-        </p:style>
-        <p:txBody>
-          <a:bodyPr lIns="90000" tIns="45000" rIns="90000" bIns="45000" anchor="ctr">
-            <a:noAutofit/>
-          </a:bodyPr>
-          <a:lstStyle/>
-          <a:p>
-            <a:pPr algn="ctr">
-              <a:lnSpc>
-                <a:spcPct val="100000"/>
-              </a:lnSpc>
-            </a:pPr>
-            <a:r>
-              <a:rPr lang="ja-JP" altLang="en-US" sz="1600" b="1" strike="noStrike" spc="-1" dirty="0">
-                <a:solidFill>
-                  <a:srgbClr val="000000"/>
-                </a:solidFill>
-                <a:latin typeface="Arial"/>
-              </a:rPr>
-              <a:t>レオパレス杉並</a:t>
-            </a:r>
-            <a:endParaRPr lang="en-US" sz="1600" b="1" strike="noStrike" spc="-1" dirty="0">
-              <a:solidFill>
-                <a:srgbClr val="000000"/>
-              </a:solidFill>
-              <a:latin typeface="Arial"/>
-            </a:endParaRPr>
-          </a:p>
-        </p:txBody>
-      </p:sp>
-      <p:sp>
-        <p:nvSpPr>
-          <p:cNvPr id="25" name="正方形/長方形 14">
-            <a:extLst>
-              <a:ext uri="{FF2B5EF4-FFF2-40B4-BE49-F238E27FC236}">
-                <a16:creationId xmlns:a16="http://schemas.microsoft.com/office/drawing/2014/main" id="{DFD62F5B-179F-4DDF-AE15-05B968670A66}"/>
-              </a:ext>
-            </a:extLst>
-          </p:cNvPr>
-          <p:cNvSpPr/>
-          <p:nvPr/>
-        </p:nvSpPr>
-        <p:spPr>
-          <a:xfrm>
-            <a:off x="7017096" y="3558832"/>
-            <a:ext cx="1102336" cy="375618"/>
-          </a:xfrm>
-          <a:prstGeom prst="rect">
-            <a:avLst/>
-          </a:prstGeom>
-          <a:solidFill>
-            <a:srgbClr val="A9D4DB"/>
-          </a:solidFill>
-          <a:ln cap="rnd">
-            <a:solidFill>
-              <a:srgbClr val="4A5C5F"/>
-            </a:solidFill>
-            <a:round/>
-          </a:ln>
-        </p:spPr>
-        <p:style>
-          <a:lnRef idx="2">
-            <a:schemeClr val="accent1">
-              <a:shade val="15000"/>
-            </a:schemeClr>
-          </a:lnRef>
-          <a:fillRef idx="1">
-            <a:schemeClr val="accent1"/>
-          </a:fillRef>
-          <a:effectRef idx="0">
-            <a:schemeClr val="accent1"/>
-          </a:effectRef>
-          <a:fontRef idx="minor"/>
-        </p:style>
-        <p:txBody>
-          <a:bodyPr lIns="90000" tIns="45000" rIns="90000" bIns="45000" anchor="ctr">
-            <a:noAutofit/>
-          </a:bodyPr>
-          <a:lstStyle/>
-          <a:p>
-            <a:pPr algn="ctr">
-              <a:lnSpc>
-                <a:spcPct val="100000"/>
-              </a:lnSpc>
-            </a:pPr>
-            <a:r>
-              <a:rPr lang="ja-JP" altLang="en-US" sz="1600" b="1" strike="noStrike" spc="-1" dirty="0">
-                <a:solidFill>
-                  <a:srgbClr val="000000"/>
-                </a:solidFill>
-                <a:latin typeface="Arial"/>
-              </a:rPr>
-              <a:t>山田太郎</a:t>
-            </a:r>
-            <a:endParaRPr lang="en-US" sz="1600" b="1" strike="noStrike" spc="-1" dirty="0">
-              <a:solidFill>
-                <a:srgbClr val="000000"/>
-              </a:solidFill>
-              <a:latin typeface="Arial"/>
-            </a:endParaRPr>
-          </a:p>
-        </p:txBody>
-      </p:sp>
-      <p:sp>
-        <p:nvSpPr>
-          <p:cNvPr id="26" name="正方形/長方形 14">
-            <a:extLst>
-              <a:ext uri="{FF2B5EF4-FFF2-40B4-BE49-F238E27FC236}">
-                <a16:creationId xmlns:a16="http://schemas.microsoft.com/office/drawing/2014/main" id="{8ACA16B5-ECD0-4556-B17B-BCC42B562711}"/>
-              </a:ext>
-            </a:extLst>
-          </p:cNvPr>
-          <p:cNvSpPr/>
-          <p:nvPr/>
-        </p:nvSpPr>
-        <p:spPr>
-          <a:xfrm>
-            <a:off x="7017096" y="4086440"/>
-            <a:ext cx="1102336" cy="375618"/>
-          </a:xfrm>
-          <a:prstGeom prst="rect">
-            <a:avLst/>
-          </a:prstGeom>
-          <a:solidFill>
-            <a:srgbClr val="A9D4DB"/>
-          </a:solidFill>
-          <a:ln cap="rnd">
-            <a:solidFill>
-              <a:srgbClr val="4A5C5F"/>
-            </a:solidFill>
-            <a:round/>
-          </a:ln>
-        </p:spPr>
-        <p:style>
-          <a:lnRef idx="2">
-            <a:schemeClr val="accent1">
-              <a:shade val="15000"/>
-            </a:schemeClr>
-          </a:lnRef>
-          <a:fillRef idx="1">
-            <a:schemeClr val="accent1"/>
-          </a:fillRef>
-          <a:effectRef idx="0">
-            <a:schemeClr val="accent1"/>
-          </a:effectRef>
-          <a:fontRef idx="minor"/>
-        </p:style>
-        <p:txBody>
-          <a:bodyPr lIns="90000" tIns="45000" rIns="90000" bIns="45000" anchor="ctr">
-            <a:noAutofit/>
-          </a:bodyPr>
-          <a:lstStyle/>
-          <a:p>
-            <a:pPr algn="ctr">
-              <a:lnSpc>
-                <a:spcPct val="100000"/>
-              </a:lnSpc>
-            </a:pPr>
-            <a:r>
-              <a:rPr lang="ja-JP" altLang="en-US" sz="1600" b="1" spc="-1" dirty="0">
-                <a:solidFill>
-                  <a:srgbClr val="000000"/>
-                </a:solidFill>
-                <a:latin typeface="Arial"/>
-              </a:rPr>
-              <a:t>鈴木</a:t>
-            </a:r>
-            <a:r>
-              <a:rPr lang="ja-JP" altLang="en-US" sz="1600" b="1" strike="noStrike" spc="-1" dirty="0">
-                <a:solidFill>
-                  <a:srgbClr val="000000"/>
-                </a:solidFill>
-                <a:latin typeface="Arial"/>
-              </a:rPr>
-              <a:t>太郎</a:t>
-            </a:r>
-            <a:endParaRPr lang="en-US" sz="1600" b="1" strike="noStrike" spc="-1" dirty="0">
-              <a:solidFill>
-                <a:srgbClr val="000000"/>
-              </a:solidFill>
-              <a:latin typeface="Arial"/>
-            </a:endParaRPr>
-          </a:p>
-        </p:txBody>
-      </p:sp>
-      <p:sp>
-        <p:nvSpPr>
-          <p:cNvPr id="32" name="正方形/長方形 14">
-            <a:extLst>
-              <a:ext uri="{FF2B5EF4-FFF2-40B4-BE49-F238E27FC236}">
-                <a16:creationId xmlns:a16="http://schemas.microsoft.com/office/drawing/2014/main" id="{C624DA2A-5C4E-4E99-B290-575E51D941B2}"/>
-              </a:ext>
-            </a:extLst>
-          </p:cNvPr>
-          <p:cNvSpPr/>
-          <p:nvPr/>
-        </p:nvSpPr>
-        <p:spPr>
-          <a:xfrm>
-            <a:off x="7017096" y="4623693"/>
-            <a:ext cx="1102336" cy="375618"/>
-          </a:xfrm>
-          <a:prstGeom prst="rect">
-            <a:avLst/>
-          </a:prstGeom>
-          <a:solidFill>
-            <a:srgbClr val="A9D4DB"/>
-          </a:solidFill>
-          <a:ln cap="rnd">
-            <a:solidFill>
-              <a:srgbClr val="4A5C5F"/>
-            </a:solidFill>
-            <a:round/>
-          </a:ln>
-        </p:spPr>
-        <p:style>
-          <a:lnRef idx="2">
-            <a:schemeClr val="accent1">
-              <a:shade val="15000"/>
-            </a:schemeClr>
-          </a:lnRef>
-          <a:fillRef idx="1">
-            <a:schemeClr val="accent1"/>
-          </a:fillRef>
-          <a:effectRef idx="0">
-            <a:schemeClr val="accent1"/>
-          </a:effectRef>
-          <a:fontRef idx="minor"/>
-        </p:style>
-        <p:txBody>
-          <a:bodyPr lIns="90000" tIns="45000" rIns="90000" bIns="45000" anchor="ctr">
-            <a:noAutofit/>
-          </a:bodyPr>
-          <a:lstStyle/>
-          <a:p>
-            <a:pPr algn="ctr">
-              <a:lnSpc>
-                <a:spcPct val="100000"/>
-              </a:lnSpc>
-            </a:pPr>
-            <a:r>
-              <a:rPr lang="ja-JP" altLang="en-US" sz="1600" b="1" spc="-1" dirty="0">
-                <a:solidFill>
-                  <a:srgbClr val="000000"/>
-                </a:solidFill>
-                <a:latin typeface="Arial"/>
-              </a:rPr>
-              <a:t>山本</a:t>
-            </a:r>
-            <a:r>
-              <a:rPr lang="ja-JP" altLang="en-US" sz="1600" b="1" strike="noStrike" spc="-1" dirty="0">
-                <a:solidFill>
-                  <a:srgbClr val="000000"/>
-                </a:solidFill>
-                <a:latin typeface="Arial"/>
-              </a:rPr>
-              <a:t>太郎</a:t>
-            </a:r>
-            <a:endParaRPr lang="en-US" sz="1600" b="1" strike="noStrike" spc="-1" dirty="0">
+              <a:rPr lang="ja-JP" altLang="en-US" sz="2000" b="1" strike="noStrike" spc="-1" dirty="0">
+                <a:solidFill>
+                  <a:srgbClr val="000000"/>
+                </a:solidFill>
+                <a:latin typeface="Arial"/>
+                <a:ea typeface="Arial"/>
+              </a:rPr>
+              <a:t>オーナー 一覧</a:t>
+            </a:r>
+            <a:endParaRPr lang="en-US" sz="2000" b="0" strike="noStrike" spc="-1" dirty="0">
               <a:solidFill>
                 <a:srgbClr val="000000"/>
               </a:solidFill>
@@ -14345,13 +13571,13 @@
       </p:grpSpPr>
       <p:sp>
         <p:nvSpPr>
-          <p:cNvPr id="220" name="正方形/長方形 3"/>
+          <p:cNvPr id="200" name="正方形/長方形 3"/>
           <p:cNvSpPr/>
           <p:nvPr/>
         </p:nvSpPr>
         <p:spPr>
           <a:xfrm>
-            <a:off x="504900" y="1226883"/>
+            <a:off x="478440" y="1277188"/>
             <a:ext cx="11234880" cy="5493600"/>
           </a:xfrm>
           <a:prstGeom prst="rect">
@@ -14407,14 +13633,14 @@
       </p:sp>
       <p:sp>
         <p:nvSpPr>
-          <p:cNvPr id="222" name="正方形/長方形 16"/>
+          <p:cNvPr id="201" name="正方形/長方形 14"/>
           <p:cNvSpPr/>
           <p:nvPr/>
         </p:nvSpPr>
         <p:spPr>
           <a:xfrm>
-            <a:off x="805319" y="2311326"/>
-            <a:ext cx="1077270" cy="337100"/>
+            <a:off x="2994989" y="2273233"/>
+            <a:ext cx="1278000" cy="520920"/>
           </a:xfrm>
           <a:prstGeom prst="rect">
             <a:avLst/>
@@ -14422,7 +13648,7 @@
           <a:solidFill>
             <a:srgbClr val="A9D4DB"/>
           </a:solidFill>
-          <a:ln>
+          <a:ln cap="rnd">
             <a:solidFill>
               <a:srgbClr val="4A5C5F"/>
             </a:solidFill>
@@ -14455,34 +13681,34 @@
               </a:lnSpc>
             </a:pPr>
             <a:r>
-              <a:rPr lang="ja-JP" sz="1400" b="1" strike="noStrike" spc="-1">
-                <a:solidFill>
-                  <a:srgbClr val="000000"/>
-                </a:solidFill>
-                <a:latin typeface="Arial"/>
-                <a:ea typeface="Arial"/>
-              </a:rPr>
-              <a:t>編集</a:t>
-            </a:r>
-            <a:endParaRPr lang="en-US" sz="1400" b="0" strike="noStrike" spc="-1">
-              <a:solidFill>
-                <a:srgbClr val="000000"/>
-              </a:solidFill>
-              <a:latin typeface="Arial"/>
-            </a:endParaRPr>
-          </a:p>
-        </p:txBody>
-      </p:sp>
-      <p:sp>
-        <p:nvSpPr>
-          <p:cNvPr id="223" name="テキスト ボックス 1"/>
+              <a:rPr lang="ja-JP" sz="2000" b="1" strike="noStrike" spc="-1" dirty="0">
+                <a:solidFill>
+                  <a:srgbClr val="000000"/>
+                </a:solidFill>
+                <a:latin typeface="Arial"/>
+                <a:ea typeface="Arial"/>
+              </a:rPr>
+              <a:t>新規登録</a:t>
+            </a:r>
+            <a:endParaRPr lang="en-US" sz="2000" b="0" strike="noStrike" spc="-1" dirty="0">
+              <a:solidFill>
+                <a:srgbClr val="000000"/>
+              </a:solidFill>
+              <a:latin typeface="Arial"/>
+            </a:endParaRPr>
+          </a:p>
+        </p:txBody>
+      </p:sp>
+      <p:sp>
+        <p:nvSpPr>
+          <p:cNvPr id="204" name="テキスト ボックス 1"/>
           <p:cNvSpPr/>
           <p:nvPr/>
         </p:nvSpPr>
         <p:spPr>
           <a:xfrm>
-            <a:off x="805319" y="1530360"/>
-            <a:ext cx="9347209" cy="521766"/>
+            <a:off x="3633989" y="1596422"/>
+            <a:ext cx="6293520" cy="521766"/>
           </a:xfrm>
           <a:prstGeom prst="rect">
             <a:avLst/>
@@ -14505,7 +13731,7 @@
           <a:fontRef idx="minor"/>
         </p:style>
         <p:txBody>
-          <a:bodyPr wrap="square" lIns="90000" tIns="45000" rIns="90000" bIns="45000" anchor="t">
+          <a:bodyPr lIns="90000" tIns="45000" rIns="90000" bIns="45000" anchor="t">
             <a:spAutoFit/>
           </a:bodyPr>
           <a:lstStyle/>
@@ -14523,7 +13749,17 @@
                 <a:latin typeface="Arial"/>
                 <a:ea typeface="Arial"/>
               </a:rPr>
-              <a:t>レオパレス荻窪</a:t>
+              <a:t>物件</a:t>
+            </a:r>
+            <a:r>
+              <a:rPr lang="ja-JP" sz="2800" b="1" strike="noStrike" spc="-1" dirty="0">
+                <a:solidFill>
+                  <a:srgbClr val="000000"/>
+                </a:solidFill>
+                <a:latin typeface="Arial"/>
+                <a:ea typeface="Arial"/>
+              </a:rPr>
+              <a:t>一覧・新規登録・編集</a:t>
             </a:r>
             <a:endParaRPr lang="en-US" sz="2800" b="0" strike="noStrike" spc="-1" dirty="0">
               <a:solidFill>
@@ -14536,14 +13772,14 @@
       </p:sp>
       <p:sp>
         <p:nvSpPr>
-          <p:cNvPr id="224" name="テキスト ボックス 10"/>
+          <p:cNvPr id="205" name="テキスト ボックス 10"/>
           <p:cNvSpPr/>
           <p:nvPr/>
         </p:nvSpPr>
         <p:spPr>
           <a:xfrm>
-            <a:off x="718920" y="2965680"/>
-            <a:ext cx="10442160" cy="337100"/>
+            <a:off x="3233521" y="3062083"/>
+            <a:ext cx="6030296" cy="337100"/>
           </a:xfrm>
           <a:prstGeom prst="rect">
             <a:avLst/>
@@ -14566,7 +13802,7 @@
           <a:fontRef idx="minor"/>
         </p:style>
         <p:txBody>
-          <a:bodyPr lIns="90000" tIns="45000" rIns="90000" bIns="45000" anchor="t">
+          <a:bodyPr wrap="square" lIns="90000" tIns="45000" rIns="90000" bIns="45000" anchor="t">
             <a:spAutoFit/>
           </a:bodyPr>
           <a:lstStyle/>
@@ -14577,6 +13813,16 @@
               </a:lnSpc>
             </a:pPr>
             <a:r>
+              <a:rPr lang="ja-JP" altLang="en-US" sz="1600" b="1" strike="noStrike" spc="-1" dirty="0">
+                <a:solidFill>
+                  <a:srgbClr val="000000"/>
+                </a:solidFill>
+                <a:latin typeface="Arial"/>
+                <a:ea typeface="Arial"/>
+              </a:rPr>
+              <a:t>アパート</a:t>
+            </a:r>
+            <a:r>
               <a:rPr lang="ja-JP" sz="1600" b="1" strike="noStrike" spc="-1" dirty="0">
                 <a:solidFill>
                   <a:srgbClr val="000000"/>
@@ -14584,7 +13830,17 @@
                 <a:latin typeface="Arial"/>
                 <a:ea typeface="Arial"/>
               </a:rPr>
-              <a:t>建設日　　　　　住所　　　　　　　　　　　　　・・・　　　　　　　　　　　　</a:t>
+              <a:t>名　　　　　住所　　　　　　</a:t>
+            </a:r>
+            <a:r>
+              <a:rPr lang="ja-JP" altLang="en-US" sz="1600" b="1" strike="noStrike" spc="-1" dirty="0">
+                <a:solidFill>
+                  <a:srgbClr val="000000"/>
+                </a:solidFill>
+                <a:latin typeface="Arial"/>
+                <a:ea typeface="Arial"/>
+              </a:rPr>
+              <a:t>オーナー</a:t>
             </a:r>
             <a:endParaRPr lang="en-US" sz="1600" b="0" strike="noStrike" spc="-1" dirty="0">
               <a:solidFill>
@@ -14597,14 +13853,16 @@
       </p:sp>
       <p:cxnSp>
         <p:nvCxnSpPr>
-          <p:cNvPr id="225" name="直線コネクタ 12"/>
-          <p:cNvCxnSpPr/>
+          <p:cNvPr id="206" name="直線コネクタ 12"/>
+          <p:cNvCxnSpPr>
+            <a:cxnSpLocks/>
+          </p:cNvCxnSpPr>
           <p:nvPr/>
         </p:nvCxnSpPr>
         <p:spPr>
-          <a:xfrm>
-            <a:off x="761760" y="3429000"/>
-            <a:ext cx="10721160" cy="2160"/>
+          <a:xfrm flipV="1">
+            <a:off x="3319921" y="3475990"/>
+            <a:ext cx="5178240" cy="17860"/>
           </a:xfrm>
           <a:prstGeom prst="straightConnector1">
             <a:avLst/>
@@ -14618,14 +13876,14 @@
       </p:cxnSp>
       <p:sp>
         <p:nvSpPr>
-          <p:cNvPr id="227" name="テキスト ボックス 22"/>
+          <p:cNvPr id="208" name="テキスト ボックス 22"/>
           <p:cNvSpPr/>
           <p:nvPr/>
         </p:nvSpPr>
         <p:spPr>
           <a:xfrm>
-            <a:off x="718919" y="3537000"/>
-            <a:ext cx="8008221" cy="337100"/>
+            <a:off x="3233521" y="3632323"/>
+            <a:ext cx="6030296" cy="337100"/>
           </a:xfrm>
           <a:prstGeom prst="rect">
             <a:avLst/>
@@ -14659,14 +13917,22 @@
               </a:lnSpc>
             </a:pPr>
             <a:r>
-              <a:rPr lang="en-US" sz="1600" b="1" strike="noStrike" spc="-1" dirty="0">
-                <a:solidFill>
-                  <a:srgbClr val="000000"/>
-                </a:solidFill>
-                <a:latin typeface="Arial"/>
-                <a:ea typeface="Arial"/>
-              </a:rPr>
-              <a:t>2001</a:t>
+              <a:rPr lang="ja-JP" altLang="ja-JP" sz="1600" b="1" spc="-1" dirty="0">
+                <a:solidFill>
+                  <a:srgbClr val="000000"/>
+                </a:solidFill>
+                <a:ea typeface="Arial"/>
+              </a:rPr>
+              <a:t>レオパレス</a:t>
+            </a:r>
+            <a:r>
+              <a:rPr lang="ja-JP" altLang="en-US" sz="1600" b="1" spc="-1" dirty="0">
+                <a:solidFill>
+                  <a:srgbClr val="000000"/>
+                </a:solidFill>
+                <a:ea typeface="Arial"/>
+              </a:rPr>
+              <a:t>荻窪</a:t>
             </a:r>
             <a:r>
               <a:rPr lang="ja-JP" sz="1600" b="1" strike="noStrike" spc="-1" dirty="0">
@@ -14676,17 +13942,17 @@
                 <a:latin typeface="Arial"/>
                 <a:ea typeface="Arial"/>
               </a:rPr>
-              <a:t>年</a:t>
-            </a:r>
-            <a:r>
-              <a:rPr lang="en-US" sz="1600" b="1" strike="noStrike" spc="-1" dirty="0">
-                <a:solidFill>
-                  <a:srgbClr val="000000"/>
-                </a:solidFill>
-                <a:latin typeface="Arial"/>
-                <a:ea typeface="Arial"/>
-              </a:rPr>
-              <a:t>9</a:t>
+              <a:t>　　東京都</a:t>
+            </a:r>
+            <a:r>
+              <a:rPr lang="ja-JP" altLang="en-US" sz="1600" b="1" strike="noStrike" spc="-1" dirty="0">
+                <a:solidFill>
+                  <a:srgbClr val="000000"/>
+                </a:solidFill>
+                <a:latin typeface="Arial"/>
+                <a:ea typeface="Arial"/>
+              </a:rPr>
+              <a:t>杉並区</a:t>
             </a:r>
             <a:r>
               <a:rPr lang="ja-JP" sz="1600" b="1" strike="noStrike" spc="-1" dirty="0">
@@ -14696,17 +13962,17 @@
                 <a:latin typeface="Arial"/>
                 <a:ea typeface="Arial"/>
               </a:rPr>
-              <a:t>月</a:t>
-            </a:r>
-            <a:r>
-              <a:rPr lang="en-US" sz="1600" b="1" strike="noStrike" spc="-1" dirty="0">
-                <a:solidFill>
-                  <a:srgbClr val="000000"/>
-                </a:solidFill>
-                <a:latin typeface="Arial"/>
-                <a:ea typeface="Arial"/>
-              </a:rPr>
-              <a:t>19</a:t>
+              <a:t>荻窪　</a:t>
+            </a:r>
+            <a:r>
+              <a:rPr lang="ja-JP" altLang="en-US" sz="1600" b="1" spc="-1" dirty="0">
+                <a:solidFill>
+                  <a:srgbClr val="000000"/>
+                </a:solidFill>
+                <a:latin typeface="Arial"/>
+                <a:ea typeface="Arial"/>
+              </a:rPr>
+              <a:t>山田 太郎</a:t>
             </a:r>
             <a:r>
               <a:rPr lang="ja-JP" sz="1600" b="1" strike="noStrike" spc="-1" dirty="0">
@@ -14716,47 +13982,7 @@
                 <a:latin typeface="Arial"/>
                 <a:ea typeface="Arial"/>
               </a:rPr>
-              <a:t>日  　東京都杉並区中野</a:t>
-            </a:r>
-            <a:r>
-              <a:rPr lang="en-US" sz="1600" b="1" strike="noStrike" spc="-1" dirty="0">
-                <a:solidFill>
-                  <a:srgbClr val="000000"/>
-                </a:solidFill>
-                <a:latin typeface="Arial"/>
-                <a:ea typeface="Arial"/>
-              </a:rPr>
-              <a:t>1</a:t>
-            </a:r>
-            <a:r>
-              <a:rPr lang="ja-JP" sz="1600" b="1" strike="noStrike" spc="-1" dirty="0">
-                <a:solidFill>
-                  <a:srgbClr val="000000"/>
-                </a:solidFill>
-                <a:latin typeface="Arial"/>
-                <a:ea typeface="Arial"/>
-              </a:rPr>
-              <a:t>番地</a:t>
-            </a:r>
-            <a:r>
-              <a:rPr lang="en-US" sz="1600" b="1" strike="noStrike" spc="-1" dirty="0">
-                <a:solidFill>
-                  <a:srgbClr val="000000"/>
-                </a:solidFill>
-                <a:latin typeface="Arial"/>
-                <a:ea typeface="Arial"/>
-              </a:rPr>
-              <a:t>1</a:t>
-            </a:r>
-            <a:r>
-              <a:rPr lang="ja-JP" sz="1600" b="1" strike="noStrike" spc="-1" dirty="0">
-                <a:solidFill>
-                  <a:srgbClr val="000000"/>
-                </a:solidFill>
-                <a:latin typeface="Arial"/>
-                <a:ea typeface="Arial"/>
-              </a:rPr>
-              <a:t>号　　　・・・</a:t>
+              <a:t>　　　　　　　　 </a:t>
             </a:r>
             <a:endParaRPr lang="en-US" sz="1600" b="0" strike="noStrike" spc="-1" dirty="0">
               <a:solidFill>
@@ -14769,14 +13995,614 @@
       </p:sp>
       <p:sp>
         <p:nvSpPr>
-          <p:cNvPr id="232" name="正方形/長方形 8"/>
+          <p:cNvPr id="218" name="テキスト ボックス 33"/>
           <p:cNvSpPr/>
           <p:nvPr/>
         </p:nvSpPr>
         <p:spPr>
           <a:xfrm>
-            <a:off x="2183007" y="2311325"/>
-            <a:ext cx="1077269" cy="337101"/>
+            <a:off x="5780139" y="5360350"/>
+            <a:ext cx="736560" cy="596880"/>
+          </a:xfrm>
+          <a:prstGeom prst="rect">
+            <a:avLst/>
+          </a:prstGeom>
+          <a:noFill/>
+          <a:ln w="0">
+            <a:noFill/>
+          </a:ln>
+        </p:spPr>
+        <p:style>
+          <a:lnRef idx="0">
+            <a:scrgbClr r="0" g="0" b="0"/>
+          </a:lnRef>
+          <a:fillRef idx="0">
+            <a:scrgbClr r="0" g="0" b="0"/>
+          </a:fillRef>
+          <a:effectRef idx="0">
+            <a:scrgbClr r="0" g="0" b="0"/>
+          </a:effectRef>
+          <a:fontRef idx="minor"/>
+        </p:style>
+        <p:txBody>
+          <a:bodyPr vert="vert" lIns="45000" tIns="90000" rIns="45000" bIns="90000" anchor="t">
+            <a:noAutofit/>
+          </a:bodyPr>
+          <a:lstStyle/>
+          <a:p>
+            <a:pPr>
+              <a:lnSpc>
+                <a:spcPct val="100000"/>
+              </a:lnSpc>
+            </a:pPr>
+            <a:r>
+              <a:rPr lang="en-US" sz="3600" b="1" strike="noStrike" spc="-1" dirty="0">
+                <a:solidFill>
+                  <a:srgbClr val="000000"/>
+                </a:solidFill>
+                <a:latin typeface="Arial"/>
+                <a:ea typeface="Arial"/>
+              </a:rPr>
+              <a:t>…</a:t>
+            </a:r>
+            <a:endParaRPr lang="en-US" sz="3600" b="0" strike="noStrike" spc="-1" dirty="0">
+              <a:solidFill>
+                <a:srgbClr val="000000"/>
+              </a:solidFill>
+              <a:latin typeface="Arial"/>
+            </a:endParaRPr>
+          </a:p>
+        </p:txBody>
+      </p:sp>
+      <p:sp>
+        <p:nvSpPr>
+          <p:cNvPr id="23" name="PlaceHolder 1">
+            <a:extLst>
+              <a:ext uri="{FF2B5EF4-FFF2-40B4-BE49-F238E27FC236}">
+                <a16:creationId xmlns:a16="http://schemas.microsoft.com/office/drawing/2014/main" id="{8CA2C693-727C-41C2-B96D-21D9FD6D8466}"/>
+              </a:ext>
+            </a:extLst>
+          </p:cNvPr>
+          <p:cNvSpPr txBox="1">
+            <a:spLocks/>
+          </p:cNvSpPr>
+          <p:nvPr/>
+        </p:nvSpPr>
+        <p:spPr>
+          <a:xfrm>
+            <a:off x="761760" y="744189"/>
+            <a:ext cx="3361877" cy="547491"/>
+          </a:xfrm>
+          <a:prstGeom prst="rect">
+            <a:avLst/>
+          </a:prstGeom>
+        </p:spPr>
+        <p:txBody>
+          <a:bodyPr/>
+          <a:lstStyle>
+            <a:lvl1pPr algn="l" defTabSz="914400" rtl="0" eaLnBrk="1" latinLnBrk="0" hangingPunct="1">
+              <a:lnSpc>
+                <a:spcPct val="90000"/>
+              </a:lnSpc>
+              <a:spcBef>
+                <a:spcPct val="0"/>
+              </a:spcBef>
+              <a:buNone/>
+              <a:defRPr kumimoji="1" sz="4400" kern="1200">
+                <a:solidFill>
+                  <a:schemeClr val="tx1"/>
+                </a:solidFill>
+                <a:latin typeface="+mj-lt"/>
+                <a:ea typeface="+mj-ea"/>
+                <a:cs typeface="+mj-cs"/>
+              </a:defRPr>
+            </a:lvl1pPr>
+          </a:lstStyle>
+          <a:p>
+            <a:r>
+              <a:rPr lang="ja-JP" altLang="en-US" sz="2800" dirty="0"/>
+              <a:t>物件一覧画面</a:t>
+            </a:r>
+            <a:endParaRPr lang="en-US" sz="2800" dirty="0"/>
+          </a:p>
+        </p:txBody>
+      </p:sp>
+      <p:cxnSp>
+        <p:nvCxnSpPr>
+          <p:cNvPr id="27" name="直線コネクタ 12">
+            <a:extLst>
+              <a:ext uri="{FF2B5EF4-FFF2-40B4-BE49-F238E27FC236}">
+                <a16:creationId xmlns:a16="http://schemas.microsoft.com/office/drawing/2014/main" id="{411668A9-EE3D-4EFC-BB1D-F5BD21CDFAE2}"/>
+              </a:ext>
+            </a:extLst>
+          </p:cNvPr>
+          <p:cNvCxnSpPr>
+            <a:cxnSpLocks/>
+          </p:cNvCxnSpPr>
+          <p:nvPr/>
+        </p:nvCxnSpPr>
+        <p:spPr>
+          <a:xfrm flipV="1">
+            <a:off x="3363481" y="4009310"/>
+            <a:ext cx="5178240" cy="17860"/>
+          </a:xfrm>
+          <a:prstGeom prst="straightConnector1">
+            <a:avLst/>
+          </a:prstGeom>
+          <a:ln w="0">
+            <a:solidFill>
+              <a:srgbClr val="000000"/>
+            </a:solidFill>
+          </a:ln>
+        </p:spPr>
+      </p:cxnSp>
+      <p:sp>
+        <p:nvSpPr>
+          <p:cNvPr id="28" name="テキスト ボックス 22">
+            <a:extLst>
+              <a:ext uri="{FF2B5EF4-FFF2-40B4-BE49-F238E27FC236}">
+                <a16:creationId xmlns:a16="http://schemas.microsoft.com/office/drawing/2014/main" id="{AF2F93B3-EFFF-470C-9C94-11BA232BC4FE}"/>
+              </a:ext>
+            </a:extLst>
+          </p:cNvPr>
+          <p:cNvSpPr/>
+          <p:nvPr/>
+        </p:nvSpPr>
+        <p:spPr>
+          <a:xfrm>
+            <a:off x="3233521" y="4144187"/>
+            <a:ext cx="5574303" cy="337100"/>
+          </a:xfrm>
+          <a:prstGeom prst="rect">
+            <a:avLst/>
+          </a:prstGeom>
+          <a:noFill/>
+          <a:ln w="0">
+            <a:noFill/>
+          </a:ln>
+        </p:spPr>
+        <p:style>
+          <a:lnRef idx="0">
+            <a:scrgbClr r="0" g="0" b="0"/>
+          </a:lnRef>
+          <a:fillRef idx="0">
+            <a:scrgbClr r="0" g="0" b="0"/>
+          </a:fillRef>
+          <a:effectRef idx="0">
+            <a:scrgbClr r="0" g="0" b="0"/>
+          </a:effectRef>
+          <a:fontRef idx="minor"/>
+        </p:style>
+        <p:txBody>
+          <a:bodyPr wrap="square" lIns="90000" tIns="45000" rIns="90000" bIns="45000" anchor="t">
+            <a:spAutoFit/>
+          </a:bodyPr>
+          <a:lstStyle/>
+          <a:p>
+            <a:pPr>
+              <a:lnSpc>
+                <a:spcPct val="100000"/>
+              </a:lnSpc>
+            </a:pPr>
+            <a:r>
+              <a:rPr lang="ja-JP" altLang="en-US" sz="1600" b="1" spc="-1" dirty="0">
+                <a:solidFill>
+                  <a:srgbClr val="000000"/>
+                </a:solidFill>
+                <a:ea typeface="Arial"/>
+              </a:rPr>
+              <a:t>メゾン中野　　</a:t>
+            </a:r>
+            <a:r>
+              <a:rPr lang="ja-JP" sz="1600" b="1" strike="noStrike" spc="-1" dirty="0">
+                <a:solidFill>
+                  <a:srgbClr val="000000"/>
+                </a:solidFill>
+                <a:latin typeface="Arial"/>
+                <a:ea typeface="Arial"/>
+              </a:rPr>
+              <a:t>　　東京都中野区</a:t>
+            </a:r>
+            <a:r>
+              <a:rPr lang="ja-JP" altLang="en-US" sz="1600" b="1" spc="-1" dirty="0">
+                <a:solidFill>
+                  <a:srgbClr val="000000"/>
+                </a:solidFill>
+                <a:latin typeface="Arial"/>
+                <a:ea typeface="Arial"/>
+              </a:rPr>
+              <a:t>　　　</a:t>
+            </a:r>
+            <a:r>
+              <a:rPr lang="ja-JP" altLang="en-US" sz="1600" b="1" strike="noStrike" spc="-1" dirty="0">
+                <a:solidFill>
+                  <a:srgbClr val="000000"/>
+                </a:solidFill>
+                <a:latin typeface="Arial"/>
+                <a:ea typeface="Arial"/>
+              </a:rPr>
+              <a:t>鈴木</a:t>
+            </a:r>
+            <a:r>
+              <a:rPr lang="ja-JP" altLang="en-US" sz="1600" b="1" spc="-1" dirty="0">
+                <a:solidFill>
+                  <a:srgbClr val="000000"/>
+                </a:solidFill>
+                <a:latin typeface="Arial"/>
+                <a:ea typeface="Arial"/>
+              </a:rPr>
+              <a:t> 太郎</a:t>
+            </a:r>
+            <a:r>
+              <a:rPr lang="ja-JP" sz="1600" b="1" strike="noStrike" spc="-1" dirty="0">
+                <a:solidFill>
+                  <a:srgbClr val="000000"/>
+                </a:solidFill>
+                <a:latin typeface="Arial"/>
+                <a:ea typeface="Arial"/>
+              </a:rPr>
+              <a:t>　　　　　　　　 </a:t>
+            </a:r>
+            <a:endParaRPr lang="en-US" sz="1600" b="0" strike="noStrike" spc="-1" dirty="0">
+              <a:solidFill>
+                <a:srgbClr val="000000"/>
+              </a:solidFill>
+              <a:latin typeface="Arial"/>
+            </a:endParaRPr>
+          </a:p>
+        </p:txBody>
+      </p:sp>
+      <p:cxnSp>
+        <p:nvCxnSpPr>
+          <p:cNvPr id="29" name="直線コネクタ 12">
+            <a:extLst>
+              <a:ext uri="{FF2B5EF4-FFF2-40B4-BE49-F238E27FC236}">
+                <a16:creationId xmlns:a16="http://schemas.microsoft.com/office/drawing/2014/main" id="{2F7F2CF8-8470-4685-8100-65ED1117E30D}"/>
+              </a:ext>
+            </a:extLst>
+          </p:cNvPr>
+          <p:cNvCxnSpPr>
+            <a:cxnSpLocks/>
+          </p:cNvCxnSpPr>
+          <p:nvPr/>
+        </p:nvCxnSpPr>
+        <p:spPr>
+          <a:xfrm flipV="1">
+            <a:off x="3363481" y="4527468"/>
+            <a:ext cx="5178240" cy="17860"/>
+          </a:xfrm>
+          <a:prstGeom prst="straightConnector1">
+            <a:avLst/>
+          </a:prstGeom>
+          <a:ln w="0">
+            <a:solidFill>
+              <a:srgbClr val="000000"/>
+            </a:solidFill>
+          </a:ln>
+        </p:spPr>
+      </p:cxnSp>
+      <p:cxnSp>
+        <p:nvCxnSpPr>
+          <p:cNvPr id="30" name="直線コネクタ 12">
+            <a:extLst>
+              <a:ext uri="{FF2B5EF4-FFF2-40B4-BE49-F238E27FC236}">
+                <a16:creationId xmlns:a16="http://schemas.microsoft.com/office/drawing/2014/main" id="{5528F7BF-35DF-42A1-99A8-B73363CB2A58}"/>
+              </a:ext>
+            </a:extLst>
+          </p:cNvPr>
+          <p:cNvCxnSpPr>
+            <a:cxnSpLocks/>
+          </p:cNvCxnSpPr>
+          <p:nvPr/>
+        </p:nvCxnSpPr>
+        <p:spPr>
+          <a:xfrm flipV="1">
+            <a:off x="3363481" y="5068770"/>
+            <a:ext cx="5178240" cy="17860"/>
+          </a:xfrm>
+          <a:prstGeom prst="straightConnector1">
+            <a:avLst/>
+          </a:prstGeom>
+          <a:ln w="0">
+            <a:solidFill>
+              <a:srgbClr val="000000"/>
+            </a:solidFill>
+          </a:ln>
+        </p:spPr>
+      </p:cxnSp>
+      <p:sp>
+        <p:nvSpPr>
+          <p:cNvPr id="31" name="テキスト ボックス 22">
+            <a:extLst>
+              <a:ext uri="{FF2B5EF4-FFF2-40B4-BE49-F238E27FC236}">
+                <a16:creationId xmlns:a16="http://schemas.microsoft.com/office/drawing/2014/main" id="{70952157-92E2-47EE-9EE7-1FBAC1A222AE}"/>
+              </a:ext>
+            </a:extLst>
+          </p:cNvPr>
+          <p:cNvSpPr/>
+          <p:nvPr/>
+        </p:nvSpPr>
+        <p:spPr>
+          <a:xfrm>
+            <a:off x="3233521" y="4700373"/>
+            <a:ext cx="5829797" cy="337100"/>
+          </a:xfrm>
+          <a:prstGeom prst="rect">
+            <a:avLst/>
+          </a:prstGeom>
+          <a:noFill/>
+          <a:ln w="0">
+            <a:noFill/>
+          </a:ln>
+        </p:spPr>
+        <p:style>
+          <a:lnRef idx="0">
+            <a:scrgbClr r="0" g="0" b="0"/>
+          </a:lnRef>
+          <a:fillRef idx="0">
+            <a:scrgbClr r="0" g="0" b="0"/>
+          </a:fillRef>
+          <a:effectRef idx="0">
+            <a:scrgbClr r="0" g="0" b="0"/>
+          </a:effectRef>
+          <a:fontRef idx="minor"/>
+        </p:style>
+        <p:txBody>
+          <a:bodyPr wrap="square" lIns="90000" tIns="45000" rIns="90000" bIns="45000" anchor="t">
+            <a:spAutoFit/>
+          </a:bodyPr>
+          <a:lstStyle/>
+          <a:p>
+            <a:pPr>
+              <a:lnSpc>
+                <a:spcPct val="100000"/>
+              </a:lnSpc>
+            </a:pPr>
+            <a:r>
+              <a:rPr lang="ja-JP" altLang="en-US" sz="1600" b="1" spc="-1" dirty="0">
+                <a:solidFill>
+                  <a:srgbClr val="000000"/>
+                </a:solidFill>
+                <a:ea typeface="Arial"/>
+              </a:rPr>
+              <a:t>アパート荻窪</a:t>
+            </a:r>
+            <a:r>
+              <a:rPr lang="ja-JP" sz="1600" b="1" strike="noStrike" spc="-1" dirty="0">
+                <a:solidFill>
+                  <a:srgbClr val="000000"/>
+                </a:solidFill>
+                <a:latin typeface="Arial"/>
+                <a:ea typeface="Arial"/>
+              </a:rPr>
+              <a:t>　　</a:t>
+            </a:r>
+            <a:r>
+              <a:rPr lang="ja-JP" altLang="en-US" sz="1600" b="1" strike="noStrike" spc="-1" dirty="0">
+                <a:solidFill>
+                  <a:srgbClr val="000000"/>
+                </a:solidFill>
+                <a:latin typeface="Arial"/>
+                <a:ea typeface="Arial"/>
+              </a:rPr>
+              <a:t>　</a:t>
+            </a:r>
+            <a:r>
+              <a:rPr lang="ja-JP" sz="1600" b="1" strike="noStrike" spc="-1" dirty="0">
+                <a:solidFill>
+                  <a:srgbClr val="000000"/>
+                </a:solidFill>
+                <a:latin typeface="Arial"/>
+                <a:ea typeface="Arial"/>
+              </a:rPr>
+              <a:t>東京都</a:t>
+            </a:r>
+            <a:r>
+              <a:rPr lang="ja-JP" altLang="en-US" sz="1600" b="1" strike="noStrike" spc="-1" dirty="0">
+                <a:solidFill>
+                  <a:srgbClr val="000000"/>
+                </a:solidFill>
+                <a:latin typeface="Arial"/>
+                <a:ea typeface="Arial"/>
+              </a:rPr>
+              <a:t>杉並</a:t>
+            </a:r>
+            <a:r>
+              <a:rPr lang="ja-JP" sz="1600" b="1" strike="noStrike" spc="-1" dirty="0">
+                <a:solidFill>
+                  <a:srgbClr val="000000"/>
+                </a:solidFill>
+                <a:latin typeface="Arial"/>
+                <a:ea typeface="Arial"/>
+              </a:rPr>
+              <a:t>区荻窪　</a:t>
+            </a:r>
+            <a:r>
+              <a:rPr lang="ja-JP" altLang="en-US" sz="1600" b="1" spc="-1" dirty="0">
+                <a:solidFill>
+                  <a:srgbClr val="000000"/>
+                </a:solidFill>
+                <a:latin typeface="Arial"/>
+                <a:ea typeface="Arial"/>
+              </a:rPr>
+              <a:t>山田 太郎</a:t>
+            </a:r>
+            <a:r>
+              <a:rPr lang="ja-JP" sz="1600" b="1" strike="noStrike" spc="-1" dirty="0">
+                <a:solidFill>
+                  <a:srgbClr val="000000"/>
+                </a:solidFill>
+                <a:latin typeface="Arial"/>
+                <a:ea typeface="Arial"/>
+              </a:rPr>
+              <a:t>　　　　　　　　 </a:t>
+            </a:r>
+            <a:endParaRPr lang="en-US" sz="1600" b="0" strike="noStrike" spc="-1" dirty="0">
+              <a:solidFill>
+                <a:srgbClr val="000000"/>
+              </a:solidFill>
+              <a:latin typeface="Arial"/>
+            </a:endParaRPr>
+          </a:p>
+        </p:txBody>
+      </p:sp>
+      <p:sp>
+        <p:nvSpPr>
+          <p:cNvPr id="2" name="正方形/長方形 1">
+            <a:extLst>
+              <a:ext uri="{FF2B5EF4-FFF2-40B4-BE49-F238E27FC236}">
+                <a16:creationId xmlns:a16="http://schemas.microsoft.com/office/drawing/2014/main" id="{34617EEE-2704-4165-8C53-881371CCCFAB}"/>
+              </a:ext>
+            </a:extLst>
+          </p:cNvPr>
+          <p:cNvSpPr/>
+          <p:nvPr/>
+        </p:nvSpPr>
+        <p:spPr>
+          <a:xfrm>
+            <a:off x="3233521" y="3632323"/>
+            <a:ext cx="1634314" cy="292778"/>
+          </a:xfrm>
+          <a:prstGeom prst="rect">
+            <a:avLst/>
+          </a:prstGeom>
+          <a:noFill/>
+        </p:spPr>
+        <p:style>
+          <a:lnRef idx="2">
+            <a:schemeClr val="accent1">
+              <a:shade val="50000"/>
+            </a:schemeClr>
+          </a:lnRef>
+          <a:fillRef idx="1">
+            <a:schemeClr val="accent1"/>
+          </a:fillRef>
+          <a:effectRef idx="0">
+            <a:schemeClr val="accent1"/>
+          </a:effectRef>
+          <a:fontRef idx="minor">
+            <a:schemeClr val="lt1"/>
+          </a:fontRef>
+        </p:style>
+        <p:txBody>
+          <a:bodyPr rtlCol="0" anchor="ctr"/>
+          <a:lstStyle/>
+          <a:p>
+            <a:pPr algn="ctr"/>
+            <a:endParaRPr kumimoji="1" lang="ja-JP" altLang="en-US"/>
+          </a:p>
+        </p:txBody>
+      </p:sp>
+      <p:sp>
+        <p:nvSpPr>
+          <p:cNvPr id="18" name="正方形/長方形 17">
+            <a:extLst>
+              <a:ext uri="{FF2B5EF4-FFF2-40B4-BE49-F238E27FC236}">
+                <a16:creationId xmlns:a16="http://schemas.microsoft.com/office/drawing/2014/main" id="{70F2ACE5-6B4D-47ED-A339-D44AB7BE93A2}"/>
+              </a:ext>
+            </a:extLst>
+          </p:cNvPr>
+          <p:cNvSpPr/>
+          <p:nvPr/>
+        </p:nvSpPr>
+        <p:spPr>
+          <a:xfrm>
+            <a:off x="3236063" y="4124468"/>
+            <a:ext cx="1201466" cy="318508"/>
+          </a:xfrm>
+          <a:prstGeom prst="rect">
+            <a:avLst/>
+          </a:prstGeom>
+          <a:noFill/>
+        </p:spPr>
+        <p:style>
+          <a:lnRef idx="2">
+            <a:schemeClr val="accent1">
+              <a:shade val="50000"/>
+            </a:schemeClr>
+          </a:lnRef>
+          <a:fillRef idx="1">
+            <a:schemeClr val="accent1"/>
+          </a:fillRef>
+          <a:effectRef idx="0">
+            <a:schemeClr val="accent1"/>
+          </a:effectRef>
+          <a:fontRef idx="minor">
+            <a:schemeClr val="lt1"/>
+          </a:fontRef>
+        </p:style>
+        <p:txBody>
+          <a:bodyPr rtlCol="0" anchor="ctr"/>
+          <a:lstStyle/>
+          <a:p>
+            <a:pPr algn="ctr"/>
+            <a:endParaRPr kumimoji="1" lang="ja-JP" altLang="en-US"/>
+          </a:p>
+        </p:txBody>
+      </p:sp>
+      <p:sp>
+        <p:nvSpPr>
+          <p:cNvPr id="19" name="正方形/長方形 18">
+            <a:extLst>
+              <a:ext uri="{FF2B5EF4-FFF2-40B4-BE49-F238E27FC236}">
+                <a16:creationId xmlns:a16="http://schemas.microsoft.com/office/drawing/2014/main" id="{69976EA9-B4E1-4B21-909E-78CCF009B756}"/>
+              </a:ext>
+            </a:extLst>
+          </p:cNvPr>
+          <p:cNvSpPr/>
+          <p:nvPr/>
+        </p:nvSpPr>
+        <p:spPr>
+          <a:xfrm>
+            <a:off x="3233521" y="4700373"/>
+            <a:ext cx="1426614" cy="292778"/>
+          </a:xfrm>
+          <a:prstGeom prst="rect">
+            <a:avLst/>
+          </a:prstGeom>
+          <a:noFill/>
+        </p:spPr>
+        <p:style>
+          <a:lnRef idx="2">
+            <a:schemeClr val="accent1">
+              <a:shade val="50000"/>
+            </a:schemeClr>
+          </a:lnRef>
+          <a:fillRef idx="1">
+            <a:schemeClr val="accent1"/>
+          </a:fillRef>
+          <a:effectRef idx="0">
+            <a:schemeClr val="accent1"/>
+          </a:effectRef>
+          <a:fontRef idx="minor">
+            <a:schemeClr val="lt1"/>
+          </a:fontRef>
+        </p:style>
+        <p:txBody>
+          <a:bodyPr rtlCol="0" anchor="ctr"/>
+          <a:lstStyle/>
+          <a:p>
+            <a:pPr algn="ctr"/>
+            <a:endParaRPr kumimoji="1" lang="ja-JP" altLang="en-US"/>
+          </a:p>
+        </p:txBody>
+      </p:sp>
+      <p:sp>
+        <p:nvSpPr>
+          <p:cNvPr id="20" name="正方形/長方形 14">
+            <a:extLst>
+              <a:ext uri="{FF2B5EF4-FFF2-40B4-BE49-F238E27FC236}">
+                <a16:creationId xmlns:a16="http://schemas.microsoft.com/office/drawing/2014/main" id="{C0721BEF-28DC-4D82-A960-412048E2B31B}"/>
+              </a:ext>
+            </a:extLst>
+          </p:cNvPr>
+          <p:cNvSpPr/>
+          <p:nvPr/>
+        </p:nvSpPr>
+        <p:spPr>
+          <a:xfrm>
+            <a:off x="3233521" y="3573087"/>
+            <a:ext cx="1644948" cy="375618"/>
           </a:xfrm>
           <a:prstGeom prst="rect">
             <a:avLst/>
@@ -14784,7 +14610,7 @@
           <a:solidFill>
             <a:srgbClr val="A9D4DB"/>
           </a:solidFill>
-          <a:ln>
+          <a:ln cap="rnd">
             <a:solidFill>
               <a:srgbClr val="4A5C5F"/>
             </a:solidFill>
@@ -14817,78 +14643,412 @@
               </a:lnSpc>
             </a:pPr>
             <a:r>
-              <a:rPr lang="ja-JP" sz="1400" b="1" strike="noStrike" spc="-1" dirty="0">
-                <a:solidFill>
-                  <a:srgbClr val="000000"/>
-                </a:solidFill>
-                <a:latin typeface="Arial"/>
-                <a:ea typeface="Arial"/>
-              </a:rPr>
-              <a:t>部屋一覧</a:t>
-            </a:r>
-            <a:endParaRPr lang="en-US" sz="1400" b="0" strike="noStrike" spc="-1" dirty="0">
-              <a:solidFill>
-                <a:srgbClr val="000000"/>
-              </a:solidFill>
-              <a:latin typeface="Arial"/>
-            </a:endParaRPr>
-          </a:p>
-        </p:txBody>
-      </p:sp>
-      <p:sp>
-        <p:nvSpPr>
-          <p:cNvPr id="16" name="PlaceHolder 1">
+              <a:rPr lang="ja-JP" altLang="en-US" sz="1600" b="1" strike="noStrike" spc="-1" dirty="0">
+                <a:solidFill>
+                  <a:srgbClr val="000000"/>
+                </a:solidFill>
+                <a:latin typeface="Arial"/>
+              </a:rPr>
+              <a:t>レオパレス荻窪</a:t>
+            </a:r>
+            <a:endParaRPr lang="en-US" sz="1600" b="1" strike="noStrike" spc="-1" dirty="0">
+              <a:solidFill>
+                <a:srgbClr val="000000"/>
+              </a:solidFill>
+              <a:latin typeface="Arial"/>
+            </a:endParaRPr>
+          </a:p>
+        </p:txBody>
+      </p:sp>
+      <p:sp>
+        <p:nvSpPr>
+          <p:cNvPr id="21" name="正方形/長方形 14">
             <a:extLst>
               <a:ext uri="{FF2B5EF4-FFF2-40B4-BE49-F238E27FC236}">
-                <a16:creationId xmlns:a16="http://schemas.microsoft.com/office/drawing/2014/main" id="{3F3397C0-C603-43AB-ADCE-91CFE7953C45}"/>
+                <a16:creationId xmlns:a16="http://schemas.microsoft.com/office/drawing/2014/main" id="{C371C426-E00F-4C53-94B2-5FAF88E1747D}"/>
               </a:ext>
             </a:extLst>
           </p:cNvPr>
-          <p:cNvSpPr txBox="1">
-            <a:spLocks/>
-          </p:cNvSpPr>
+          <p:cNvSpPr/>
           <p:nvPr/>
         </p:nvSpPr>
         <p:spPr>
           <a:xfrm>
-            <a:off x="892963" y="664774"/>
-            <a:ext cx="3361877" cy="547491"/>
-          </a:xfrm>
-          <a:prstGeom prst="rect">
-            <a:avLst/>
-          </a:prstGeom>
-        </p:spPr>
-        <p:txBody>
-          <a:bodyPr/>
-          <a:lstStyle>
-            <a:lvl1pPr algn="l" defTabSz="914400" rtl="0" eaLnBrk="1" latinLnBrk="0" hangingPunct="1">
+            <a:off x="3234777" y="4129595"/>
+            <a:ext cx="1204038" cy="375618"/>
+          </a:xfrm>
+          <a:prstGeom prst="rect">
+            <a:avLst/>
+          </a:prstGeom>
+          <a:solidFill>
+            <a:srgbClr val="A9D4DB"/>
+          </a:solidFill>
+          <a:ln cap="rnd">
+            <a:solidFill>
+              <a:srgbClr val="4A5C5F"/>
+            </a:solidFill>
+            <a:round/>
+          </a:ln>
+        </p:spPr>
+        <p:style>
+          <a:lnRef idx="2">
+            <a:schemeClr val="accent1">
+              <a:shade val="15000"/>
+            </a:schemeClr>
+          </a:lnRef>
+          <a:fillRef idx="1">
+            <a:schemeClr val="accent1"/>
+          </a:fillRef>
+          <a:effectRef idx="0">
+            <a:schemeClr val="accent1"/>
+          </a:effectRef>
+          <a:fontRef idx="minor"/>
+        </p:style>
+        <p:txBody>
+          <a:bodyPr lIns="90000" tIns="45000" rIns="90000" bIns="45000" anchor="ctr">
+            <a:noAutofit/>
+          </a:bodyPr>
+          <a:lstStyle/>
+          <a:p>
+            <a:pPr algn="ctr">
               <a:lnSpc>
-                <a:spcPct val="90000"/>
+                <a:spcPct val="100000"/>
               </a:lnSpc>
-              <a:spcBef>
-                <a:spcPct val="0"/>
-              </a:spcBef>
-              <a:buNone/>
-              <a:defRPr kumimoji="1" sz="4400" kern="1200">
-                <a:solidFill>
-                  <a:schemeClr val="tx1"/>
-                </a:solidFill>
-                <a:latin typeface="+mj-lt"/>
-                <a:ea typeface="+mj-ea"/>
-                <a:cs typeface="+mj-cs"/>
-              </a:defRPr>
-            </a:lvl1pPr>
-          </a:lstStyle>
-          <a:p>
-            <a:r>
-              <a:rPr lang="ja-JP" altLang="en-US" sz="2800" dirty="0"/>
-              <a:t>物件詳細画面</a:t>
-            </a:r>
-            <a:endParaRPr lang="en-US" sz="2800" dirty="0"/>
+            </a:pPr>
+            <a:r>
+              <a:rPr lang="ja-JP" altLang="en-US" sz="1600" b="1" strike="noStrike" spc="-1" dirty="0">
+                <a:solidFill>
+                  <a:srgbClr val="000000"/>
+                </a:solidFill>
+                <a:latin typeface="Arial"/>
+              </a:rPr>
+              <a:t>メゾン中野</a:t>
+            </a:r>
+            <a:endParaRPr lang="en-US" sz="1600" b="1" strike="noStrike" spc="-1" dirty="0">
+              <a:solidFill>
+                <a:srgbClr val="000000"/>
+              </a:solidFill>
+              <a:latin typeface="Arial"/>
+            </a:endParaRPr>
+          </a:p>
+        </p:txBody>
+      </p:sp>
+      <p:sp>
+        <p:nvSpPr>
+          <p:cNvPr id="24" name="正方形/長方形 14">
+            <a:extLst>
+              <a:ext uri="{FF2B5EF4-FFF2-40B4-BE49-F238E27FC236}">
+                <a16:creationId xmlns:a16="http://schemas.microsoft.com/office/drawing/2014/main" id="{3B120839-5878-4012-ACD6-501CDC16DEEF}"/>
+              </a:ext>
+            </a:extLst>
+          </p:cNvPr>
+          <p:cNvSpPr/>
+          <p:nvPr/>
+        </p:nvSpPr>
+        <p:spPr>
+          <a:xfrm>
+            <a:off x="3222887" y="4645861"/>
+            <a:ext cx="1644948" cy="375618"/>
+          </a:xfrm>
+          <a:prstGeom prst="rect">
+            <a:avLst/>
+          </a:prstGeom>
+          <a:solidFill>
+            <a:srgbClr val="A9D4DB"/>
+          </a:solidFill>
+          <a:ln cap="rnd">
+            <a:solidFill>
+              <a:srgbClr val="4A5C5F"/>
+            </a:solidFill>
+            <a:round/>
+          </a:ln>
+        </p:spPr>
+        <p:style>
+          <a:lnRef idx="2">
+            <a:schemeClr val="accent1">
+              <a:shade val="15000"/>
+            </a:schemeClr>
+          </a:lnRef>
+          <a:fillRef idx="1">
+            <a:schemeClr val="accent1"/>
+          </a:fillRef>
+          <a:effectRef idx="0">
+            <a:schemeClr val="accent1"/>
+          </a:effectRef>
+          <a:fontRef idx="minor"/>
+        </p:style>
+        <p:txBody>
+          <a:bodyPr lIns="90000" tIns="45000" rIns="90000" bIns="45000" anchor="ctr">
+            <a:noAutofit/>
+          </a:bodyPr>
+          <a:lstStyle/>
+          <a:p>
+            <a:pPr algn="ctr">
+              <a:lnSpc>
+                <a:spcPct val="100000"/>
+              </a:lnSpc>
+            </a:pPr>
+            <a:r>
+              <a:rPr lang="ja-JP" altLang="en-US" sz="1600" b="1" strike="noStrike" spc="-1" dirty="0">
+                <a:solidFill>
+                  <a:srgbClr val="000000"/>
+                </a:solidFill>
+                <a:latin typeface="Arial"/>
+              </a:rPr>
+              <a:t>レオパレス杉並</a:t>
+            </a:r>
+            <a:endParaRPr lang="en-US" sz="1600" b="1" strike="noStrike" spc="-1" dirty="0">
+              <a:solidFill>
+                <a:srgbClr val="000000"/>
+              </a:solidFill>
+              <a:latin typeface="Arial"/>
+            </a:endParaRPr>
+          </a:p>
+        </p:txBody>
+      </p:sp>
+      <p:sp>
+        <p:nvSpPr>
+          <p:cNvPr id="25" name="正方形/長方形 14">
+            <a:extLst>
+              <a:ext uri="{FF2B5EF4-FFF2-40B4-BE49-F238E27FC236}">
+                <a16:creationId xmlns:a16="http://schemas.microsoft.com/office/drawing/2014/main" id="{DFD62F5B-179F-4DDF-AE15-05B968670A66}"/>
+              </a:ext>
+            </a:extLst>
+          </p:cNvPr>
+          <p:cNvSpPr/>
+          <p:nvPr/>
+        </p:nvSpPr>
+        <p:spPr>
+          <a:xfrm>
+            <a:off x="7017096" y="3558832"/>
+            <a:ext cx="1102336" cy="375618"/>
+          </a:xfrm>
+          <a:prstGeom prst="rect">
+            <a:avLst/>
+          </a:prstGeom>
+          <a:solidFill>
+            <a:srgbClr val="A9D4DB"/>
+          </a:solidFill>
+          <a:ln cap="rnd">
+            <a:solidFill>
+              <a:srgbClr val="4A5C5F"/>
+            </a:solidFill>
+            <a:round/>
+          </a:ln>
+        </p:spPr>
+        <p:style>
+          <a:lnRef idx="2">
+            <a:schemeClr val="accent1">
+              <a:shade val="15000"/>
+            </a:schemeClr>
+          </a:lnRef>
+          <a:fillRef idx="1">
+            <a:schemeClr val="accent1"/>
+          </a:fillRef>
+          <a:effectRef idx="0">
+            <a:schemeClr val="accent1"/>
+          </a:effectRef>
+          <a:fontRef idx="minor"/>
+        </p:style>
+        <p:txBody>
+          <a:bodyPr lIns="90000" tIns="45000" rIns="90000" bIns="45000" anchor="ctr">
+            <a:noAutofit/>
+          </a:bodyPr>
+          <a:lstStyle/>
+          <a:p>
+            <a:pPr algn="ctr">
+              <a:lnSpc>
+                <a:spcPct val="100000"/>
+              </a:lnSpc>
+            </a:pPr>
+            <a:r>
+              <a:rPr lang="ja-JP" altLang="en-US" sz="1600" b="1" strike="noStrike" spc="-1" dirty="0">
+                <a:solidFill>
+                  <a:srgbClr val="000000"/>
+                </a:solidFill>
+                <a:latin typeface="Arial"/>
+              </a:rPr>
+              <a:t>山田太郎</a:t>
+            </a:r>
+            <a:endParaRPr lang="en-US" sz="1600" b="1" strike="noStrike" spc="-1" dirty="0">
+              <a:solidFill>
+                <a:srgbClr val="000000"/>
+              </a:solidFill>
+              <a:latin typeface="Arial"/>
+            </a:endParaRPr>
+          </a:p>
+        </p:txBody>
+      </p:sp>
+      <p:sp>
+        <p:nvSpPr>
+          <p:cNvPr id="26" name="正方形/長方形 14">
+            <a:extLst>
+              <a:ext uri="{FF2B5EF4-FFF2-40B4-BE49-F238E27FC236}">
+                <a16:creationId xmlns:a16="http://schemas.microsoft.com/office/drawing/2014/main" id="{8ACA16B5-ECD0-4556-B17B-BCC42B562711}"/>
+              </a:ext>
+            </a:extLst>
+          </p:cNvPr>
+          <p:cNvSpPr/>
+          <p:nvPr/>
+        </p:nvSpPr>
+        <p:spPr>
+          <a:xfrm>
+            <a:off x="7017096" y="4086440"/>
+            <a:ext cx="1102336" cy="375618"/>
+          </a:xfrm>
+          <a:prstGeom prst="rect">
+            <a:avLst/>
+          </a:prstGeom>
+          <a:solidFill>
+            <a:srgbClr val="A9D4DB"/>
+          </a:solidFill>
+          <a:ln cap="rnd">
+            <a:solidFill>
+              <a:srgbClr val="4A5C5F"/>
+            </a:solidFill>
+            <a:round/>
+          </a:ln>
+        </p:spPr>
+        <p:style>
+          <a:lnRef idx="2">
+            <a:schemeClr val="accent1">
+              <a:shade val="15000"/>
+            </a:schemeClr>
+          </a:lnRef>
+          <a:fillRef idx="1">
+            <a:schemeClr val="accent1"/>
+          </a:fillRef>
+          <a:effectRef idx="0">
+            <a:schemeClr val="accent1"/>
+          </a:effectRef>
+          <a:fontRef idx="minor"/>
+        </p:style>
+        <p:txBody>
+          <a:bodyPr lIns="90000" tIns="45000" rIns="90000" bIns="45000" anchor="ctr">
+            <a:noAutofit/>
+          </a:bodyPr>
+          <a:lstStyle/>
+          <a:p>
+            <a:pPr algn="ctr">
+              <a:lnSpc>
+                <a:spcPct val="100000"/>
+              </a:lnSpc>
+            </a:pPr>
+            <a:r>
+              <a:rPr lang="ja-JP" altLang="en-US" sz="1600" b="1" spc="-1" dirty="0">
+                <a:solidFill>
+                  <a:srgbClr val="000000"/>
+                </a:solidFill>
+                <a:latin typeface="Arial"/>
+              </a:rPr>
+              <a:t>鈴木</a:t>
+            </a:r>
+            <a:r>
+              <a:rPr lang="ja-JP" altLang="en-US" sz="1600" b="1" strike="noStrike" spc="-1" dirty="0">
+                <a:solidFill>
+                  <a:srgbClr val="000000"/>
+                </a:solidFill>
+                <a:latin typeface="Arial"/>
+              </a:rPr>
+              <a:t>太郎</a:t>
+            </a:r>
+            <a:endParaRPr lang="en-US" sz="1600" b="1" strike="noStrike" spc="-1" dirty="0">
+              <a:solidFill>
+                <a:srgbClr val="000000"/>
+              </a:solidFill>
+              <a:latin typeface="Arial"/>
+            </a:endParaRPr>
+          </a:p>
+        </p:txBody>
+      </p:sp>
+      <p:sp>
+        <p:nvSpPr>
+          <p:cNvPr id="32" name="正方形/長方形 14">
+            <a:extLst>
+              <a:ext uri="{FF2B5EF4-FFF2-40B4-BE49-F238E27FC236}">
+                <a16:creationId xmlns:a16="http://schemas.microsoft.com/office/drawing/2014/main" id="{C624DA2A-5C4E-4E99-B290-575E51D941B2}"/>
+              </a:ext>
+            </a:extLst>
+          </p:cNvPr>
+          <p:cNvSpPr/>
+          <p:nvPr/>
+        </p:nvSpPr>
+        <p:spPr>
+          <a:xfrm>
+            <a:off x="7017096" y="4623693"/>
+            <a:ext cx="1102336" cy="375618"/>
+          </a:xfrm>
+          <a:prstGeom prst="rect">
+            <a:avLst/>
+          </a:prstGeom>
+          <a:solidFill>
+            <a:srgbClr val="A9D4DB"/>
+          </a:solidFill>
+          <a:ln cap="rnd">
+            <a:solidFill>
+              <a:srgbClr val="4A5C5F"/>
+            </a:solidFill>
+            <a:round/>
+          </a:ln>
+        </p:spPr>
+        <p:style>
+          <a:lnRef idx="2">
+            <a:schemeClr val="accent1">
+              <a:shade val="15000"/>
+            </a:schemeClr>
+          </a:lnRef>
+          <a:fillRef idx="1">
+            <a:schemeClr val="accent1"/>
+          </a:fillRef>
+          <a:effectRef idx="0">
+            <a:schemeClr val="accent1"/>
+          </a:effectRef>
+          <a:fontRef idx="minor"/>
+        </p:style>
+        <p:txBody>
+          <a:bodyPr lIns="90000" tIns="45000" rIns="90000" bIns="45000" anchor="ctr">
+            <a:noAutofit/>
+          </a:bodyPr>
+          <a:lstStyle/>
+          <a:p>
+            <a:pPr algn="ctr">
+              <a:lnSpc>
+                <a:spcPct val="100000"/>
+              </a:lnSpc>
+            </a:pPr>
+            <a:r>
+              <a:rPr lang="ja-JP" altLang="en-US" sz="1600" b="1" spc="-1" dirty="0">
+                <a:solidFill>
+                  <a:srgbClr val="000000"/>
+                </a:solidFill>
+                <a:latin typeface="Arial"/>
+              </a:rPr>
+              <a:t>山本</a:t>
+            </a:r>
+            <a:r>
+              <a:rPr lang="ja-JP" altLang="en-US" sz="1600" b="1" strike="noStrike" spc="-1" dirty="0">
+                <a:solidFill>
+                  <a:srgbClr val="000000"/>
+                </a:solidFill>
+                <a:latin typeface="Arial"/>
+              </a:rPr>
+              <a:t>太郎</a:t>
+            </a:r>
+            <a:endParaRPr lang="en-US" sz="1600" b="1" strike="noStrike" spc="-1" dirty="0">
+              <a:solidFill>
+                <a:srgbClr val="000000"/>
+              </a:solidFill>
+              <a:latin typeface="Arial"/>
+            </a:endParaRPr>
           </a:p>
         </p:txBody>
       </p:sp>
     </p:spTree>
+    <p:extLst>
+      <p:ext uri="{BB962C8B-B14F-4D97-AF65-F5344CB8AC3E}">
+        <p14:creationId xmlns:p14="http://schemas.microsoft.com/office/powerpoint/2010/main" val="2046895448"/>
+      </p:ext>
+    </p:extLst>
   </p:cSld>
   <p:clrMapOvr>
     <a:masterClrMapping/>
@@ -14915,13 +15075,13 @@
       </p:grpSpPr>
       <p:sp>
         <p:nvSpPr>
-          <p:cNvPr id="234" name="正方形/長方形 3"/>
+          <p:cNvPr id="220" name="正方形/長方形 3"/>
           <p:cNvSpPr/>
           <p:nvPr/>
         </p:nvSpPr>
         <p:spPr>
           <a:xfrm>
-            <a:off x="502920" y="1250640"/>
+            <a:off x="478560" y="1212265"/>
             <a:ext cx="11234880" cy="5493600"/>
           </a:xfrm>
           <a:prstGeom prst="rect">
@@ -14977,14 +15137,14 @@
       </p:sp>
       <p:sp>
         <p:nvSpPr>
-          <p:cNvPr id="235" name="正方形/長方形 14"/>
+          <p:cNvPr id="222" name="正方形/長方形 16"/>
           <p:cNvSpPr/>
           <p:nvPr/>
         </p:nvSpPr>
         <p:spPr>
           <a:xfrm>
-            <a:off x="883800" y="2179080"/>
-            <a:ext cx="1278000" cy="520920"/>
+            <a:off x="805319" y="2311326"/>
+            <a:ext cx="1077270" cy="337100"/>
           </a:xfrm>
           <a:prstGeom prst="rect">
             <a:avLst/>
@@ -14992,7 +15152,7 @@
           <a:solidFill>
             <a:srgbClr val="A9D4DB"/>
           </a:solidFill>
-          <a:ln cap="rnd">
+          <a:ln>
             <a:solidFill>
               <a:srgbClr val="4A5C5F"/>
             </a:solidFill>
@@ -15025,34 +15185,34 @@
               </a:lnSpc>
             </a:pPr>
             <a:r>
-              <a:rPr lang="ja-JP" sz="2000" b="1" strike="noStrike" spc="-1">
-                <a:solidFill>
-                  <a:srgbClr val="000000"/>
-                </a:solidFill>
-                <a:latin typeface="Arial"/>
-                <a:ea typeface="Arial"/>
-              </a:rPr>
-              <a:t>新規登録</a:t>
-            </a:r>
-            <a:endParaRPr lang="en-US" sz="2000" b="0" strike="noStrike" spc="-1">
-              <a:solidFill>
-                <a:srgbClr val="000000"/>
-              </a:solidFill>
-              <a:latin typeface="Arial"/>
-            </a:endParaRPr>
-          </a:p>
-        </p:txBody>
-      </p:sp>
-      <p:sp>
-        <p:nvSpPr>
-          <p:cNvPr id="236" name="テキスト ボックス 1"/>
+              <a:rPr lang="ja-JP" sz="1400" b="1" strike="noStrike" spc="-1">
+                <a:solidFill>
+                  <a:srgbClr val="000000"/>
+                </a:solidFill>
+                <a:latin typeface="Arial"/>
+                <a:ea typeface="Arial"/>
+              </a:rPr>
+              <a:t>編集</a:t>
+            </a:r>
+            <a:endParaRPr lang="en-US" sz="1400" b="0" strike="noStrike" spc="-1">
+              <a:solidFill>
+                <a:srgbClr val="000000"/>
+              </a:solidFill>
+              <a:latin typeface="Arial"/>
+            </a:endParaRPr>
+          </a:p>
+        </p:txBody>
+      </p:sp>
+      <p:sp>
+        <p:nvSpPr>
+          <p:cNvPr id="223" name="テキスト ボックス 1"/>
           <p:cNvSpPr/>
           <p:nvPr/>
         </p:nvSpPr>
         <p:spPr>
           <a:xfrm>
-            <a:off x="805320" y="1530360"/>
-            <a:ext cx="6293520" cy="521766"/>
+            <a:off x="805319" y="1530360"/>
+            <a:ext cx="9347209" cy="521766"/>
           </a:xfrm>
           <a:prstGeom prst="rect">
             <a:avLst/>
@@ -15075,7 +15235,7 @@
           <a:fontRef idx="minor"/>
         </p:style>
         <p:txBody>
-          <a:bodyPr lIns="90000" tIns="45000" rIns="90000" bIns="45000" anchor="t">
+          <a:bodyPr wrap="square" lIns="90000" tIns="45000" rIns="90000" bIns="45000" anchor="t">
             <a:spAutoFit/>
           </a:bodyPr>
           <a:lstStyle/>
@@ -15086,16 +15246,6 @@
               </a:lnSpc>
             </a:pPr>
             <a:r>
-              <a:rPr lang="ja-JP" sz="2800" b="1" strike="noStrike" spc="-1" dirty="0">
-                <a:solidFill>
-                  <a:srgbClr val="000000"/>
-                </a:solidFill>
-                <a:latin typeface="Arial"/>
-                <a:ea typeface="Arial"/>
-              </a:rPr>
-              <a:t>レオパレス</a:t>
-            </a:r>
-            <a:r>
               <a:rPr lang="ja-JP" altLang="en-US" sz="2800" b="1" spc="-1" dirty="0">
                 <a:solidFill>
                   <a:srgbClr val="000000"/>
@@ -15103,17 +15253,7 @@
                 <a:latin typeface="Arial"/>
                 <a:ea typeface="Arial"/>
               </a:rPr>
-              <a:t>荻窪</a:t>
-            </a:r>
-            <a:r>
-              <a:rPr lang="ja-JP" sz="2800" b="1" strike="noStrike" spc="-1" dirty="0">
-                <a:solidFill>
-                  <a:srgbClr val="000000"/>
-                </a:solidFill>
-                <a:latin typeface="Arial"/>
-                <a:ea typeface="Arial"/>
-              </a:rPr>
-              <a:t> 部屋一覧</a:t>
+              <a:t>レオパレス荻窪</a:t>
             </a:r>
             <a:endParaRPr lang="en-US" sz="2800" b="0" strike="noStrike" spc="-1" dirty="0">
               <a:solidFill>
@@ -15126,14 +15266,14 @@
       </p:sp>
       <p:sp>
         <p:nvSpPr>
-          <p:cNvPr id="237" name="テキスト ボックス 10"/>
+          <p:cNvPr id="224" name="テキスト ボックス 10"/>
           <p:cNvSpPr/>
           <p:nvPr/>
         </p:nvSpPr>
         <p:spPr>
           <a:xfrm>
             <a:off x="718920" y="2965680"/>
-            <a:ext cx="10442160" cy="333000"/>
+            <a:ext cx="10442160" cy="337100"/>
           </a:xfrm>
           <a:prstGeom prst="rect">
             <a:avLst/>
@@ -15167,36 +15307,56 @@
               </a:lnSpc>
             </a:pPr>
             <a:r>
-              <a:rPr lang="ja-JP" sz="1600" b="1" strike="noStrike" spc="-1">
-                <a:solidFill>
-                  <a:srgbClr val="000000"/>
-                </a:solidFill>
-                <a:latin typeface="Arial"/>
-                <a:ea typeface="Arial"/>
-              </a:rPr>
-              <a:t>部屋番号　</a:t>
-            </a:r>
-            <a:r>
-              <a:rPr lang="en-US" sz="1600" b="1" strike="noStrike" spc="-1">
-                <a:solidFill>
-                  <a:srgbClr val="000000"/>
-                </a:solidFill>
-                <a:latin typeface="Arial"/>
-                <a:ea typeface="Arial"/>
-              </a:rPr>
-              <a:t>ID</a:t>
-            </a:r>
-            <a:r>
-              <a:rPr lang="ja-JP" sz="1600" b="1" strike="noStrike" spc="-1">
-                <a:solidFill>
-                  <a:srgbClr val="000000"/>
-                </a:solidFill>
-                <a:latin typeface="Arial"/>
-                <a:ea typeface="Arial"/>
-              </a:rPr>
-              <a:t>　家賃　　敷金　　礼金　　　　・・・　　　　　　　　　　　　</a:t>
-            </a:r>
-            <a:endParaRPr lang="en-US" sz="1600" b="0" strike="noStrike" spc="-1">
+              <a:rPr lang="ja-JP" sz="1600" b="1" strike="noStrike" spc="-1" dirty="0">
+                <a:solidFill>
+                  <a:srgbClr val="000000"/>
+                </a:solidFill>
+                <a:latin typeface="Arial"/>
+                <a:ea typeface="Arial"/>
+              </a:rPr>
+              <a:t>建設日　　　　　住所　　　　　　　　　　　　</a:t>
+            </a:r>
+            <a:r>
+              <a:rPr lang="ja-JP" altLang="en-US" sz="1600" b="1" strike="noStrike" spc="-1" dirty="0">
+                <a:solidFill>
+                  <a:srgbClr val="000000"/>
+                </a:solidFill>
+                <a:latin typeface="Arial"/>
+                <a:ea typeface="Arial"/>
+              </a:rPr>
+              <a:t>オーナー</a:t>
+            </a:r>
+            <a:r>
+              <a:rPr lang="ja-JP" sz="1600" b="1" strike="noStrike" spc="-1" dirty="0">
+                <a:solidFill>
+                  <a:srgbClr val="000000"/>
+                </a:solidFill>
+                <a:latin typeface="Arial"/>
+                <a:ea typeface="Arial"/>
+              </a:rPr>
+              <a:t>　</a:t>
+            </a:r>
+            <a:r>
+              <a:rPr lang="ja-JP" altLang="en-US" sz="1600" b="1" strike="noStrike" spc="-1" dirty="0">
+                <a:solidFill>
+                  <a:srgbClr val="000000"/>
+                </a:solidFill>
+                <a:latin typeface="Arial"/>
+                <a:ea typeface="Arial"/>
+              </a:rPr>
+              <a:t>　　　　 　</a:t>
+            </a:r>
+            <a:r>
+              <a:rPr lang="ja-JP" sz="1600" b="1" strike="noStrike" spc="-1" dirty="0">
+                <a:solidFill>
+                  <a:srgbClr val="000000"/>
+                </a:solidFill>
+                <a:latin typeface="Arial"/>
+                <a:ea typeface="Arial"/>
+              </a:rPr>
+              <a:t>・・・　　　　　　　　　　　　</a:t>
+            </a:r>
+            <a:endParaRPr lang="en-US" sz="1600" b="0" strike="noStrike" spc="-1" dirty="0">
               <a:solidFill>
                 <a:srgbClr val="000000"/>
               </a:solidFill>
@@ -15207,7 +15367,7 @@
       </p:sp>
       <p:cxnSp>
         <p:nvCxnSpPr>
-          <p:cNvPr id="238" name="直線コネクタ 12"/>
+          <p:cNvPr id="225" name="直線コネクタ 12"/>
           <p:cNvCxnSpPr/>
           <p:nvPr/>
         </p:nvCxnSpPr>
@@ -15226,37 +15386,16 @@
           </a:ln>
         </p:spPr>
       </p:cxnSp>
-      <p:cxnSp>
-        <p:nvCxnSpPr>
-          <p:cNvPr id="239" name="直線コネクタ 20"/>
-          <p:cNvCxnSpPr/>
-          <p:nvPr/>
-        </p:nvCxnSpPr>
-        <p:spPr>
-          <a:xfrm>
-            <a:off x="718560" y="4017960"/>
-            <a:ext cx="10721160" cy="2160"/>
-          </a:xfrm>
-          <a:prstGeom prst="straightConnector1">
-            <a:avLst/>
-          </a:prstGeom>
-          <a:ln w="0">
-            <a:solidFill>
-              <a:srgbClr val="000000"/>
-            </a:solidFill>
-          </a:ln>
-        </p:spPr>
-      </p:cxnSp>
-      <p:sp>
-        <p:nvSpPr>
-          <p:cNvPr id="240" name="テキスト ボックス 22"/>
+      <p:sp>
+        <p:nvSpPr>
+          <p:cNvPr id="227" name="テキスト ボックス 22"/>
           <p:cNvSpPr/>
           <p:nvPr/>
         </p:nvSpPr>
         <p:spPr>
           <a:xfrm>
-            <a:off x="718920" y="3537000"/>
-            <a:ext cx="6359040" cy="333000"/>
+            <a:off x="718919" y="3537000"/>
+            <a:ext cx="8008221" cy="337100"/>
           </a:xfrm>
           <a:prstGeom prst="rect">
             <a:avLst/>
@@ -15279,7 +15418,7 @@
           <a:fontRef idx="minor"/>
         </p:style>
         <p:txBody>
-          <a:bodyPr lIns="90000" tIns="45000" rIns="90000" bIns="45000" anchor="t">
+          <a:bodyPr wrap="square" lIns="90000" tIns="45000" rIns="90000" bIns="45000" anchor="t">
             <a:spAutoFit/>
           </a:bodyPr>
           <a:lstStyle/>
@@ -15290,27 +15429,67 @@
               </a:lnSpc>
             </a:pPr>
             <a:r>
-              <a:rPr lang="en-US" sz="1600" b="1" strike="noStrike" spc="-1">
-                <a:solidFill>
-                  <a:srgbClr val="000000"/>
-                </a:solidFill>
-                <a:latin typeface="Arial"/>
-                <a:ea typeface="Arial"/>
-              </a:rPr>
-              <a:t>101         </a:t>
-            </a:r>
-            <a:r>
-              <a:rPr lang="ja-JP" sz="1600" b="1" strike="noStrike" spc="-1">
-                <a:solidFill>
-                  <a:srgbClr val="000000"/>
-                </a:solidFill>
-                <a:latin typeface="Arial"/>
-                <a:ea typeface="Arial"/>
-              </a:rPr>
-              <a:t>　</a:t>
-            </a:r>
-            <a:r>
-              <a:rPr lang="en-US" sz="1600" b="1" strike="noStrike" spc="-1">
+              <a:rPr lang="en-US" sz="1600" b="1" strike="noStrike" spc="-1" dirty="0">
+                <a:solidFill>
+                  <a:srgbClr val="000000"/>
+                </a:solidFill>
+                <a:latin typeface="Arial"/>
+                <a:ea typeface="Arial"/>
+              </a:rPr>
+              <a:t>2001</a:t>
+            </a:r>
+            <a:r>
+              <a:rPr lang="ja-JP" sz="1600" b="1" strike="noStrike" spc="-1" dirty="0">
+                <a:solidFill>
+                  <a:srgbClr val="000000"/>
+                </a:solidFill>
+                <a:latin typeface="Arial"/>
+                <a:ea typeface="Arial"/>
+              </a:rPr>
+              <a:t>年</a:t>
+            </a:r>
+            <a:r>
+              <a:rPr lang="en-US" sz="1600" b="1" strike="noStrike" spc="-1" dirty="0">
+                <a:solidFill>
+                  <a:srgbClr val="000000"/>
+                </a:solidFill>
+                <a:latin typeface="Arial"/>
+                <a:ea typeface="Arial"/>
+              </a:rPr>
+              <a:t>9</a:t>
+            </a:r>
+            <a:r>
+              <a:rPr lang="ja-JP" sz="1600" b="1" strike="noStrike" spc="-1" dirty="0">
+                <a:solidFill>
+                  <a:srgbClr val="000000"/>
+                </a:solidFill>
+                <a:latin typeface="Arial"/>
+                <a:ea typeface="Arial"/>
+              </a:rPr>
+              <a:t>月</a:t>
+            </a:r>
+            <a:r>
+              <a:rPr lang="en-US" sz="1600" b="1" strike="noStrike" spc="-1" dirty="0">
+                <a:solidFill>
+                  <a:srgbClr val="000000"/>
+                </a:solidFill>
+                <a:latin typeface="Arial"/>
+                <a:ea typeface="Arial"/>
+              </a:rPr>
+              <a:t>19</a:t>
+            </a:r>
+            <a:r>
+              <a:rPr lang="ja-JP" sz="1600" b="1" strike="noStrike" spc="-1" dirty="0">
+                <a:solidFill>
+                  <a:srgbClr val="000000"/>
+                </a:solidFill>
+                <a:latin typeface="Arial"/>
+                <a:ea typeface="Arial"/>
+              </a:rPr>
+              <a:t>日  　東京都杉並区中野</a:t>
+            </a:r>
+            <a:r>
+              <a:rPr lang="en-US" sz="1600" b="1" strike="noStrike" spc="-1" dirty="0">
                 <a:solidFill>
                   <a:srgbClr val="000000"/>
                 </a:solidFill>
@@ -15320,186 +15499,74 @@
               <a:t>1</a:t>
             </a:r>
             <a:r>
-              <a:rPr lang="ja-JP" sz="1600" b="1" strike="noStrike" spc="-1">
-                <a:solidFill>
-                  <a:srgbClr val="000000"/>
-                </a:solidFill>
-                <a:latin typeface="Arial"/>
-                <a:ea typeface="Arial"/>
-              </a:rPr>
-              <a:t>　 </a:t>
-            </a:r>
-            <a:r>
-              <a:rPr lang="en-US" sz="1600" b="1" strike="noStrike" spc="-1">
-                <a:solidFill>
-                  <a:srgbClr val="000000"/>
-                </a:solidFill>
-                <a:latin typeface="Arial"/>
-                <a:ea typeface="Arial"/>
-              </a:rPr>
-              <a:t>50,000    50,000    0</a:t>
-            </a:r>
-            <a:r>
-              <a:rPr lang="ja-JP" sz="1600" b="1" strike="noStrike" spc="-1">
-                <a:solidFill>
-                  <a:srgbClr val="000000"/>
-                </a:solidFill>
-                <a:latin typeface="Arial"/>
-                <a:ea typeface="Arial"/>
-              </a:rPr>
-              <a:t>　　　       ・・・</a:t>
-            </a:r>
-            <a:endParaRPr lang="en-US" sz="1600" b="0" strike="noStrike" spc="-1">
-              <a:solidFill>
-                <a:srgbClr val="000000"/>
-              </a:solidFill>
-              <a:latin typeface="Arial"/>
-            </a:endParaRPr>
-          </a:p>
-        </p:txBody>
-      </p:sp>
-      <p:cxnSp>
-        <p:nvCxnSpPr>
-          <p:cNvPr id="241" name="直線コネクタ 24"/>
-          <p:cNvCxnSpPr/>
-          <p:nvPr/>
-        </p:nvCxnSpPr>
-        <p:spPr>
-          <a:xfrm>
-            <a:off x="718560" y="4598280"/>
-            <a:ext cx="10721160" cy="2160"/>
-          </a:xfrm>
-          <a:prstGeom prst="straightConnector1">
-            <a:avLst/>
-          </a:prstGeom>
-          <a:ln w="0">
-            <a:solidFill>
-              <a:srgbClr val="000000"/>
-            </a:solidFill>
-          </a:ln>
-        </p:spPr>
-      </p:cxnSp>
-      <p:sp>
-        <p:nvSpPr>
-          <p:cNvPr id="242" name="テキスト ボックス 4"/>
+              <a:rPr lang="ja-JP" sz="1600" b="1" strike="noStrike" spc="-1" dirty="0">
+                <a:solidFill>
+                  <a:srgbClr val="000000"/>
+                </a:solidFill>
+                <a:latin typeface="Arial"/>
+                <a:ea typeface="Arial"/>
+              </a:rPr>
+              <a:t>番地</a:t>
+            </a:r>
+            <a:r>
+              <a:rPr lang="en-US" sz="1600" b="1" strike="noStrike" spc="-1" dirty="0">
+                <a:solidFill>
+                  <a:srgbClr val="000000"/>
+                </a:solidFill>
+                <a:latin typeface="Arial"/>
+                <a:ea typeface="Arial"/>
+              </a:rPr>
+              <a:t>1</a:t>
+            </a:r>
+            <a:r>
+              <a:rPr lang="ja-JP" sz="1600" b="1" strike="noStrike" spc="-1" dirty="0">
+                <a:solidFill>
+                  <a:srgbClr val="000000"/>
+                </a:solidFill>
+                <a:latin typeface="Arial"/>
+                <a:ea typeface="Arial"/>
+              </a:rPr>
+              <a:t>号　　　</a:t>
+            </a:r>
+            <a:r>
+              <a:rPr lang="ja-JP" altLang="en-US" sz="1600" b="1" strike="noStrike" spc="-1" dirty="0">
+                <a:solidFill>
+                  <a:srgbClr val="000000"/>
+                </a:solidFill>
+                <a:latin typeface="Arial"/>
+                <a:ea typeface="Arial"/>
+              </a:rPr>
+              <a:t>　　　　　　　　　</a:t>
+            </a:r>
+            <a:r>
+              <a:rPr lang="ja-JP" sz="1600" b="1" strike="noStrike" spc="-1" dirty="0">
+                <a:solidFill>
+                  <a:srgbClr val="000000"/>
+                </a:solidFill>
+                <a:latin typeface="Arial"/>
+                <a:ea typeface="Arial"/>
+              </a:rPr>
+              <a:t>・・・</a:t>
+            </a:r>
+            <a:endParaRPr lang="en-US" sz="1600" b="0" strike="noStrike" spc="-1" dirty="0">
+              <a:solidFill>
+                <a:srgbClr val="000000"/>
+              </a:solidFill>
+              <a:latin typeface="Arial"/>
+            </a:endParaRPr>
+          </a:p>
+        </p:txBody>
+      </p:sp>
+      <p:sp>
+        <p:nvSpPr>
+          <p:cNvPr id="232" name="正方形/長方形 8"/>
           <p:cNvSpPr/>
           <p:nvPr/>
         </p:nvSpPr>
         <p:spPr>
           <a:xfrm>
-            <a:off x="718920" y="4126320"/>
-            <a:ext cx="6359040" cy="333000"/>
-          </a:xfrm>
-          <a:prstGeom prst="rect">
-            <a:avLst/>
-          </a:prstGeom>
-          <a:noFill/>
-          <a:ln w="0">
-            <a:noFill/>
-          </a:ln>
-        </p:spPr>
-        <p:style>
-          <a:lnRef idx="0">
-            <a:scrgbClr r="0" g="0" b="0"/>
-          </a:lnRef>
-          <a:fillRef idx="0">
-            <a:scrgbClr r="0" g="0" b="0"/>
-          </a:fillRef>
-          <a:effectRef idx="0">
-            <a:scrgbClr r="0" g="0" b="0"/>
-          </a:effectRef>
-          <a:fontRef idx="minor"/>
-        </p:style>
-        <p:txBody>
-          <a:bodyPr lIns="90000" tIns="45000" rIns="90000" bIns="45000" anchor="t">
-            <a:spAutoFit/>
-          </a:bodyPr>
-          <a:lstStyle/>
-          <a:p>
-            <a:pPr>
-              <a:lnSpc>
-                <a:spcPct val="100000"/>
-              </a:lnSpc>
-            </a:pPr>
-            <a:r>
-              <a:rPr lang="en-US" sz="1600" b="1" strike="noStrike" spc="-1">
-                <a:solidFill>
-                  <a:srgbClr val="000000"/>
-                </a:solidFill>
-                <a:latin typeface="Arial"/>
-                <a:ea typeface="Arial"/>
-              </a:rPr>
-              <a:t>102         </a:t>
-            </a:r>
-            <a:r>
-              <a:rPr lang="ja-JP" sz="1600" b="1" strike="noStrike" spc="-1">
-                <a:solidFill>
-                  <a:srgbClr val="000000"/>
-                </a:solidFill>
-                <a:latin typeface="Arial"/>
-                <a:ea typeface="Arial"/>
-              </a:rPr>
-              <a:t>　</a:t>
-            </a:r>
-            <a:r>
-              <a:rPr lang="en-US" sz="1600" b="1" strike="noStrike" spc="-1">
-                <a:solidFill>
-                  <a:srgbClr val="000000"/>
-                </a:solidFill>
-                <a:latin typeface="Arial"/>
-                <a:ea typeface="Arial"/>
-              </a:rPr>
-              <a:t>2</a:t>
-            </a:r>
-            <a:r>
-              <a:rPr lang="ja-JP" sz="1600" b="1" strike="noStrike" spc="-1">
-                <a:solidFill>
-                  <a:srgbClr val="000000"/>
-                </a:solidFill>
-                <a:latin typeface="Arial"/>
-                <a:ea typeface="Arial"/>
-              </a:rPr>
-              <a:t>　 </a:t>
-            </a:r>
-            <a:r>
-              <a:rPr lang="en-US" sz="1600" b="1" strike="noStrike" spc="-1">
-                <a:solidFill>
-                  <a:srgbClr val="000000"/>
-                </a:solidFill>
-                <a:latin typeface="Arial"/>
-                <a:ea typeface="Arial"/>
-              </a:rPr>
-              <a:t>50,000    50,000    0</a:t>
-            </a:r>
-            <a:r>
-              <a:rPr lang="ja-JP" sz="1600" b="1" strike="noStrike" spc="-1">
-                <a:solidFill>
-                  <a:srgbClr val="000000"/>
-                </a:solidFill>
-                <a:latin typeface="Arial"/>
-                <a:ea typeface="Arial"/>
-              </a:rPr>
-              <a:t>　　       　・・・</a:t>
-            </a:r>
-            <a:endParaRPr lang="en-US" sz="1600" b="0" strike="noStrike" spc="-1">
-              <a:solidFill>
-                <a:srgbClr val="000000"/>
-              </a:solidFill>
-              <a:latin typeface="Arial"/>
-            </a:endParaRPr>
-          </a:p>
-        </p:txBody>
-      </p:sp>
-      <p:sp>
-        <p:nvSpPr>
-          <p:cNvPr id="243" name="正方形/長方形 7"/>
-          <p:cNvSpPr/>
-          <p:nvPr/>
-        </p:nvSpPr>
-        <p:spPr>
-          <a:xfrm>
-            <a:off x="10576440" y="4147920"/>
-            <a:ext cx="943920" cy="280440"/>
+            <a:off x="2183007" y="2311325"/>
+            <a:ext cx="1077269" cy="337101"/>
           </a:xfrm>
           <a:prstGeom prst="rect">
             <a:avLst/>
@@ -15540,34 +15607,93 @@
               </a:lnSpc>
             </a:pPr>
             <a:r>
-              <a:rPr lang="ja-JP" sz="1400" b="1" strike="noStrike" spc="-1">
-                <a:solidFill>
-                  <a:srgbClr val="000000"/>
-                </a:solidFill>
-                <a:latin typeface="Arial"/>
-                <a:ea typeface="Arial"/>
-              </a:rPr>
-              <a:t>部屋編集</a:t>
-            </a:r>
-            <a:endParaRPr lang="en-US" sz="1400" b="0" strike="noStrike" spc="-1">
-              <a:solidFill>
-                <a:srgbClr val="000000"/>
-              </a:solidFill>
-              <a:latin typeface="Arial"/>
-            </a:endParaRPr>
-          </a:p>
-        </p:txBody>
-      </p:sp>
-      <p:sp>
-        <p:nvSpPr>
-          <p:cNvPr id="244" name="正方形/長方形 8"/>
+              <a:rPr lang="ja-JP" sz="1400" b="1" strike="noStrike" spc="-1" dirty="0">
+                <a:solidFill>
+                  <a:srgbClr val="000000"/>
+                </a:solidFill>
+                <a:latin typeface="Arial"/>
+                <a:ea typeface="Arial"/>
+              </a:rPr>
+              <a:t>部屋一覧</a:t>
+            </a:r>
+            <a:endParaRPr lang="en-US" sz="1400" b="0" strike="noStrike" spc="-1" dirty="0">
+              <a:solidFill>
+                <a:srgbClr val="000000"/>
+              </a:solidFill>
+              <a:latin typeface="Arial"/>
+            </a:endParaRPr>
+          </a:p>
+        </p:txBody>
+      </p:sp>
+      <p:sp>
+        <p:nvSpPr>
+          <p:cNvPr id="16" name="PlaceHolder 1">
+            <a:extLst>
+              <a:ext uri="{FF2B5EF4-FFF2-40B4-BE49-F238E27FC236}">
+                <a16:creationId xmlns:a16="http://schemas.microsoft.com/office/drawing/2014/main" id="{3F3397C0-C603-43AB-ADCE-91CFE7953C45}"/>
+              </a:ext>
+            </a:extLst>
+          </p:cNvPr>
+          <p:cNvSpPr txBox="1">
+            <a:spLocks/>
+          </p:cNvSpPr>
+          <p:nvPr/>
+        </p:nvSpPr>
+        <p:spPr>
+          <a:xfrm>
+            <a:off x="892963" y="664774"/>
+            <a:ext cx="3361877" cy="547491"/>
+          </a:xfrm>
+          <a:prstGeom prst="rect">
+            <a:avLst/>
+          </a:prstGeom>
+        </p:spPr>
+        <p:txBody>
+          <a:bodyPr/>
+          <a:lstStyle>
+            <a:lvl1pPr algn="l" defTabSz="914400" rtl="0" eaLnBrk="1" latinLnBrk="0" hangingPunct="1">
+              <a:lnSpc>
+                <a:spcPct val="90000"/>
+              </a:lnSpc>
+              <a:spcBef>
+                <a:spcPct val="0"/>
+              </a:spcBef>
+              <a:buNone/>
+              <a:defRPr kumimoji="1" sz="4400" kern="1200">
+                <a:solidFill>
+                  <a:schemeClr val="tx1"/>
+                </a:solidFill>
+                <a:latin typeface="+mj-lt"/>
+                <a:ea typeface="+mj-ea"/>
+                <a:cs typeface="+mj-cs"/>
+              </a:defRPr>
+            </a:lvl1pPr>
+          </a:lstStyle>
+          <a:p>
+            <a:r>
+              <a:rPr lang="ja-JP" altLang="en-US" sz="2800" dirty="0"/>
+              <a:t>物件詳細画面</a:t>
+            </a:r>
+            <a:endParaRPr lang="en-US" sz="2800" dirty="0"/>
+          </a:p>
+        </p:txBody>
+      </p:sp>
+      <p:sp>
+        <p:nvSpPr>
+          <p:cNvPr id="10" name="正方形/長方形 14">
+            <a:extLst>
+              <a:ext uri="{FF2B5EF4-FFF2-40B4-BE49-F238E27FC236}">
+                <a16:creationId xmlns:a16="http://schemas.microsoft.com/office/drawing/2014/main" id="{858480D6-60DF-403B-B8DB-968827837D7E}"/>
+              </a:ext>
+            </a:extLst>
+          </p:cNvPr>
           <p:cNvSpPr/>
           <p:nvPr/>
         </p:nvSpPr>
         <p:spPr>
           <a:xfrm>
-            <a:off x="10576440" y="3619800"/>
-            <a:ext cx="943920" cy="280440"/>
+            <a:off x="5278663" y="3537000"/>
+            <a:ext cx="1102336" cy="375618"/>
           </a:xfrm>
           <a:prstGeom prst="rect">
             <a:avLst/>
@@ -15575,7 +15701,7 @@
           <a:solidFill>
             <a:srgbClr val="A9D4DB"/>
           </a:solidFill>
-          <a:ln>
+          <a:ln cap="rnd">
             <a:solidFill>
               <a:srgbClr val="4A5C5F"/>
             </a:solidFill>
@@ -15608,203 +15734,20 @@
               </a:lnSpc>
             </a:pPr>
             <a:r>
-              <a:rPr lang="ja-JP" sz="1400" b="1" strike="noStrike" spc="-1">
-                <a:solidFill>
-                  <a:srgbClr val="000000"/>
-                </a:solidFill>
-                <a:latin typeface="Arial"/>
-                <a:ea typeface="Arial"/>
-              </a:rPr>
-              <a:t>部屋編集</a:t>
-            </a:r>
-            <a:endParaRPr lang="en-US" sz="1400" b="0" strike="noStrike" spc="-1">
-              <a:solidFill>
-                <a:srgbClr val="000000"/>
-              </a:solidFill>
-              <a:latin typeface="Arial"/>
-            </a:endParaRPr>
-          </a:p>
-        </p:txBody>
-      </p:sp>
-      <p:sp>
-        <p:nvSpPr>
-          <p:cNvPr id="245" name="正方形/長方形 6"/>
-          <p:cNvSpPr/>
-          <p:nvPr/>
-        </p:nvSpPr>
-        <p:spPr>
-          <a:xfrm>
-            <a:off x="883800" y="2179080"/>
-            <a:ext cx="1816560" cy="520920"/>
-          </a:xfrm>
-          <a:prstGeom prst="rect">
-            <a:avLst/>
-          </a:prstGeom>
-          <a:solidFill>
-            <a:srgbClr val="A9D4DB"/>
-          </a:solidFill>
-          <a:ln cap="rnd">
-            <a:solidFill>
-              <a:srgbClr val="4A5C5F"/>
-            </a:solidFill>
-            <a:round/>
-          </a:ln>
-        </p:spPr>
-        <p:style>
-          <a:lnRef idx="2">
-            <a:schemeClr val="accent1">
-              <a:shade val="15000"/>
-            </a:schemeClr>
-          </a:lnRef>
-          <a:fillRef idx="1">
-            <a:schemeClr val="accent1"/>
-          </a:fillRef>
-          <a:effectRef idx="0">
-            <a:schemeClr val="accent1"/>
-          </a:effectRef>
-          <a:fontRef idx="minor"/>
-        </p:style>
-        <p:txBody>
-          <a:bodyPr lIns="90000" tIns="45000" rIns="90000" bIns="45000" anchor="ctr">
-            <a:noAutofit/>
-          </a:bodyPr>
-          <a:lstStyle/>
-          <a:p>
-            <a:pPr algn="ctr">
-              <a:lnSpc>
-                <a:spcPct val="100000"/>
-              </a:lnSpc>
-            </a:pPr>
-            <a:r>
-              <a:rPr lang="ja-JP" sz="2000" b="1" strike="noStrike" spc="-1">
-                <a:solidFill>
-                  <a:srgbClr val="000000"/>
-                </a:solidFill>
-                <a:latin typeface="Arial"/>
-                <a:ea typeface="Arial"/>
-              </a:rPr>
-              <a:t>部屋新規登録</a:t>
-            </a:r>
-            <a:endParaRPr lang="en-US" sz="2000" b="0" strike="noStrike" spc="-1">
-              <a:solidFill>
-                <a:srgbClr val="000000"/>
-              </a:solidFill>
-              <a:latin typeface="Arial"/>
-            </a:endParaRPr>
-          </a:p>
-        </p:txBody>
-      </p:sp>
-      <p:sp>
-        <p:nvSpPr>
-          <p:cNvPr id="246" name="テキスト ボックス 9"/>
-          <p:cNvSpPr/>
-          <p:nvPr/>
-        </p:nvSpPr>
-        <p:spPr>
-          <a:xfrm>
-            <a:off x="6017400" y="4995000"/>
-            <a:ext cx="736560" cy="596880"/>
-          </a:xfrm>
-          <a:prstGeom prst="rect">
-            <a:avLst/>
-          </a:prstGeom>
-          <a:noFill/>
-          <a:ln w="0">
-            <a:noFill/>
-          </a:ln>
-        </p:spPr>
-        <p:style>
-          <a:lnRef idx="0">
-            <a:scrgbClr r="0" g="0" b="0"/>
-          </a:lnRef>
-          <a:fillRef idx="0">
-            <a:scrgbClr r="0" g="0" b="0"/>
-          </a:fillRef>
-          <a:effectRef idx="0">
-            <a:scrgbClr r="0" g="0" b="0"/>
-          </a:effectRef>
-          <a:fontRef idx="minor"/>
-        </p:style>
-        <p:txBody>
-          <a:bodyPr vert="vert" lIns="45000" tIns="90000" rIns="45000" bIns="90000" anchor="t">
-            <a:noAutofit/>
-          </a:bodyPr>
-          <a:lstStyle/>
-          <a:p>
-            <a:pPr>
-              <a:lnSpc>
-                <a:spcPct val="100000"/>
-              </a:lnSpc>
-            </a:pPr>
-            <a:r>
-              <a:rPr lang="en-US" sz="3600" b="1" strike="noStrike" spc="-1">
-                <a:solidFill>
-                  <a:srgbClr val="000000"/>
-                </a:solidFill>
-                <a:latin typeface="Arial"/>
-                <a:ea typeface="Arial"/>
-              </a:rPr>
-              <a:t>… </a:t>
-            </a:r>
-            <a:endParaRPr lang="en-US" sz="3600" b="0" strike="noStrike" spc="-1">
-              <a:solidFill>
-                <a:srgbClr val="000000"/>
-              </a:solidFill>
-              <a:latin typeface="Arial"/>
-            </a:endParaRPr>
-          </a:p>
-        </p:txBody>
-      </p:sp>
-      <p:sp>
-        <p:nvSpPr>
-          <p:cNvPr id="16" name="PlaceHolder 1">
-            <a:extLst>
-              <a:ext uri="{FF2B5EF4-FFF2-40B4-BE49-F238E27FC236}">
-                <a16:creationId xmlns:a16="http://schemas.microsoft.com/office/drawing/2014/main" id="{4D94A865-D726-4753-8DFD-692D2AF2E6B9}"/>
-              </a:ext>
-            </a:extLst>
-          </p:cNvPr>
-          <p:cNvSpPr txBox="1">
-            <a:spLocks/>
-          </p:cNvSpPr>
-          <p:nvPr/>
-        </p:nvSpPr>
-        <p:spPr>
-          <a:xfrm>
-            <a:off x="892963" y="664774"/>
-            <a:ext cx="3361877" cy="547491"/>
-          </a:xfrm>
-          <a:prstGeom prst="rect">
-            <a:avLst/>
-          </a:prstGeom>
-        </p:spPr>
-        <p:txBody>
-          <a:bodyPr/>
-          <a:lstStyle>
-            <a:lvl1pPr algn="l" defTabSz="914400" rtl="0" eaLnBrk="1" latinLnBrk="0" hangingPunct="1">
-              <a:lnSpc>
-                <a:spcPct val="90000"/>
-              </a:lnSpc>
-              <a:spcBef>
-                <a:spcPct val="0"/>
-              </a:spcBef>
-              <a:buNone/>
-              <a:defRPr kumimoji="1" sz="4400" kern="1200">
-                <a:solidFill>
-                  <a:schemeClr val="tx1"/>
-                </a:solidFill>
-                <a:latin typeface="+mj-lt"/>
-                <a:ea typeface="+mj-ea"/>
-                <a:cs typeface="+mj-cs"/>
-              </a:defRPr>
-            </a:lvl1pPr>
-          </a:lstStyle>
-          <a:p>
-            <a:r>
-              <a:rPr lang="ja-JP" altLang="en-US" sz="2800" dirty="0"/>
-              <a:t>部屋一覧画面</a:t>
-            </a:r>
-            <a:endParaRPr lang="en-US" sz="2800" dirty="0"/>
+              <a:rPr lang="ja-JP" altLang="en-US" sz="1600" b="1" strike="noStrike" spc="-1" dirty="0">
+                <a:solidFill>
+                  <a:srgbClr val="000000"/>
+                </a:solidFill>
+                <a:latin typeface="Arial"/>
+              </a:rPr>
+              <a:t>山田太郎</a:t>
+            </a:r>
+            <a:endParaRPr lang="en-US" sz="1600" b="1" strike="noStrike" spc="-1" dirty="0">
+              <a:solidFill>
+                <a:srgbClr val="000000"/>
+              </a:solidFill>
+              <a:latin typeface="Arial"/>
+            </a:endParaRPr>
           </a:p>
         </p:txBody>
       </p:sp>
@@ -15841,7 +15784,7 @@
         </p:nvSpPr>
         <p:spPr>
           <a:xfrm>
-            <a:off x="478560" y="1212265"/>
+            <a:off x="502920" y="1250640"/>
             <a:ext cx="11234880" cy="5493600"/>
           </a:xfrm>
           <a:prstGeom prst="rect">
@@ -16006,16 +15949,6 @@
               </a:lnSpc>
             </a:pPr>
             <a:r>
-              <a:rPr lang="ja-JP" altLang="en-US" sz="2800" b="1" strike="noStrike" spc="-1" dirty="0">
-                <a:solidFill>
-                  <a:srgbClr val="000000"/>
-                </a:solidFill>
-                <a:latin typeface="Arial"/>
-                <a:ea typeface="Arial"/>
-              </a:rPr>
-              <a:t>オーナー </a:t>
-            </a:r>
-            <a:r>
               <a:rPr lang="ja-JP" sz="2800" b="1" strike="noStrike" spc="-1" dirty="0">
                 <a:solidFill>
                   <a:srgbClr val="000000"/>
@@ -16023,7 +15956,27 @@
                 <a:latin typeface="Arial"/>
                 <a:ea typeface="Arial"/>
               </a:rPr>
-              <a:t>一覧</a:t>
+              <a:t>レオパレス</a:t>
+            </a:r>
+            <a:r>
+              <a:rPr lang="ja-JP" altLang="en-US" sz="2800" b="1" spc="-1" dirty="0">
+                <a:solidFill>
+                  <a:srgbClr val="000000"/>
+                </a:solidFill>
+                <a:latin typeface="Arial"/>
+                <a:ea typeface="Arial"/>
+              </a:rPr>
+              <a:t>荻窪</a:t>
+            </a:r>
+            <a:r>
+              <a:rPr lang="ja-JP" sz="2800" b="1" strike="noStrike" spc="-1" dirty="0">
+                <a:solidFill>
+                  <a:srgbClr val="000000"/>
+                </a:solidFill>
+                <a:latin typeface="Arial"/>
+                <a:ea typeface="Arial"/>
+              </a:rPr>
+              <a:t> 部屋一覧</a:t>
             </a:r>
             <a:endParaRPr lang="en-US" sz="2800" b="0" strike="noStrike" spc="-1" dirty="0">
               <a:solidFill>
@@ -16043,7 +15996,7 @@
         <p:spPr>
           <a:xfrm>
             <a:off x="718920" y="2965680"/>
-            <a:ext cx="10442160" cy="337100"/>
+            <a:ext cx="10442160" cy="333000"/>
           </a:xfrm>
           <a:prstGeom prst="rect">
             <a:avLst/>
@@ -16077,27 +16030,17 @@
               </a:lnSpc>
             </a:pPr>
             <a:r>
-              <a:rPr lang="ja-JP" altLang="en-US" sz="1600" b="1" strike="noStrike" spc="-1" dirty="0">
-                <a:solidFill>
-                  <a:srgbClr val="000000"/>
-                </a:solidFill>
-                <a:latin typeface="Arial"/>
-                <a:ea typeface="Arial"/>
-              </a:rPr>
-              <a:t>名前　　</a:t>
-            </a:r>
-            <a:r>
-              <a:rPr lang="ja-JP" sz="1600" b="1" strike="noStrike" spc="-1" dirty="0">
-                <a:solidFill>
-                  <a:srgbClr val="000000"/>
-                </a:solidFill>
-                <a:latin typeface="Arial"/>
-                <a:ea typeface="Arial"/>
-              </a:rPr>
-              <a:t>　</a:t>
-            </a:r>
-            <a:r>
-              <a:rPr lang="en-US" sz="1600" b="1" strike="noStrike" spc="-1" dirty="0">
+              <a:rPr lang="ja-JP" sz="1600" b="1" strike="noStrike" spc="-1">
+                <a:solidFill>
+                  <a:srgbClr val="000000"/>
+                </a:solidFill>
+                <a:latin typeface="Arial"/>
+                <a:ea typeface="Arial"/>
+              </a:rPr>
+              <a:t>部屋番号　</a:t>
+            </a:r>
+            <a:r>
+              <a:rPr lang="en-US" sz="1600" b="1" strike="noStrike" spc="-1">
                 <a:solidFill>
                   <a:srgbClr val="000000"/>
                 </a:solidFill>
@@ -16107,86 +16050,16 @@
               <a:t>ID</a:t>
             </a:r>
             <a:r>
-              <a:rPr lang="ja-JP" sz="1600" b="1" strike="noStrike" spc="-1" dirty="0">
-                <a:solidFill>
-                  <a:srgbClr val="000000"/>
-                </a:solidFill>
-                <a:latin typeface="Arial"/>
-                <a:ea typeface="Arial"/>
-              </a:rPr>
-              <a:t>　</a:t>
-            </a:r>
-            <a:r>
-              <a:rPr lang="ja-JP" altLang="en-US" sz="1600" b="1" strike="noStrike" spc="-1" dirty="0">
-                <a:solidFill>
-                  <a:srgbClr val="000000"/>
-                </a:solidFill>
-                <a:latin typeface="Arial"/>
-                <a:ea typeface="Arial"/>
-              </a:rPr>
-              <a:t>　生年月日</a:t>
-            </a:r>
-            <a:r>
-              <a:rPr lang="ja-JP" sz="1600" b="1" strike="noStrike" spc="-1" dirty="0">
-                <a:solidFill>
-                  <a:srgbClr val="000000"/>
-                </a:solidFill>
-                <a:latin typeface="Arial"/>
-                <a:ea typeface="Arial"/>
-              </a:rPr>
-              <a:t>　</a:t>
-            </a:r>
-            <a:r>
-              <a:rPr lang="ja-JP" altLang="en-US" sz="1600" b="1" strike="noStrike" spc="-1" dirty="0">
-                <a:solidFill>
-                  <a:srgbClr val="000000"/>
-                </a:solidFill>
-                <a:latin typeface="Arial"/>
-                <a:ea typeface="Arial"/>
-              </a:rPr>
-              <a:t>　　　　　</a:t>
-            </a:r>
-            <a:r>
-              <a:rPr lang="ja-JP" altLang="en-US" sz="1600" b="1" spc="-1" dirty="0">
-                <a:solidFill>
-                  <a:srgbClr val="000000"/>
-                </a:solidFill>
-                <a:latin typeface="Arial"/>
-                <a:ea typeface="Arial"/>
-              </a:rPr>
-              <a:t>登録日</a:t>
-            </a:r>
-            <a:r>
-              <a:rPr lang="ja-JP" sz="1600" b="1" strike="noStrike" spc="-1" dirty="0">
-                <a:solidFill>
-                  <a:srgbClr val="000000"/>
-                </a:solidFill>
-                <a:latin typeface="Arial"/>
-                <a:ea typeface="Arial"/>
-              </a:rPr>
-              <a:t>　　　　　</a:t>
-            </a:r>
-            <a:r>
-              <a:rPr lang="ja-JP" altLang="en-US" sz="1600" b="1" strike="noStrike" spc="-1" dirty="0">
-                <a:solidFill>
-                  <a:srgbClr val="000000"/>
-                </a:solidFill>
-                <a:latin typeface="Arial"/>
-                <a:ea typeface="Arial"/>
-              </a:rPr>
-              <a:t>　　</a:t>
-            </a:r>
-            <a:r>
-              <a:rPr lang="ja-JP" sz="1600" b="1" strike="noStrike" spc="-1" dirty="0">
-                <a:solidFill>
-                  <a:srgbClr val="000000"/>
-                </a:solidFill>
-                <a:latin typeface="Arial"/>
-                <a:ea typeface="Arial"/>
-              </a:rPr>
-              <a:t>　・・・　　　　　　　　　　　　</a:t>
-            </a:r>
-            <a:endParaRPr lang="en-US" sz="1600" b="0" strike="noStrike" spc="-1" dirty="0">
+              <a:rPr lang="ja-JP" sz="1600" b="1" strike="noStrike" spc="-1">
+                <a:solidFill>
+                  <a:srgbClr val="000000"/>
+                </a:solidFill>
+                <a:latin typeface="Arial"/>
+                <a:ea typeface="Arial"/>
+              </a:rPr>
+              <a:t>　家賃　　敷金　　礼金　　　　・・・　　　　　　　　　　　　</a:t>
+            </a:r>
+            <a:endParaRPr lang="en-US" sz="1600" b="0" strike="noStrike" spc="-1">
               <a:solidFill>
                 <a:srgbClr val="000000"/>
               </a:solidFill>
@@ -16245,8 +16118,8 @@
         </p:nvSpPr>
         <p:spPr>
           <a:xfrm>
-            <a:off x="718920" y="3545849"/>
-            <a:ext cx="7356444" cy="337100"/>
+            <a:off x="718920" y="3537000"/>
+            <a:ext cx="6359040" cy="333000"/>
           </a:xfrm>
           <a:prstGeom prst="rect">
             <a:avLst/>
@@ -16269,7 +16142,7 @@
           <a:fontRef idx="minor"/>
         </p:style>
         <p:txBody>
-          <a:bodyPr wrap="square" lIns="90000" tIns="45000" rIns="90000" bIns="45000" anchor="t">
+          <a:bodyPr lIns="90000" tIns="45000" rIns="90000" bIns="45000" anchor="t">
             <a:spAutoFit/>
           </a:bodyPr>
           <a:lstStyle/>
@@ -16280,27 +16153,37 @@
               </a:lnSpc>
             </a:pPr>
             <a:r>
-              <a:rPr lang="ja-JP" altLang="en-US" sz="1600" b="1" strike="noStrike" spc="-1" dirty="0">
-                <a:solidFill>
-                  <a:srgbClr val="000000"/>
-                </a:solidFill>
-                <a:latin typeface="Arial"/>
-                <a:ea typeface="Arial"/>
-              </a:rPr>
-              <a:t>山田太郎</a:t>
-            </a:r>
-            <a:r>
-              <a:rPr lang="en-US" sz="1600" b="1" strike="noStrike" spc="-1" dirty="0">
-                <a:solidFill>
-                  <a:srgbClr val="000000"/>
-                </a:solidFill>
-                <a:latin typeface="Arial"/>
-                <a:ea typeface="Arial"/>
-              </a:rPr>
-              <a:t>     1</a:t>
-            </a:r>
-            <a:r>
-              <a:rPr lang="ja-JP" sz="1600" b="1" strike="noStrike" spc="-1" dirty="0">
+              <a:rPr lang="en-US" sz="1600" b="1" strike="noStrike" spc="-1">
+                <a:solidFill>
+                  <a:srgbClr val="000000"/>
+                </a:solidFill>
+                <a:latin typeface="Arial"/>
+                <a:ea typeface="Arial"/>
+              </a:rPr>
+              <a:t>101         </a:t>
+            </a:r>
+            <a:r>
+              <a:rPr lang="ja-JP" sz="1600" b="1" strike="noStrike" spc="-1">
+                <a:solidFill>
+                  <a:srgbClr val="000000"/>
+                </a:solidFill>
+                <a:latin typeface="Arial"/>
+                <a:ea typeface="Arial"/>
+              </a:rPr>
+              <a:t>　</a:t>
+            </a:r>
+            <a:r>
+              <a:rPr lang="en-US" sz="1600" b="1" strike="noStrike" spc="-1">
+                <a:solidFill>
+                  <a:srgbClr val="000000"/>
+                </a:solidFill>
+                <a:latin typeface="Arial"/>
+                <a:ea typeface="Arial"/>
+              </a:rPr>
+              <a:t>1</a:t>
+            </a:r>
+            <a:r>
+              <a:rPr lang="ja-JP" sz="1600" b="1" strike="noStrike" spc="-1">
                 <a:solidFill>
                   <a:srgbClr val="000000"/>
                 </a:solidFill>
@@ -16310,196 +16193,26 @@
               <a:t>　 </a:t>
             </a:r>
             <a:r>
-              <a:rPr lang="en-US" altLang="ja-JP" sz="1600" b="1" strike="noStrike" spc="-1" dirty="0">
-                <a:solidFill>
-                  <a:srgbClr val="000000"/>
-                </a:solidFill>
-                <a:latin typeface="Arial"/>
-                <a:ea typeface="Arial"/>
-              </a:rPr>
-              <a:t>1987</a:t>
-            </a:r>
-            <a:r>
-              <a:rPr lang="ja-JP" altLang="en-US" sz="1600" b="1" strike="noStrike" spc="-1" dirty="0">
-                <a:solidFill>
-                  <a:srgbClr val="000000"/>
-                </a:solidFill>
-                <a:latin typeface="Arial"/>
-                <a:ea typeface="Arial"/>
-              </a:rPr>
-              <a:t>年</a:t>
-            </a:r>
-            <a:r>
-              <a:rPr lang="en-US" altLang="ja-JP" sz="1600" b="1" strike="noStrike" spc="-1" dirty="0">
-                <a:solidFill>
-                  <a:srgbClr val="000000"/>
-                </a:solidFill>
-                <a:latin typeface="Arial"/>
-                <a:ea typeface="Arial"/>
-              </a:rPr>
-              <a:t>9</a:t>
-            </a:r>
-            <a:r>
-              <a:rPr lang="ja-JP" altLang="en-US" sz="1600" b="1" strike="noStrike" spc="-1" dirty="0">
-                <a:solidFill>
-                  <a:srgbClr val="000000"/>
-                </a:solidFill>
-                <a:latin typeface="Arial"/>
-                <a:ea typeface="Arial"/>
-              </a:rPr>
-              <a:t>月</a:t>
-            </a:r>
-            <a:r>
-              <a:rPr lang="en-US" altLang="ja-JP" sz="1600" b="1" strike="noStrike" spc="-1" dirty="0">
-                <a:solidFill>
-                  <a:srgbClr val="000000"/>
-                </a:solidFill>
-                <a:latin typeface="Arial"/>
-                <a:ea typeface="Arial"/>
-              </a:rPr>
-              <a:t>17</a:t>
-            </a:r>
-            <a:r>
-              <a:rPr lang="ja-JP" altLang="en-US" sz="1600" b="1" strike="noStrike" spc="-1" dirty="0">
-                <a:solidFill>
-                  <a:srgbClr val="000000"/>
-                </a:solidFill>
-                <a:latin typeface="Arial"/>
-                <a:ea typeface="Arial"/>
-              </a:rPr>
-              <a:t>日</a:t>
-            </a:r>
-            <a:r>
-              <a:rPr lang="en-US" sz="1600" b="1" strike="noStrike" spc="-1" dirty="0">
-                <a:solidFill>
-                  <a:srgbClr val="000000"/>
-                </a:solidFill>
-                <a:latin typeface="Arial"/>
-                <a:ea typeface="Arial"/>
-              </a:rPr>
-              <a:t>    </a:t>
-            </a:r>
-            <a:r>
-              <a:rPr lang="ja-JP" altLang="en-US" sz="1600" b="1" strike="noStrike" spc="-1" dirty="0">
-                <a:solidFill>
-                  <a:srgbClr val="000000"/>
-                </a:solidFill>
-                <a:latin typeface="Arial"/>
-                <a:ea typeface="Arial"/>
-              </a:rPr>
-              <a:t>　</a:t>
-            </a:r>
-            <a:r>
-              <a:rPr lang="en-US" sz="1600" b="1" strike="noStrike" spc="-1" dirty="0">
-                <a:solidFill>
-                  <a:srgbClr val="000000"/>
-                </a:solidFill>
-                <a:latin typeface="Arial"/>
-                <a:ea typeface="Arial"/>
-              </a:rPr>
-              <a:t> </a:t>
-            </a:r>
-            <a:r>
-              <a:rPr lang="ja-JP" sz="1600" b="1" strike="noStrike" spc="-1" dirty="0">
-                <a:solidFill>
-                  <a:srgbClr val="000000"/>
-                </a:solidFill>
-                <a:latin typeface="Arial"/>
-                <a:ea typeface="Arial"/>
-              </a:rPr>
-              <a:t>　</a:t>
-            </a:r>
-            <a:r>
-              <a:rPr lang="en-US" altLang="ja-JP" sz="1600" b="1" strike="noStrike" spc="-1" dirty="0">
-                <a:solidFill>
-                  <a:srgbClr val="000000"/>
-                </a:solidFill>
-                <a:latin typeface="Arial"/>
-                <a:ea typeface="Arial"/>
-              </a:rPr>
-              <a:t>2017</a:t>
-            </a:r>
-            <a:r>
-              <a:rPr lang="ja-JP" altLang="en-US" sz="1600" b="1" strike="noStrike" spc="-1" dirty="0">
-                <a:solidFill>
-                  <a:srgbClr val="000000"/>
-                </a:solidFill>
-                <a:latin typeface="Arial"/>
-                <a:ea typeface="Arial"/>
-              </a:rPr>
-              <a:t>年</a:t>
-            </a:r>
-            <a:r>
-              <a:rPr lang="en-US" altLang="ja-JP" sz="1600" b="1" strike="noStrike" spc="-1" dirty="0">
-                <a:solidFill>
-                  <a:srgbClr val="000000"/>
-                </a:solidFill>
-                <a:latin typeface="Arial"/>
-                <a:ea typeface="Arial"/>
-              </a:rPr>
-              <a:t>5</a:t>
-            </a:r>
-            <a:r>
-              <a:rPr lang="ja-JP" altLang="en-US" sz="1600" b="1" strike="noStrike" spc="-1" dirty="0">
-                <a:solidFill>
-                  <a:srgbClr val="000000"/>
-                </a:solidFill>
-                <a:latin typeface="Arial"/>
-                <a:ea typeface="Arial"/>
-              </a:rPr>
-              <a:t>月</a:t>
-            </a:r>
-            <a:r>
-              <a:rPr lang="en-US" altLang="ja-JP" sz="1600" b="1" strike="noStrike" spc="-1" dirty="0">
-                <a:solidFill>
-                  <a:srgbClr val="000000"/>
-                </a:solidFill>
-                <a:latin typeface="Arial"/>
-                <a:ea typeface="Arial"/>
-              </a:rPr>
-              <a:t>18</a:t>
-            </a:r>
-            <a:r>
-              <a:rPr lang="ja-JP" altLang="en-US" sz="1600" b="1" strike="noStrike" spc="-1" dirty="0">
-                <a:solidFill>
-                  <a:srgbClr val="000000"/>
-                </a:solidFill>
-                <a:latin typeface="Arial"/>
-                <a:ea typeface="Arial"/>
-              </a:rPr>
-              <a:t>日</a:t>
-            </a:r>
-            <a:r>
-              <a:rPr lang="ja-JP" sz="1600" b="1" strike="noStrike" spc="-1" dirty="0">
-                <a:solidFill>
-                  <a:srgbClr val="000000"/>
-                </a:solidFill>
-                <a:latin typeface="Arial"/>
-                <a:ea typeface="Arial"/>
-              </a:rPr>
-              <a:t>　　     </a:t>
-            </a:r>
-            <a:r>
-              <a:rPr lang="ja-JP" altLang="en-US" sz="1600" b="1" strike="noStrike" spc="-1" dirty="0">
-                <a:solidFill>
-                  <a:srgbClr val="000000"/>
-                </a:solidFill>
-                <a:latin typeface="Arial"/>
-                <a:ea typeface="Arial"/>
-              </a:rPr>
-              <a:t>　</a:t>
-            </a:r>
-            <a:r>
-              <a:rPr lang="ja-JP" sz="1600" b="1" strike="noStrike" spc="-1" dirty="0">
-                <a:solidFill>
-                  <a:srgbClr val="000000"/>
-                </a:solidFill>
-                <a:latin typeface="Arial"/>
-                <a:ea typeface="Arial"/>
-              </a:rPr>
-              <a:t>  ・・・</a:t>
-            </a:r>
-            <a:endParaRPr lang="en-US" sz="1600" b="0" strike="noStrike" spc="-1" dirty="0">
+              <a:rPr lang="en-US" sz="1600" b="1" strike="noStrike" spc="-1">
+                <a:solidFill>
+                  <a:srgbClr val="000000"/>
+                </a:solidFill>
+                <a:latin typeface="Arial"/>
+                <a:ea typeface="Arial"/>
+              </a:rPr>
+              <a:t>50,000    50,000    0</a:t>
+            </a:r>
+            <a:r>
+              <a:rPr lang="ja-JP" sz="1600" b="1" strike="noStrike" spc="-1">
+                <a:solidFill>
+                  <a:srgbClr val="000000"/>
+                </a:solidFill>
+                <a:latin typeface="Arial"/>
+                <a:ea typeface="Arial"/>
+              </a:rPr>
+              <a:t>　　　       ・・・</a:t>
+            </a:r>
+            <a:endParaRPr lang="en-US" sz="1600" b="0" strike="noStrike" spc="-1">
               <a:solidFill>
                 <a:srgbClr val="000000"/>
               </a:solidFill>
@@ -16537,8 +16250,8 @@
         </p:nvSpPr>
         <p:spPr>
           <a:xfrm>
-            <a:off x="718919" y="4126320"/>
-            <a:ext cx="7092039" cy="337100"/>
+            <a:off x="718920" y="4126320"/>
+            <a:ext cx="6359040" cy="333000"/>
           </a:xfrm>
           <a:prstGeom prst="rect">
             <a:avLst/>
@@ -16561,7 +16274,7 @@
           <a:fontRef idx="minor"/>
         </p:style>
         <p:txBody>
-          <a:bodyPr wrap="square" lIns="90000" tIns="45000" rIns="90000" bIns="45000" anchor="t">
+          <a:bodyPr lIns="90000" tIns="45000" rIns="90000" bIns="45000" anchor="t">
             <a:spAutoFit/>
           </a:bodyPr>
           <a:lstStyle/>
@@ -16572,27 +16285,17 @@
               </a:lnSpc>
             </a:pPr>
             <a:r>
-              <a:rPr lang="ja-JP" altLang="en-US" sz="1600" b="1" strike="noStrike" spc="-1" dirty="0">
-                <a:solidFill>
-                  <a:srgbClr val="000000"/>
-                </a:solidFill>
-                <a:latin typeface="Arial"/>
-                <a:ea typeface="Arial"/>
-              </a:rPr>
-              <a:t>鈴木太郎</a:t>
-            </a:r>
-            <a:r>
-              <a:rPr lang="en-US" sz="1600" b="1" strike="noStrike" spc="-1" dirty="0">
-                <a:solidFill>
-                  <a:srgbClr val="000000"/>
-                </a:solidFill>
-                <a:latin typeface="Arial"/>
-                <a:ea typeface="Arial"/>
-              </a:rPr>
-              <a:t>  </a:t>
-            </a:r>
-            <a:r>
-              <a:rPr lang="ja-JP" sz="1600" b="1" strike="noStrike" spc="-1" dirty="0">
+              <a:rPr lang="en-US" sz="1600" b="1" strike="noStrike" spc="-1">
+                <a:solidFill>
+                  <a:srgbClr val="000000"/>
+                </a:solidFill>
+                <a:latin typeface="Arial"/>
+                <a:ea typeface="Arial"/>
+              </a:rPr>
+              <a:t>102         </a:t>
+            </a:r>
+            <a:r>
+              <a:rPr lang="ja-JP" sz="1600" b="1" strike="noStrike" spc="-1">
                 <a:solidFill>
                   <a:srgbClr val="000000"/>
                 </a:solidFill>
@@ -16602,7 +16305,7 @@
               <a:t>　</a:t>
             </a:r>
             <a:r>
-              <a:rPr lang="en-US" sz="1600" b="1" strike="noStrike" spc="-1" dirty="0">
+              <a:rPr lang="en-US" sz="1600" b="1" strike="noStrike" spc="-1">
                 <a:solidFill>
                   <a:srgbClr val="000000"/>
                 </a:solidFill>
@@ -16612,7 +16315,7 @@
               <a:t>2</a:t>
             </a:r>
             <a:r>
-              <a:rPr lang="ja-JP" sz="1600" b="1" strike="noStrike" spc="-1" dirty="0">
+              <a:rPr lang="ja-JP" sz="1600" b="1" strike="noStrike" spc="-1">
                 <a:solidFill>
                   <a:srgbClr val="000000"/>
                 </a:solidFill>
@@ -16622,147 +16325,17 @@
               <a:t>　 </a:t>
             </a:r>
             <a:r>
-              <a:rPr lang="en-US" altLang="ja-JP" sz="1600" b="1" strike="noStrike" spc="-1" dirty="0">
-                <a:solidFill>
-                  <a:srgbClr val="000000"/>
-                </a:solidFill>
-                <a:latin typeface="Arial"/>
-                <a:ea typeface="Arial"/>
-              </a:rPr>
-              <a:t>1987</a:t>
-            </a:r>
-            <a:r>
-              <a:rPr lang="ja-JP" altLang="en-US" sz="1600" b="1" strike="noStrike" spc="-1" dirty="0">
-                <a:solidFill>
-                  <a:srgbClr val="000000"/>
-                </a:solidFill>
-                <a:latin typeface="Arial"/>
-                <a:ea typeface="Arial"/>
-              </a:rPr>
-              <a:t>年</a:t>
-            </a:r>
-            <a:r>
-              <a:rPr lang="en-US" altLang="ja-JP" sz="1600" b="1" strike="noStrike" spc="-1" dirty="0">
-                <a:solidFill>
-                  <a:srgbClr val="000000"/>
-                </a:solidFill>
-                <a:latin typeface="Arial"/>
-                <a:ea typeface="Arial"/>
-              </a:rPr>
-              <a:t>8</a:t>
-            </a:r>
-            <a:r>
-              <a:rPr lang="ja-JP" altLang="en-US" sz="1600" b="1" strike="noStrike" spc="-1" dirty="0">
-                <a:solidFill>
-                  <a:srgbClr val="000000"/>
-                </a:solidFill>
-                <a:latin typeface="Arial"/>
-                <a:ea typeface="Arial"/>
-              </a:rPr>
-              <a:t>月</a:t>
-            </a:r>
-            <a:r>
-              <a:rPr lang="en-US" altLang="ja-JP" sz="1600" b="1" strike="noStrike" spc="-1" dirty="0">
-                <a:solidFill>
-                  <a:srgbClr val="000000"/>
-                </a:solidFill>
-                <a:latin typeface="Arial"/>
-                <a:ea typeface="Arial"/>
-              </a:rPr>
-              <a:t>17</a:t>
-            </a:r>
-            <a:r>
-              <a:rPr lang="ja-JP" altLang="en-US" sz="1600" b="1" strike="noStrike" spc="-1" dirty="0">
-                <a:solidFill>
-                  <a:srgbClr val="000000"/>
-                </a:solidFill>
-                <a:latin typeface="Arial"/>
-                <a:ea typeface="Arial"/>
-              </a:rPr>
-              <a:t>日</a:t>
-            </a:r>
-            <a:r>
-              <a:rPr lang="en-US" sz="1600" b="1" strike="noStrike" spc="-1" dirty="0">
-                <a:solidFill>
-                  <a:srgbClr val="000000"/>
-                </a:solidFill>
-                <a:latin typeface="Arial"/>
-                <a:ea typeface="Arial"/>
-              </a:rPr>
-              <a:t>    </a:t>
-            </a:r>
-            <a:r>
-              <a:rPr lang="ja-JP" altLang="en-US" sz="1600" b="1" strike="noStrike" spc="-1" dirty="0">
-                <a:solidFill>
-                  <a:srgbClr val="000000"/>
-                </a:solidFill>
-                <a:latin typeface="Arial"/>
-                <a:ea typeface="Arial"/>
-              </a:rPr>
-              <a:t>　　 </a:t>
-            </a:r>
-            <a:r>
-              <a:rPr lang="en-US" altLang="ja-JP" sz="1600" b="1" strike="noStrike" spc="-1" dirty="0">
-                <a:solidFill>
-                  <a:srgbClr val="000000"/>
-                </a:solidFill>
-                <a:latin typeface="Arial"/>
-                <a:ea typeface="Arial"/>
-              </a:rPr>
-              <a:t>2012</a:t>
-            </a:r>
-            <a:r>
-              <a:rPr lang="ja-JP" altLang="en-US" sz="1600" b="1" strike="noStrike" spc="-1" dirty="0">
-                <a:solidFill>
-                  <a:srgbClr val="000000"/>
-                </a:solidFill>
-                <a:latin typeface="Arial"/>
-                <a:ea typeface="Arial"/>
-              </a:rPr>
-              <a:t>年</a:t>
-            </a:r>
-            <a:r>
-              <a:rPr lang="en-US" altLang="ja-JP" sz="1600" b="1" strike="noStrike" spc="-1" dirty="0">
-                <a:solidFill>
-                  <a:srgbClr val="000000"/>
-                </a:solidFill>
-                <a:latin typeface="Arial"/>
-                <a:ea typeface="Arial"/>
-              </a:rPr>
-              <a:t>8</a:t>
-            </a:r>
-            <a:r>
-              <a:rPr lang="ja-JP" altLang="en-US" sz="1600" b="1" strike="noStrike" spc="-1" dirty="0">
-                <a:solidFill>
-                  <a:srgbClr val="000000"/>
-                </a:solidFill>
-                <a:latin typeface="Arial"/>
-                <a:ea typeface="Arial"/>
-              </a:rPr>
-              <a:t>月</a:t>
-            </a:r>
-            <a:r>
-              <a:rPr lang="en-US" altLang="ja-JP" sz="1600" b="1" strike="noStrike" spc="-1" dirty="0">
-                <a:solidFill>
-                  <a:srgbClr val="000000"/>
-                </a:solidFill>
-                <a:latin typeface="Arial"/>
-                <a:ea typeface="Arial"/>
-              </a:rPr>
-              <a:t>17</a:t>
-            </a:r>
-            <a:r>
-              <a:rPr lang="ja-JP" altLang="en-US" sz="1600" b="1" strike="noStrike" spc="-1" dirty="0">
-                <a:solidFill>
-                  <a:srgbClr val="000000"/>
-                </a:solidFill>
-                <a:latin typeface="Arial"/>
-                <a:ea typeface="Arial"/>
-              </a:rPr>
-              <a:t>日</a:t>
-            </a:r>
-            <a:r>
-              <a:rPr lang="ja-JP" sz="1600" b="1" strike="noStrike" spc="-1" dirty="0">
+              <a:rPr lang="en-US" sz="1600" b="1" strike="noStrike" spc="-1">
+                <a:solidFill>
+                  <a:srgbClr val="000000"/>
+                </a:solidFill>
+                <a:latin typeface="Arial"/>
+                <a:ea typeface="Arial"/>
+              </a:rPr>
+              <a:t>50,000    50,000    0</a:t>
+            </a:r>
+            <a:r>
+              <a:rPr lang="ja-JP" sz="1600" b="1" strike="noStrike" spc="-1">
                 <a:solidFill>
                   <a:srgbClr val="000000"/>
                 </a:solidFill>
@@ -16771,7 +16344,7 @@
               </a:rPr>
               <a:t>　　       　・・・</a:t>
             </a:r>
-            <a:endParaRPr lang="en-US" sz="1600" b="0" strike="noStrike" spc="-1" dirty="0">
+            <a:endParaRPr lang="en-US" sz="1600" b="0" strike="noStrike" spc="-1">
               <a:solidFill>
                 <a:srgbClr val="000000"/>
               </a:solidFill>
@@ -16830,16 +16403,16 @@
               </a:lnSpc>
             </a:pPr>
             <a:r>
-              <a:rPr lang="ja-JP" sz="1400" b="1" strike="noStrike" spc="-1" dirty="0">
-                <a:solidFill>
-                  <a:srgbClr val="000000"/>
-                </a:solidFill>
-                <a:latin typeface="Arial"/>
-                <a:ea typeface="Arial"/>
-              </a:rPr>
-              <a:t>編集</a:t>
-            </a:r>
-            <a:endParaRPr lang="en-US" sz="1400" b="0" strike="noStrike" spc="-1" dirty="0">
+              <a:rPr lang="ja-JP" sz="1400" b="1" strike="noStrike" spc="-1">
+                <a:solidFill>
+                  <a:srgbClr val="000000"/>
+                </a:solidFill>
+                <a:latin typeface="Arial"/>
+                <a:ea typeface="Arial"/>
+              </a:rPr>
+              <a:t>部屋編集</a:t>
+            </a:r>
+            <a:endParaRPr lang="en-US" sz="1400" b="0" strike="noStrike" spc="-1">
               <a:solidFill>
                 <a:srgbClr val="000000"/>
               </a:solidFill>
@@ -16898,16 +16471,16 @@
               </a:lnSpc>
             </a:pPr>
             <a:r>
-              <a:rPr lang="ja-JP" sz="1400" b="1" strike="noStrike" spc="-1" dirty="0">
-                <a:solidFill>
-                  <a:srgbClr val="000000"/>
-                </a:solidFill>
-                <a:latin typeface="Arial"/>
-                <a:ea typeface="Arial"/>
-              </a:rPr>
-              <a:t>編集</a:t>
-            </a:r>
-            <a:endParaRPr lang="en-US" sz="1400" b="0" strike="noStrike" spc="-1" dirty="0">
+              <a:rPr lang="ja-JP" sz="1400" b="1" strike="noStrike" spc="-1">
+                <a:solidFill>
+                  <a:srgbClr val="000000"/>
+                </a:solidFill>
+                <a:latin typeface="Arial"/>
+                <a:ea typeface="Arial"/>
+              </a:rPr>
+              <a:t>部屋編集</a:t>
+            </a:r>
+            <a:endParaRPr lang="en-US" sz="1400" b="0" strike="noStrike" spc="-1">
               <a:solidFill>
                 <a:srgbClr val="000000"/>
               </a:solidFill>
@@ -16966,16 +16539,16 @@
               </a:lnSpc>
             </a:pPr>
             <a:r>
-              <a:rPr lang="ja-JP" sz="2000" b="1" strike="noStrike" spc="-1" dirty="0">
-                <a:solidFill>
-                  <a:srgbClr val="000000"/>
-                </a:solidFill>
-                <a:latin typeface="Arial"/>
-                <a:ea typeface="Arial"/>
-              </a:rPr>
-              <a:t>新規登録</a:t>
-            </a:r>
-            <a:endParaRPr lang="en-US" sz="2000" b="0" strike="noStrike" spc="-1" dirty="0">
+              <a:rPr lang="ja-JP" sz="2000" b="1" strike="noStrike" spc="-1">
+                <a:solidFill>
+                  <a:srgbClr val="000000"/>
+                </a:solidFill>
+                <a:latin typeface="Arial"/>
+                <a:ea typeface="Arial"/>
+              </a:rPr>
+              <a:t>部屋新規登録</a:t>
+            </a:r>
+            <a:endParaRPr lang="en-US" sz="2000" b="0" strike="noStrike" spc="-1">
               <a:solidFill>
                 <a:srgbClr val="000000"/>
               </a:solidFill>
@@ -17092,6 +16665,1294 @@
           <a:p>
             <a:r>
               <a:rPr lang="ja-JP" altLang="en-US" sz="2800" dirty="0"/>
+              <a:t>部屋一覧画面</a:t>
+            </a:r>
+            <a:endParaRPr lang="en-US" sz="2800" dirty="0"/>
+          </a:p>
+        </p:txBody>
+      </p:sp>
+    </p:spTree>
+  </p:cSld>
+  <p:clrMapOvr>
+    <a:masterClrMapping/>
+  </p:clrMapOvr>
+</p:sld>
+</file>
+
+<file path=ppt/slides/slide16.xml><?xml version="1.0" encoding="utf-8"?>
+<p:sld xmlns:a="http://schemas.openxmlformats.org/drawingml/2006/main" xmlns:r="http://schemas.openxmlformats.org/officeDocument/2006/relationships" xmlns:p="http://schemas.openxmlformats.org/presentationml/2006/main">
+  <p:cSld>
+    <p:spTree>
+      <p:nvGrpSpPr>
+        <p:cNvPr id="1" name=""/>
+        <p:cNvGrpSpPr/>
+        <p:nvPr/>
+      </p:nvGrpSpPr>
+      <p:grpSpPr>
+        <a:xfrm>
+          <a:off x="0" y="0"/>
+          <a:ext cx="0" cy="0"/>
+          <a:chOff x="0" y="0"/>
+          <a:chExt cx="0" cy="0"/>
+        </a:xfrm>
+      </p:grpSpPr>
+      <p:sp>
+        <p:nvSpPr>
+          <p:cNvPr id="234" name="正方形/長方形 3"/>
+          <p:cNvSpPr/>
+          <p:nvPr/>
+        </p:nvSpPr>
+        <p:spPr>
+          <a:xfrm>
+            <a:off x="478560" y="1212265"/>
+            <a:ext cx="11234880" cy="5493600"/>
+          </a:xfrm>
+          <a:prstGeom prst="rect">
+            <a:avLst/>
+          </a:prstGeom>
+          <a:solidFill>
+            <a:schemeClr val="accent1">
+              <a:lumMod val="20000"/>
+              <a:lumOff val="80000"/>
+            </a:schemeClr>
+          </a:solidFill>
+          <a:ln>
+            <a:solidFill>
+              <a:srgbClr val="000000"/>
+            </a:solidFill>
+            <a:round/>
+          </a:ln>
+        </p:spPr>
+        <p:style>
+          <a:lnRef idx="2">
+            <a:schemeClr val="accent1">
+              <a:shade val="15000"/>
+            </a:schemeClr>
+          </a:lnRef>
+          <a:fillRef idx="1">
+            <a:schemeClr val="accent1"/>
+          </a:fillRef>
+          <a:effectRef idx="0">
+            <a:schemeClr val="accent1"/>
+          </a:effectRef>
+          <a:fontRef idx="minor"/>
+        </p:style>
+        <p:txBody>
+          <a:bodyPr lIns="90000" tIns="45000" rIns="90000" bIns="45000" anchor="ctr">
+            <a:noAutofit/>
+          </a:bodyPr>
+          <a:lstStyle/>
+          <a:p>
+            <a:pPr algn="ctr">
+              <a:lnSpc>
+                <a:spcPct val="100000"/>
+              </a:lnSpc>
+            </a:pPr>
+            <a:endParaRPr lang="en-US" sz="1400" b="0" strike="noStrike" spc="-1">
+              <a:solidFill>
+                <a:schemeClr val="lt1"/>
+              </a:solidFill>
+              <a:latin typeface="Arial"/>
+              <a:ea typeface="Arial"/>
+            </a:endParaRPr>
+          </a:p>
+        </p:txBody>
+      </p:sp>
+      <p:sp>
+        <p:nvSpPr>
+          <p:cNvPr id="235" name="正方形/長方形 14"/>
+          <p:cNvSpPr/>
+          <p:nvPr/>
+        </p:nvSpPr>
+        <p:spPr>
+          <a:xfrm>
+            <a:off x="883800" y="2179080"/>
+            <a:ext cx="1278000" cy="520920"/>
+          </a:xfrm>
+          <a:prstGeom prst="rect">
+            <a:avLst/>
+          </a:prstGeom>
+          <a:solidFill>
+            <a:srgbClr val="A9D4DB"/>
+          </a:solidFill>
+          <a:ln cap="rnd">
+            <a:solidFill>
+              <a:srgbClr val="4A5C5F"/>
+            </a:solidFill>
+            <a:round/>
+          </a:ln>
+        </p:spPr>
+        <p:style>
+          <a:lnRef idx="2">
+            <a:schemeClr val="accent1">
+              <a:shade val="15000"/>
+            </a:schemeClr>
+          </a:lnRef>
+          <a:fillRef idx="1">
+            <a:schemeClr val="accent1"/>
+          </a:fillRef>
+          <a:effectRef idx="0">
+            <a:schemeClr val="accent1"/>
+          </a:effectRef>
+          <a:fontRef idx="minor"/>
+        </p:style>
+        <p:txBody>
+          <a:bodyPr lIns="90000" tIns="45000" rIns="90000" bIns="45000" anchor="ctr">
+            <a:noAutofit/>
+          </a:bodyPr>
+          <a:lstStyle/>
+          <a:p>
+            <a:pPr algn="ctr">
+              <a:lnSpc>
+                <a:spcPct val="100000"/>
+              </a:lnSpc>
+            </a:pPr>
+            <a:r>
+              <a:rPr lang="ja-JP" sz="2000" b="1" strike="noStrike" spc="-1">
+                <a:solidFill>
+                  <a:srgbClr val="000000"/>
+                </a:solidFill>
+                <a:latin typeface="Arial"/>
+                <a:ea typeface="Arial"/>
+              </a:rPr>
+              <a:t>新規登録</a:t>
+            </a:r>
+            <a:endParaRPr lang="en-US" sz="2000" b="0" strike="noStrike" spc="-1">
+              <a:solidFill>
+                <a:srgbClr val="000000"/>
+              </a:solidFill>
+              <a:latin typeface="Arial"/>
+            </a:endParaRPr>
+          </a:p>
+        </p:txBody>
+      </p:sp>
+      <p:sp>
+        <p:nvSpPr>
+          <p:cNvPr id="236" name="テキスト ボックス 1"/>
+          <p:cNvSpPr/>
+          <p:nvPr/>
+        </p:nvSpPr>
+        <p:spPr>
+          <a:xfrm>
+            <a:off x="805320" y="1530360"/>
+            <a:ext cx="6293520" cy="521766"/>
+          </a:xfrm>
+          <a:prstGeom prst="rect">
+            <a:avLst/>
+          </a:prstGeom>
+          <a:noFill/>
+          <a:ln w="0">
+            <a:noFill/>
+          </a:ln>
+        </p:spPr>
+        <p:style>
+          <a:lnRef idx="0">
+            <a:scrgbClr r="0" g="0" b="0"/>
+          </a:lnRef>
+          <a:fillRef idx="0">
+            <a:scrgbClr r="0" g="0" b="0"/>
+          </a:fillRef>
+          <a:effectRef idx="0">
+            <a:scrgbClr r="0" g="0" b="0"/>
+          </a:effectRef>
+          <a:fontRef idx="minor"/>
+        </p:style>
+        <p:txBody>
+          <a:bodyPr lIns="90000" tIns="45000" rIns="90000" bIns="45000" anchor="t">
+            <a:spAutoFit/>
+          </a:bodyPr>
+          <a:lstStyle/>
+          <a:p>
+            <a:pPr>
+              <a:lnSpc>
+                <a:spcPct val="100000"/>
+              </a:lnSpc>
+            </a:pPr>
+            <a:r>
+              <a:rPr lang="ja-JP" altLang="en-US" sz="2800" b="1" strike="noStrike" spc="-1" dirty="0">
+                <a:solidFill>
+                  <a:srgbClr val="000000"/>
+                </a:solidFill>
+                <a:latin typeface="Arial"/>
+                <a:ea typeface="Arial"/>
+              </a:rPr>
+              <a:t>オーナー </a:t>
+            </a:r>
+            <a:r>
+              <a:rPr lang="ja-JP" sz="2800" b="1" strike="noStrike" spc="-1" dirty="0">
+                <a:solidFill>
+                  <a:srgbClr val="000000"/>
+                </a:solidFill>
+                <a:latin typeface="Arial"/>
+                <a:ea typeface="Arial"/>
+              </a:rPr>
+              <a:t>一覧</a:t>
+            </a:r>
+            <a:endParaRPr lang="en-US" sz="2800" b="0" strike="noStrike" spc="-1" dirty="0">
+              <a:solidFill>
+                <a:srgbClr val="000000"/>
+              </a:solidFill>
+              <a:latin typeface="Arial"/>
+            </a:endParaRPr>
+          </a:p>
+        </p:txBody>
+      </p:sp>
+      <p:sp>
+        <p:nvSpPr>
+          <p:cNvPr id="237" name="テキスト ボックス 10"/>
+          <p:cNvSpPr/>
+          <p:nvPr/>
+        </p:nvSpPr>
+        <p:spPr>
+          <a:xfrm>
+            <a:off x="718920" y="2965680"/>
+            <a:ext cx="10442160" cy="337100"/>
+          </a:xfrm>
+          <a:prstGeom prst="rect">
+            <a:avLst/>
+          </a:prstGeom>
+          <a:noFill/>
+          <a:ln w="0">
+            <a:noFill/>
+          </a:ln>
+        </p:spPr>
+        <p:style>
+          <a:lnRef idx="0">
+            <a:scrgbClr r="0" g="0" b="0"/>
+          </a:lnRef>
+          <a:fillRef idx="0">
+            <a:scrgbClr r="0" g="0" b="0"/>
+          </a:fillRef>
+          <a:effectRef idx="0">
+            <a:scrgbClr r="0" g="0" b="0"/>
+          </a:effectRef>
+          <a:fontRef idx="minor"/>
+        </p:style>
+        <p:txBody>
+          <a:bodyPr lIns="90000" tIns="45000" rIns="90000" bIns="45000" anchor="t">
+            <a:spAutoFit/>
+          </a:bodyPr>
+          <a:lstStyle/>
+          <a:p>
+            <a:pPr>
+              <a:lnSpc>
+                <a:spcPct val="100000"/>
+              </a:lnSpc>
+            </a:pPr>
+            <a:r>
+              <a:rPr lang="ja-JP" altLang="en-US" sz="1600" b="1" strike="noStrike" spc="-1" dirty="0">
+                <a:solidFill>
+                  <a:srgbClr val="000000"/>
+                </a:solidFill>
+                <a:latin typeface="Arial"/>
+                <a:ea typeface="Arial"/>
+              </a:rPr>
+              <a:t>名前　　</a:t>
+            </a:r>
+            <a:r>
+              <a:rPr lang="ja-JP" sz="1600" b="1" strike="noStrike" spc="-1" dirty="0">
+                <a:solidFill>
+                  <a:srgbClr val="000000"/>
+                </a:solidFill>
+                <a:latin typeface="Arial"/>
+                <a:ea typeface="Arial"/>
+              </a:rPr>
+              <a:t>　</a:t>
+            </a:r>
+            <a:r>
+              <a:rPr lang="en-US" sz="1600" b="1" strike="noStrike" spc="-1" dirty="0">
+                <a:solidFill>
+                  <a:srgbClr val="000000"/>
+                </a:solidFill>
+                <a:latin typeface="Arial"/>
+                <a:ea typeface="Arial"/>
+              </a:rPr>
+              <a:t>ID</a:t>
+            </a:r>
+            <a:r>
+              <a:rPr lang="ja-JP" sz="1600" b="1" strike="noStrike" spc="-1" dirty="0">
+                <a:solidFill>
+                  <a:srgbClr val="000000"/>
+                </a:solidFill>
+                <a:latin typeface="Arial"/>
+                <a:ea typeface="Arial"/>
+              </a:rPr>
+              <a:t>　</a:t>
+            </a:r>
+            <a:r>
+              <a:rPr lang="ja-JP" altLang="en-US" sz="1600" b="1" strike="noStrike" spc="-1" dirty="0">
+                <a:solidFill>
+                  <a:srgbClr val="000000"/>
+                </a:solidFill>
+                <a:latin typeface="Arial"/>
+                <a:ea typeface="Arial"/>
+              </a:rPr>
+              <a:t>　生年月日</a:t>
+            </a:r>
+            <a:r>
+              <a:rPr lang="ja-JP" sz="1600" b="1" strike="noStrike" spc="-1" dirty="0">
+                <a:solidFill>
+                  <a:srgbClr val="000000"/>
+                </a:solidFill>
+                <a:latin typeface="Arial"/>
+                <a:ea typeface="Arial"/>
+              </a:rPr>
+              <a:t>　</a:t>
+            </a:r>
+            <a:r>
+              <a:rPr lang="ja-JP" altLang="en-US" sz="1600" b="1" strike="noStrike" spc="-1" dirty="0">
+                <a:solidFill>
+                  <a:srgbClr val="000000"/>
+                </a:solidFill>
+                <a:latin typeface="Arial"/>
+                <a:ea typeface="Arial"/>
+              </a:rPr>
+              <a:t>　　　　　</a:t>
+            </a:r>
+            <a:r>
+              <a:rPr lang="ja-JP" altLang="en-US" sz="1600" b="1" spc="-1" dirty="0">
+                <a:solidFill>
+                  <a:srgbClr val="000000"/>
+                </a:solidFill>
+                <a:latin typeface="Arial"/>
+                <a:ea typeface="Arial"/>
+              </a:rPr>
+              <a:t>登録日</a:t>
+            </a:r>
+            <a:r>
+              <a:rPr lang="ja-JP" sz="1600" b="1" strike="noStrike" spc="-1" dirty="0">
+                <a:solidFill>
+                  <a:srgbClr val="000000"/>
+                </a:solidFill>
+                <a:latin typeface="Arial"/>
+                <a:ea typeface="Arial"/>
+              </a:rPr>
+              <a:t>　　　　　</a:t>
+            </a:r>
+            <a:r>
+              <a:rPr lang="ja-JP" altLang="en-US" sz="1600" b="1" strike="noStrike" spc="-1" dirty="0">
+                <a:solidFill>
+                  <a:srgbClr val="000000"/>
+                </a:solidFill>
+                <a:latin typeface="Arial"/>
+                <a:ea typeface="Arial"/>
+              </a:rPr>
+              <a:t>　　</a:t>
+            </a:r>
+            <a:r>
+              <a:rPr lang="ja-JP" sz="1600" b="1" strike="noStrike" spc="-1" dirty="0">
+                <a:solidFill>
+                  <a:srgbClr val="000000"/>
+                </a:solidFill>
+                <a:latin typeface="Arial"/>
+                <a:ea typeface="Arial"/>
+              </a:rPr>
+              <a:t>　・・・　　　　　　　　　　　　</a:t>
+            </a:r>
+            <a:endParaRPr lang="en-US" sz="1600" b="0" strike="noStrike" spc="-1" dirty="0">
+              <a:solidFill>
+                <a:srgbClr val="000000"/>
+              </a:solidFill>
+              <a:latin typeface="Arial"/>
+            </a:endParaRPr>
+          </a:p>
+        </p:txBody>
+      </p:sp>
+      <p:cxnSp>
+        <p:nvCxnSpPr>
+          <p:cNvPr id="238" name="直線コネクタ 12"/>
+          <p:cNvCxnSpPr/>
+          <p:nvPr/>
+        </p:nvCxnSpPr>
+        <p:spPr>
+          <a:xfrm>
+            <a:off x="761760" y="3429000"/>
+            <a:ext cx="10721160" cy="2160"/>
+          </a:xfrm>
+          <a:prstGeom prst="straightConnector1">
+            <a:avLst/>
+          </a:prstGeom>
+          <a:ln w="0">
+            <a:solidFill>
+              <a:srgbClr val="000000"/>
+            </a:solidFill>
+          </a:ln>
+        </p:spPr>
+      </p:cxnSp>
+      <p:cxnSp>
+        <p:nvCxnSpPr>
+          <p:cNvPr id="239" name="直線コネクタ 20"/>
+          <p:cNvCxnSpPr/>
+          <p:nvPr/>
+        </p:nvCxnSpPr>
+        <p:spPr>
+          <a:xfrm>
+            <a:off x="718560" y="4017960"/>
+            <a:ext cx="10721160" cy="2160"/>
+          </a:xfrm>
+          <a:prstGeom prst="straightConnector1">
+            <a:avLst/>
+          </a:prstGeom>
+          <a:ln w="0">
+            <a:solidFill>
+              <a:srgbClr val="000000"/>
+            </a:solidFill>
+          </a:ln>
+        </p:spPr>
+      </p:cxnSp>
+      <p:sp>
+        <p:nvSpPr>
+          <p:cNvPr id="240" name="テキスト ボックス 22"/>
+          <p:cNvSpPr/>
+          <p:nvPr/>
+        </p:nvSpPr>
+        <p:spPr>
+          <a:xfrm>
+            <a:off x="718920" y="3545849"/>
+            <a:ext cx="7356444" cy="337100"/>
+          </a:xfrm>
+          <a:prstGeom prst="rect">
+            <a:avLst/>
+          </a:prstGeom>
+          <a:noFill/>
+          <a:ln w="0">
+            <a:noFill/>
+          </a:ln>
+        </p:spPr>
+        <p:style>
+          <a:lnRef idx="0">
+            <a:scrgbClr r="0" g="0" b="0"/>
+          </a:lnRef>
+          <a:fillRef idx="0">
+            <a:scrgbClr r="0" g="0" b="0"/>
+          </a:fillRef>
+          <a:effectRef idx="0">
+            <a:scrgbClr r="0" g="0" b="0"/>
+          </a:effectRef>
+          <a:fontRef idx="minor"/>
+        </p:style>
+        <p:txBody>
+          <a:bodyPr wrap="square" lIns="90000" tIns="45000" rIns="90000" bIns="45000" anchor="t">
+            <a:spAutoFit/>
+          </a:bodyPr>
+          <a:lstStyle/>
+          <a:p>
+            <a:pPr>
+              <a:lnSpc>
+                <a:spcPct val="100000"/>
+              </a:lnSpc>
+            </a:pPr>
+            <a:r>
+              <a:rPr lang="ja-JP" altLang="en-US" sz="1600" b="1" strike="noStrike" spc="-1" dirty="0">
+                <a:solidFill>
+                  <a:srgbClr val="000000"/>
+                </a:solidFill>
+                <a:latin typeface="Arial"/>
+                <a:ea typeface="Arial"/>
+              </a:rPr>
+              <a:t>山田太郎</a:t>
+            </a:r>
+            <a:r>
+              <a:rPr lang="en-US" sz="1600" b="1" strike="noStrike" spc="-1" dirty="0">
+                <a:solidFill>
+                  <a:srgbClr val="000000"/>
+                </a:solidFill>
+                <a:latin typeface="Arial"/>
+                <a:ea typeface="Arial"/>
+              </a:rPr>
+              <a:t>     1</a:t>
+            </a:r>
+            <a:r>
+              <a:rPr lang="ja-JP" sz="1600" b="1" strike="noStrike" spc="-1" dirty="0">
+                <a:solidFill>
+                  <a:srgbClr val="000000"/>
+                </a:solidFill>
+                <a:latin typeface="Arial"/>
+                <a:ea typeface="Arial"/>
+              </a:rPr>
+              <a:t>　 </a:t>
+            </a:r>
+            <a:r>
+              <a:rPr lang="en-US" altLang="ja-JP" sz="1600" b="1" strike="noStrike" spc="-1" dirty="0">
+                <a:solidFill>
+                  <a:srgbClr val="000000"/>
+                </a:solidFill>
+                <a:latin typeface="Arial"/>
+                <a:ea typeface="Arial"/>
+              </a:rPr>
+              <a:t>1987</a:t>
+            </a:r>
+            <a:r>
+              <a:rPr lang="ja-JP" altLang="en-US" sz="1600" b="1" strike="noStrike" spc="-1" dirty="0">
+                <a:solidFill>
+                  <a:srgbClr val="000000"/>
+                </a:solidFill>
+                <a:latin typeface="Arial"/>
+                <a:ea typeface="Arial"/>
+              </a:rPr>
+              <a:t>年</a:t>
+            </a:r>
+            <a:r>
+              <a:rPr lang="en-US" altLang="ja-JP" sz="1600" b="1" strike="noStrike" spc="-1" dirty="0">
+                <a:solidFill>
+                  <a:srgbClr val="000000"/>
+                </a:solidFill>
+                <a:latin typeface="Arial"/>
+                <a:ea typeface="Arial"/>
+              </a:rPr>
+              <a:t>9</a:t>
+            </a:r>
+            <a:r>
+              <a:rPr lang="ja-JP" altLang="en-US" sz="1600" b="1" strike="noStrike" spc="-1" dirty="0">
+                <a:solidFill>
+                  <a:srgbClr val="000000"/>
+                </a:solidFill>
+                <a:latin typeface="Arial"/>
+                <a:ea typeface="Arial"/>
+              </a:rPr>
+              <a:t>月</a:t>
+            </a:r>
+            <a:r>
+              <a:rPr lang="en-US" altLang="ja-JP" sz="1600" b="1" strike="noStrike" spc="-1" dirty="0">
+                <a:solidFill>
+                  <a:srgbClr val="000000"/>
+                </a:solidFill>
+                <a:latin typeface="Arial"/>
+                <a:ea typeface="Arial"/>
+              </a:rPr>
+              <a:t>17</a:t>
+            </a:r>
+            <a:r>
+              <a:rPr lang="ja-JP" altLang="en-US" sz="1600" b="1" strike="noStrike" spc="-1" dirty="0">
+                <a:solidFill>
+                  <a:srgbClr val="000000"/>
+                </a:solidFill>
+                <a:latin typeface="Arial"/>
+                <a:ea typeface="Arial"/>
+              </a:rPr>
+              <a:t>日</a:t>
+            </a:r>
+            <a:r>
+              <a:rPr lang="en-US" sz="1600" b="1" strike="noStrike" spc="-1" dirty="0">
+                <a:solidFill>
+                  <a:srgbClr val="000000"/>
+                </a:solidFill>
+                <a:latin typeface="Arial"/>
+                <a:ea typeface="Arial"/>
+              </a:rPr>
+              <a:t>    </a:t>
+            </a:r>
+            <a:r>
+              <a:rPr lang="ja-JP" altLang="en-US" sz="1600" b="1" strike="noStrike" spc="-1" dirty="0">
+                <a:solidFill>
+                  <a:srgbClr val="000000"/>
+                </a:solidFill>
+                <a:latin typeface="Arial"/>
+                <a:ea typeface="Arial"/>
+              </a:rPr>
+              <a:t>　</a:t>
+            </a:r>
+            <a:r>
+              <a:rPr lang="en-US" sz="1600" b="1" strike="noStrike" spc="-1" dirty="0">
+                <a:solidFill>
+                  <a:srgbClr val="000000"/>
+                </a:solidFill>
+                <a:latin typeface="Arial"/>
+                <a:ea typeface="Arial"/>
+              </a:rPr>
+              <a:t> </a:t>
+            </a:r>
+            <a:r>
+              <a:rPr lang="ja-JP" sz="1600" b="1" strike="noStrike" spc="-1" dirty="0">
+                <a:solidFill>
+                  <a:srgbClr val="000000"/>
+                </a:solidFill>
+                <a:latin typeface="Arial"/>
+                <a:ea typeface="Arial"/>
+              </a:rPr>
+              <a:t>　</a:t>
+            </a:r>
+            <a:r>
+              <a:rPr lang="en-US" altLang="ja-JP" sz="1600" b="1" strike="noStrike" spc="-1" dirty="0">
+                <a:solidFill>
+                  <a:srgbClr val="000000"/>
+                </a:solidFill>
+                <a:latin typeface="Arial"/>
+                <a:ea typeface="Arial"/>
+              </a:rPr>
+              <a:t>2017</a:t>
+            </a:r>
+            <a:r>
+              <a:rPr lang="ja-JP" altLang="en-US" sz="1600" b="1" strike="noStrike" spc="-1" dirty="0">
+                <a:solidFill>
+                  <a:srgbClr val="000000"/>
+                </a:solidFill>
+                <a:latin typeface="Arial"/>
+                <a:ea typeface="Arial"/>
+              </a:rPr>
+              <a:t>年</a:t>
+            </a:r>
+            <a:r>
+              <a:rPr lang="en-US" altLang="ja-JP" sz="1600" b="1" strike="noStrike" spc="-1" dirty="0">
+                <a:solidFill>
+                  <a:srgbClr val="000000"/>
+                </a:solidFill>
+                <a:latin typeface="Arial"/>
+                <a:ea typeface="Arial"/>
+              </a:rPr>
+              <a:t>5</a:t>
+            </a:r>
+            <a:r>
+              <a:rPr lang="ja-JP" altLang="en-US" sz="1600" b="1" strike="noStrike" spc="-1" dirty="0">
+                <a:solidFill>
+                  <a:srgbClr val="000000"/>
+                </a:solidFill>
+                <a:latin typeface="Arial"/>
+                <a:ea typeface="Arial"/>
+              </a:rPr>
+              <a:t>月</a:t>
+            </a:r>
+            <a:r>
+              <a:rPr lang="en-US" altLang="ja-JP" sz="1600" b="1" strike="noStrike" spc="-1" dirty="0">
+                <a:solidFill>
+                  <a:srgbClr val="000000"/>
+                </a:solidFill>
+                <a:latin typeface="Arial"/>
+                <a:ea typeface="Arial"/>
+              </a:rPr>
+              <a:t>18</a:t>
+            </a:r>
+            <a:r>
+              <a:rPr lang="ja-JP" altLang="en-US" sz="1600" b="1" strike="noStrike" spc="-1" dirty="0">
+                <a:solidFill>
+                  <a:srgbClr val="000000"/>
+                </a:solidFill>
+                <a:latin typeface="Arial"/>
+                <a:ea typeface="Arial"/>
+              </a:rPr>
+              <a:t>日</a:t>
+            </a:r>
+            <a:r>
+              <a:rPr lang="ja-JP" sz="1600" b="1" strike="noStrike" spc="-1" dirty="0">
+                <a:solidFill>
+                  <a:srgbClr val="000000"/>
+                </a:solidFill>
+                <a:latin typeface="Arial"/>
+                <a:ea typeface="Arial"/>
+              </a:rPr>
+              <a:t>　　     </a:t>
+            </a:r>
+            <a:r>
+              <a:rPr lang="ja-JP" altLang="en-US" sz="1600" b="1" strike="noStrike" spc="-1" dirty="0">
+                <a:solidFill>
+                  <a:srgbClr val="000000"/>
+                </a:solidFill>
+                <a:latin typeface="Arial"/>
+                <a:ea typeface="Arial"/>
+              </a:rPr>
+              <a:t>　</a:t>
+            </a:r>
+            <a:r>
+              <a:rPr lang="ja-JP" sz="1600" b="1" strike="noStrike" spc="-1" dirty="0">
+                <a:solidFill>
+                  <a:srgbClr val="000000"/>
+                </a:solidFill>
+                <a:latin typeface="Arial"/>
+                <a:ea typeface="Arial"/>
+              </a:rPr>
+              <a:t>  ・・・</a:t>
+            </a:r>
+            <a:endParaRPr lang="en-US" sz="1600" b="0" strike="noStrike" spc="-1" dirty="0">
+              <a:solidFill>
+                <a:srgbClr val="000000"/>
+              </a:solidFill>
+              <a:latin typeface="Arial"/>
+            </a:endParaRPr>
+          </a:p>
+        </p:txBody>
+      </p:sp>
+      <p:cxnSp>
+        <p:nvCxnSpPr>
+          <p:cNvPr id="241" name="直線コネクタ 24"/>
+          <p:cNvCxnSpPr/>
+          <p:nvPr/>
+        </p:nvCxnSpPr>
+        <p:spPr>
+          <a:xfrm>
+            <a:off x="718560" y="4598280"/>
+            <a:ext cx="10721160" cy="2160"/>
+          </a:xfrm>
+          <a:prstGeom prst="straightConnector1">
+            <a:avLst/>
+          </a:prstGeom>
+          <a:ln w="0">
+            <a:solidFill>
+              <a:srgbClr val="000000"/>
+            </a:solidFill>
+          </a:ln>
+        </p:spPr>
+      </p:cxnSp>
+      <p:sp>
+        <p:nvSpPr>
+          <p:cNvPr id="242" name="テキスト ボックス 4"/>
+          <p:cNvSpPr/>
+          <p:nvPr/>
+        </p:nvSpPr>
+        <p:spPr>
+          <a:xfrm>
+            <a:off x="718919" y="4126320"/>
+            <a:ext cx="7092039" cy="337100"/>
+          </a:xfrm>
+          <a:prstGeom prst="rect">
+            <a:avLst/>
+          </a:prstGeom>
+          <a:noFill/>
+          <a:ln w="0">
+            <a:noFill/>
+          </a:ln>
+        </p:spPr>
+        <p:style>
+          <a:lnRef idx="0">
+            <a:scrgbClr r="0" g="0" b="0"/>
+          </a:lnRef>
+          <a:fillRef idx="0">
+            <a:scrgbClr r="0" g="0" b="0"/>
+          </a:fillRef>
+          <a:effectRef idx="0">
+            <a:scrgbClr r="0" g="0" b="0"/>
+          </a:effectRef>
+          <a:fontRef idx="minor"/>
+        </p:style>
+        <p:txBody>
+          <a:bodyPr wrap="square" lIns="90000" tIns="45000" rIns="90000" bIns="45000" anchor="t">
+            <a:spAutoFit/>
+          </a:bodyPr>
+          <a:lstStyle/>
+          <a:p>
+            <a:pPr>
+              <a:lnSpc>
+                <a:spcPct val="100000"/>
+              </a:lnSpc>
+            </a:pPr>
+            <a:r>
+              <a:rPr lang="ja-JP" altLang="en-US" sz="1600" b="1" strike="noStrike" spc="-1" dirty="0">
+                <a:solidFill>
+                  <a:srgbClr val="000000"/>
+                </a:solidFill>
+                <a:latin typeface="Arial"/>
+                <a:ea typeface="Arial"/>
+              </a:rPr>
+              <a:t>鈴木太郎</a:t>
+            </a:r>
+            <a:r>
+              <a:rPr lang="en-US" sz="1600" b="1" strike="noStrike" spc="-1" dirty="0">
+                <a:solidFill>
+                  <a:srgbClr val="000000"/>
+                </a:solidFill>
+                <a:latin typeface="Arial"/>
+                <a:ea typeface="Arial"/>
+              </a:rPr>
+              <a:t>  </a:t>
+            </a:r>
+            <a:r>
+              <a:rPr lang="ja-JP" sz="1600" b="1" strike="noStrike" spc="-1" dirty="0">
+                <a:solidFill>
+                  <a:srgbClr val="000000"/>
+                </a:solidFill>
+                <a:latin typeface="Arial"/>
+                <a:ea typeface="Arial"/>
+              </a:rPr>
+              <a:t>　</a:t>
+            </a:r>
+            <a:r>
+              <a:rPr lang="en-US" sz="1600" b="1" strike="noStrike" spc="-1" dirty="0">
+                <a:solidFill>
+                  <a:srgbClr val="000000"/>
+                </a:solidFill>
+                <a:latin typeface="Arial"/>
+                <a:ea typeface="Arial"/>
+              </a:rPr>
+              <a:t>2</a:t>
+            </a:r>
+            <a:r>
+              <a:rPr lang="ja-JP" sz="1600" b="1" strike="noStrike" spc="-1" dirty="0">
+                <a:solidFill>
+                  <a:srgbClr val="000000"/>
+                </a:solidFill>
+                <a:latin typeface="Arial"/>
+                <a:ea typeface="Arial"/>
+              </a:rPr>
+              <a:t>　 </a:t>
+            </a:r>
+            <a:r>
+              <a:rPr lang="en-US" altLang="ja-JP" sz="1600" b="1" strike="noStrike" spc="-1" dirty="0">
+                <a:solidFill>
+                  <a:srgbClr val="000000"/>
+                </a:solidFill>
+                <a:latin typeface="Arial"/>
+                <a:ea typeface="Arial"/>
+              </a:rPr>
+              <a:t>1987</a:t>
+            </a:r>
+            <a:r>
+              <a:rPr lang="ja-JP" altLang="en-US" sz="1600" b="1" strike="noStrike" spc="-1" dirty="0">
+                <a:solidFill>
+                  <a:srgbClr val="000000"/>
+                </a:solidFill>
+                <a:latin typeface="Arial"/>
+                <a:ea typeface="Arial"/>
+              </a:rPr>
+              <a:t>年</a:t>
+            </a:r>
+            <a:r>
+              <a:rPr lang="en-US" altLang="ja-JP" sz="1600" b="1" strike="noStrike" spc="-1" dirty="0">
+                <a:solidFill>
+                  <a:srgbClr val="000000"/>
+                </a:solidFill>
+                <a:latin typeface="Arial"/>
+                <a:ea typeface="Arial"/>
+              </a:rPr>
+              <a:t>8</a:t>
+            </a:r>
+            <a:r>
+              <a:rPr lang="ja-JP" altLang="en-US" sz="1600" b="1" strike="noStrike" spc="-1" dirty="0">
+                <a:solidFill>
+                  <a:srgbClr val="000000"/>
+                </a:solidFill>
+                <a:latin typeface="Arial"/>
+                <a:ea typeface="Arial"/>
+              </a:rPr>
+              <a:t>月</a:t>
+            </a:r>
+            <a:r>
+              <a:rPr lang="en-US" altLang="ja-JP" sz="1600" b="1" strike="noStrike" spc="-1" dirty="0">
+                <a:solidFill>
+                  <a:srgbClr val="000000"/>
+                </a:solidFill>
+                <a:latin typeface="Arial"/>
+                <a:ea typeface="Arial"/>
+              </a:rPr>
+              <a:t>17</a:t>
+            </a:r>
+            <a:r>
+              <a:rPr lang="ja-JP" altLang="en-US" sz="1600" b="1" strike="noStrike" spc="-1" dirty="0">
+                <a:solidFill>
+                  <a:srgbClr val="000000"/>
+                </a:solidFill>
+                <a:latin typeface="Arial"/>
+                <a:ea typeface="Arial"/>
+              </a:rPr>
+              <a:t>日</a:t>
+            </a:r>
+            <a:r>
+              <a:rPr lang="en-US" sz="1600" b="1" strike="noStrike" spc="-1" dirty="0">
+                <a:solidFill>
+                  <a:srgbClr val="000000"/>
+                </a:solidFill>
+                <a:latin typeface="Arial"/>
+                <a:ea typeface="Arial"/>
+              </a:rPr>
+              <a:t>    </a:t>
+            </a:r>
+            <a:r>
+              <a:rPr lang="ja-JP" altLang="en-US" sz="1600" b="1" strike="noStrike" spc="-1" dirty="0">
+                <a:solidFill>
+                  <a:srgbClr val="000000"/>
+                </a:solidFill>
+                <a:latin typeface="Arial"/>
+                <a:ea typeface="Arial"/>
+              </a:rPr>
+              <a:t>　　 </a:t>
+            </a:r>
+            <a:r>
+              <a:rPr lang="en-US" altLang="ja-JP" sz="1600" b="1" strike="noStrike" spc="-1" dirty="0">
+                <a:solidFill>
+                  <a:srgbClr val="000000"/>
+                </a:solidFill>
+                <a:latin typeface="Arial"/>
+                <a:ea typeface="Arial"/>
+              </a:rPr>
+              <a:t>2012</a:t>
+            </a:r>
+            <a:r>
+              <a:rPr lang="ja-JP" altLang="en-US" sz="1600" b="1" strike="noStrike" spc="-1" dirty="0">
+                <a:solidFill>
+                  <a:srgbClr val="000000"/>
+                </a:solidFill>
+                <a:latin typeface="Arial"/>
+                <a:ea typeface="Arial"/>
+              </a:rPr>
+              <a:t>年</a:t>
+            </a:r>
+            <a:r>
+              <a:rPr lang="en-US" altLang="ja-JP" sz="1600" b="1" strike="noStrike" spc="-1" dirty="0">
+                <a:solidFill>
+                  <a:srgbClr val="000000"/>
+                </a:solidFill>
+                <a:latin typeface="Arial"/>
+                <a:ea typeface="Arial"/>
+              </a:rPr>
+              <a:t>8</a:t>
+            </a:r>
+            <a:r>
+              <a:rPr lang="ja-JP" altLang="en-US" sz="1600" b="1" strike="noStrike" spc="-1" dirty="0">
+                <a:solidFill>
+                  <a:srgbClr val="000000"/>
+                </a:solidFill>
+                <a:latin typeface="Arial"/>
+                <a:ea typeface="Arial"/>
+              </a:rPr>
+              <a:t>月</a:t>
+            </a:r>
+            <a:r>
+              <a:rPr lang="en-US" altLang="ja-JP" sz="1600" b="1" strike="noStrike" spc="-1" dirty="0">
+                <a:solidFill>
+                  <a:srgbClr val="000000"/>
+                </a:solidFill>
+                <a:latin typeface="Arial"/>
+                <a:ea typeface="Arial"/>
+              </a:rPr>
+              <a:t>17</a:t>
+            </a:r>
+            <a:r>
+              <a:rPr lang="ja-JP" altLang="en-US" sz="1600" b="1" strike="noStrike" spc="-1" dirty="0">
+                <a:solidFill>
+                  <a:srgbClr val="000000"/>
+                </a:solidFill>
+                <a:latin typeface="Arial"/>
+                <a:ea typeface="Arial"/>
+              </a:rPr>
+              <a:t>日</a:t>
+            </a:r>
+            <a:r>
+              <a:rPr lang="ja-JP" sz="1600" b="1" strike="noStrike" spc="-1" dirty="0">
+                <a:solidFill>
+                  <a:srgbClr val="000000"/>
+                </a:solidFill>
+                <a:latin typeface="Arial"/>
+                <a:ea typeface="Arial"/>
+              </a:rPr>
+              <a:t>　　       　・・・</a:t>
+            </a:r>
+            <a:endParaRPr lang="en-US" sz="1600" b="0" strike="noStrike" spc="-1" dirty="0">
+              <a:solidFill>
+                <a:srgbClr val="000000"/>
+              </a:solidFill>
+              <a:latin typeface="Arial"/>
+            </a:endParaRPr>
+          </a:p>
+        </p:txBody>
+      </p:sp>
+      <p:sp>
+        <p:nvSpPr>
+          <p:cNvPr id="243" name="正方形/長方形 7"/>
+          <p:cNvSpPr/>
+          <p:nvPr/>
+        </p:nvSpPr>
+        <p:spPr>
+          <a:xfrm>
+            <a:off x="10576440" y="4126320"/>
+            <a:ext cx="943920" cy="280440"/>
+          </a:xfrm>
+          <a:prstGeom prst="rect">
+            <a:avLst/>
+          </a:prstGeom>
+          <a:solidFill>
+            <a:srgbClr val="A9D4DB"/>
+          </a:solidFill>
+          <a:ln>
+            <a:solidFill>
+              <a:srgbClr val="4A5C5F"/>
+            </a:solidFill>
+            <a:round/>
+          </a:ln>
+        </p:spPr>
+        <p:style>
+          <a:lnRef idx="2">
+            <a:schemeClr val="accent1">
+              <a:shade val="15000"/>
+            </a:schemeClr>
+          </a:lnRef>
+          <a:fillRef idx="1">
+            <a:schemeClr val="accent1"/>
+          </a:fillRef>
+          <a:effectRef idx="0">
+            <a:schemeClr val="accent1"/>
+          </a:effectRef>
+          <a:fontRef idx="minor"/>
+        </p:style>
+        <p:txBody>
+          <a:bodyPr lIns="90000" tIns="45000" rIns="90000" bIns="45000" anchor="ctr">
+            <a:noAutofit/>
+          </a:bodyPr>
+          <a:lstStyle/>
+          <a:p>
+            <a:pPr algn="ctr">
+              <a:lnSpc>
+                <a:spcPct val="100000"/>
+              </a:lnSpc>
+            </a:pPr>
+            <a:r>
+              <a:rPr lang="ja-JP" altLang="en-US" sz="1400" b="1" spc="-1" dirty="0">
+                <a:solidFill>
+                  <a:srgbClr val="000000"/>
+                </a:solidFill>
+                <a:latin typeface="Arial"/>
+              </a:rPr>
+              <a:t>詳細</a:t>
+            </a:r>
+            <a:endParaRPr lang="en-US" sz="1400" b="0" strike="noStrike" spc="-1" dirty="0">
+              <a:solidFill>
+                <a:srgbClr val="000000"/>
+              </a:solidFill>
+              <a:latin typeface="Arial"/>
+            </a:endParaRPr>
+          </a:p>
+        </p:txBody>
+      </p:sp>
+      <p:sp>
+        <p:nvSpPr>
+          <p:cNvPr id="244" name="正方形/長方形 8"/>
+          <p:cNvSpPr/>
+          <p:nvPr/>
+        </p:nvSpPr>
+        <p:spPr>
+          <a:xfrm>
+            <a:off x="10576440" y="3619800"/>
+            <a:ext cx="943920" cy="280440"/>
+          </a:xfrm>
+          <a:prstGeom prst="rect">
+            <a:avLst/>
+          </a:prstGeom>
+          <a:solidFill>
+            <a:srgbClr val="A9D4DB"/>
+          </a:solidFill>
+          <a:ln>
+            <a:solidFill>
+              <a:srgbClr val="4A5C5F"/>
+            </a:solidFill>
+            <a:round/>
+          </a:ln>
+        </p:spPr>
+        <p:style>
+          <a:lnRef idx="2">
+            <a:schemeClr val="accent1">
+              <a:shade val="15000"/>
+            </a:schemeClr>
+          </a:lnRef>
+          <a:fillRef idx="1">
+            <a:schemeClr val="accent1"/>
+          </a:fillRef>
+          <a:effectRef idx="0">
+            <a:schemeClr val="accent1"/>
+          </a:effectRef>
+          <a:fontRef idx="minor"/>
+        </p:style>
+        <p:txBody>
+          <a:bodyPr lIns="90000" tIns="45000" rIns="90000" bIns="45000" anchor="ctr">
+            <a:noAutofit/>
+          </a:bodyPr>
+          <a:lstStyle/>
+          <a:p>
+            <a:pPr algn="ctr">
+              <a:lnSpc>
+                <a:spcPct val="100000"/>
+              </a:lnSpc>
+            </a:pPr>
+            <a:r>
+              <a:rPr lang="ja-JP" altLang="en-US" sz="1400" b="1" spc="-1" dirty="0">
+                <a:solidFill>
+                  <a:srgbClr val="000000"/>
+                </a:solidFill>
+                <a:latin typeface="Arial"/>
+              </a:rPr>
+              <a:t>詳細</a:t>
+            </a:r>
+            <a:endParaRPr lang="en-US" sz="1400" b="0" strike="noStrike" spc="-1" dirty="0">
+              <a:solidFill>
+                <a:srgbClr val="000000"/>
+              </a:solidFill>
+              <a:latin typeface="Arial"/>
+            </a:endParaRPr>
+          </a:p>
+        </p:txBody>
+      </p:sp>
+      <p:sp>
+        <p:nvSpPr>
+          <p:cNvPr id="245" name="正方形/長方形 6"/>
+          <p:cNvSpPr/>
+          <p:nvPr/>
+        </p:nvSpPr>
+        <p:spPr>
+          <a:xfrm>
+            <a:off x="883800" y="2179080"/>
+            <a:ext cx="1816560" cy="520920"/>
+          </a:xfrm>
+          <a:prstGeom prst="rect">
+            <a:avLst/>
+          </a:prstGeom>
+          <a:solidFill>
+            <a:srgbClr val="A9D4DB"/>
+          </a:solidFill>
+          <a:ln cap="rnd">
+            <a:solidFill>
+              <a:srgbClr val="4A5C5F"/>
+            </a:solidFill>
+            <a:round/>
+          </a:ln>
+        </p:spPr>
+        <p:style>
+          <a:lnRef idx="2">
+            <a:schemeClr val="accent1">
+              <a:shade val="15000"/>
+            </a:schemeClr>
+          </a:lnRef>
+          <a:fillRef idx="1">
+            <a:schemeClr val="accent1"/>
+          </a:fillRef>
+          <a:effectRef idx="0">
+            <a:schemeClr val="accent1"/>
+          </a:effectRef>
+          <a:fontRef idx="minor"/>
+        </p:style>
+        <p:txBody>
+          <a:bodyPr lIns="90000" tIns="45000" rIns="90000" bIns="45000" anchor="ctr">
+            <a:noAutofit/>
+          </a:bodyPr>
+          <a:lstStyle/>
+          <a:p>
+            <a:pPr algn="ctr">
+              <a:lnSpc>
+                <a:spcPct val="100000"/>
+              </a:lnSpc>
+            </a:pPr>
+            <a:r>
+              <a:rPr lang="ja-JP" sz="2000" b="1" strike="noStrike" spc="-1" dirty="0">
+                <a:solidFill>
+                  <a:srgbClr val="000000"/>
+                </a:solidFill>
+                <a:latin typeface="Arial"/>
+                <a:ea typeface="Arial"/>
+              </a:rPr>
+              <a:t>新規登録</a:t>
+            </a:r>
+            <a:endParaRPr lang="en-US" sz="2000" b="0" strike="noStrike" spc="-1" dirty="0">
+              <a:solidFill>
+                <a:srgbClr val="000000"/>
+              </a:solidFill>
+              <a:latin typeface="Arial"/>
+            </a:endParaRPr>
+          </a:p>
+        </p:txBody>
+      </p:sp>
+      <p:sp>
+        <p:nvSpPr>
+          <p:cNvPr id="246" name="テキスト ボックス 9"/>
+          <p:cNvSpPr/>
+          <p:nvPr/>
+        </p:nvSpPr>
+        <p:spPr>
+          <a:xfrm>
+            <a:off x="6017400" y="4995000"/>
+            <a:ext cx="736560" cy="596880"/>
+          </a:xfrm>
+          <a:prstGeom prst="rect">
+            <a:avLst/>
+          </a:prstGeom>
+          <a:noFill/>
+          <a:ln w="0">
+            <a:noFill/>
+          </a:ln>
+        </p:spPr>
+        <p:style>
+          <a:lnRef idx="0">
+            <a:scrgbClr r="0" g="0" b="0"/>
+          </a:lnRef>
+          <a:fillRef idx="0">
+            <a:scrgbClr r="0" g="0" b="0"/>
+          </a:fillRef>
+          <a:effectRef idx="0">
+            <a:scrgbClr r="0" g="0" b="0"/>
+          </a:effectRef>
+          <a:fontRef idx="minor"/>
+        </p:style>
+        <p:txBody>
+          <a:bodyPr vert="vert" lIns="45000" tIns="90000" rIns="45000" bIns="90000" anchor="t">
+            <a:noAutofit/>
+          </a:bodyPr>
+          <a:lstStyle/>
+          <a:p>
+            <a:pPr>
+              <a:lnSpc>
+                <a:spcPct val="100000"/>
+              </a:lnSpc>
+            </a:pPr>
+            <a:r>
+              <a:rPr lang="en-US" sz="3600" b="1" strike="noStrike" spc="-1">
+                <a:solidFill>
+                  <a:srgbClr val="000000"/>
+                </a:solidFill>
+                <a:latin typeface="Arial"/>
+                <a:ea typeface="Arial"/>
+              </a:rPr>
+              <a:t>… </a:t>
+            </a:r>
+            <a:endParaRPr lang="en-US" sz="3600" b="0" strike="noStrike" spc="-1">
+              <a:solidFill>
+                <a:srgbClr val="000000"/>
+              </a:solidFill>
+              <a:latin typeface="Arial"/>
+            </a:endParaRPr>
+          </a:p>
+        </p:txBody>
+      </p:sp>
+      <p:sp>
+        <p:nvSpPr>
+          <p:cNvPr id="16" name="PlaceHolder 1">
+            <a:extLst>
+              <a:ext uri="{FF2B5EF4-FFF2-40B4-BE49-F238E27FC236}">
+                <a16:creationId xmlns:a16="http://schemas.microsoft.com/office/drawing/2014/main" id="{4D94A865-D726-4753-8DFD-692D2AF2E6B9}"/>
+              </a:ext>
+            </a:extLst>
+          </p:cNvPr>
+          <p:cNvSpPr txBox="1">
+            <a:spLocks/>
+          </p:cNvSpPr>
+          <p:nvPr/>
+        </p:nvSpPr>
+        <p:spPr>
+          <a:xfrm>
+            <a:off x="892963" y="664774"/>
+            <a:ext cx="3361877" cy="547491"/>
+          </a:xfrm>
+          <a:prstGeom prst="rect">
+            <a:avLst/>
+          </a:prstGeom>
+        </p:spPr>
+        <p:txBody>
+          <a:bodyPr/>
+          <a:lstStyle>
+            <a:lvl1pPr algn="l" defTabSz="914400" rtl="0" eaLnBrk="1" latinLnBrk="0" hangingPunct="1">
+              <a:lnSpc>
+                <a:spcPct val="90000"/>
+              </a:lnSpc>
+              <a:spcBef>
+                <a:spcPct val="0"/>
+              </a:spcBef>
+              <a:buNone/>
+              <a:defRPr kumimoji="1" sz="4400" kern="1200">
+                <a:solidFill>
+                  <a:schemeClr val="tx1"/>
+                </a:solidFill>
+                <a:latin typeface="+mj-lt"/>
+                <a:ea typeface="+mj-ea"/>
+                <a:cs typeface="+mj-cs"/>
+              </a:defRPr>
+            </a:lvl1pPr>
+          </a:lstStyle>
+          <a:p>
+            <a:r>
+              <a:rPr lang="ja-JP" altLang="en-US" sz="2800" dirty="0"/>
               <a:t>オーナー 一覧画面</a:t>
             </a:r>
             <a:endParaRPr lang="en-US" sz="2800" dirty="0"/>
@@ -17102,6 +17963,1000 @@
     <p:extLst>
       <p:ext uri="{BB962C8B-B14F-4D97-AF65-F5344CB8AC3E}">
         <p14:creationId xmlns:p14="http://schemas.microsoft.com/office/powerpoint/2010/main" val="988113395"/>
+      </p:ext>
+    </p:extLst>
+  </p:cSld>
+  <p:clrMapOvr>
+    <a:masterClrMapping/>
+  </p:clrMapOvr>
+</p:sld>
+</file>
+
+<file path=ppt/slides/slide17.xml><?xml version="1.0" encoding="utf-8"?>
+<p:sld xmlns:a="http://schemas.openxmlformats.org/drawingml/2006/main" xmlns:r="http://schemas.openxmlformats.org/officeDocument/2006/relationships" xmlns:p="http://schemas.openxmlformats.org/presentationml/2006/main">
+  <p:cSld>
+    <p:spTree>
+      <p:nvGrpSpPr>
+        <p:cNvPr id="1" name=""/>
+        <p:cNvGrpSpPr/>
+        <p:nvPr/>
+      </p:nvGrpSpPr>
+      <p:grpSpPr>
+        <a:xfrm>
+          <a:off x="0" y="0"/>
+          <a:ext cx="0" cy="0"/>
+          <a:chOff x="0" y="0"/>
+          <a:chExt cx="0" cy="0"/>
+        </a:xfrm>
+      </p:grpSpPr>
+      <p:sp>
+        <p:nvSpPr>
+          <p:cNvPr id="234" name="正方形/長方形 3"/>
+          <p:cNvSpPr/>
+          <p:nvPr/>
+        </p:nvSpPr>
+        <p:spPr>
+          <a:xfrm>
+            <a:off x="478560" y="1212265"/>
+            <a:ext cx="11234880" cy="5493600"/>
+          </a:xfrm>
+          <a:prstGeom prst="rect">
+            <a:avLst/>
+          </a:prstGeom>
+          <a:solidFill>
+            <a:schemeClr val="accent1">
+              <a:lumMod val="20000"/>
+              <a:lumOff val="80000"/>
+            </a:schemeClr>
+          </a:solidFill>
+          <a:ln>
+            <a:solidFill>
+              <a:srgbClr val="000000"/>
+            </a:solidFill>
+            <a:round/>
+          </a:ln>
+        </p:spPr>
+        <p:style>
+          <a:lnRef idx="2">
+            <a:schemeClr val="accent1">
+              <a:shade val="15000"/>
+            </a:schemeClr>
+          </a:lnRef>
+          <a:fillRef idx="1">
+            <a:schemeClr val="accent1"/>
+          </a:fillRef>
+          <a:effectRef idx="0">
+            <a:schemeClr val="accent1"/>
+          </a:effectRef>
+          <a:fontRef idx="minor"/>
+        </p:style>
+        <p:txBody>
+          <a:bodyPr lIns="90000" tIns="45000" rIns="90000" bIns="45000" anchor="ctr">
+            <a:noAutofit/>
+          </a:bodyPr>
+          <a:lstStyle/>
+          <a:p>
+            <a:pPr algn="ctr">
+              <a:lnSpc>
+                <a:spcPct val="100000"/>
+              </a:lnSpc>
+            </a:pPr>
+            <a:endParaRPr lang="en-US" sz="1400" b="0" strike="noStrike" spc="-1">
+              <a:solidFill>
+                <a:schemeClr val="lt1"/>
+              </a:solidFill>
+              <a:latin typeface="Arial"/>
+              <a:ea typeface="Arial"/>
+            </a:endParaRPr>
+          </a:p>
+        </p:txBody>
+      </p:sp>
+      <p:sp>
+        <p:nvSpPr>
+          <p:cNvPr id="236" name="テキスト ボックス 1"/>
+          <p:cNvSpPr/>
+          <p:nvPr/>
+        </p:nvSpPr>
+        <p:spPr>
+          <a:xfrm>
+            <a:off x="805320" y="1530360"/>
+            <a:ext cx="6293520" cy="521766"/>
+          </a:xfrm>
+          <a:prstGeom prst="rect">
+            <a:avLst/>
+          </a:prstGeom>
+          <a:noFill/>
+          <a:ln w="0">
+            <a:noFill/>
+          </a:ln>
+        </p:spPr>
+        <p:style>
+          <a:lnRef idx="0">
+            <a:scrgbClr r="0" g="0" b="0"/>
+          </a:lnRef>
+          <a:fillRef idx="0">
+            <a:scrgbClr r="0" g="0" b="0"/>
+          </a:fillRef>
+          <a:effectRef idx="0">
+            <a:scrgbClr r="0" g="0" b="0"/>
+          </a:effectRef>
+          <a:fontRef idx="minor"/>
+        </p:style>
+        <p:txBody>
+          <a:bodyPr lIns="90000" tIns="45000" rIns="90000" bIns="45000" anchor="t">
+            <a:spAutoFit/>
+          </a:bodyPr>
+          <a:lstStyle/>
+          <a:p>
+            <a:pPr>
+              <a:lnSpc>
+                <a:spcPct val="100000"/>
+              </a:lnSpc>
+            </a:pPr>
+            <a:r>
+              <a:rPr lang="ja-JP" altLang="en-US" sz="2800" b="1" spc="-1" dirty="0">
+                <a:solidFill>
+                  <a:srgbClr val="000000"/>
+                </a:solidFill>
+                <a:ea typeface="Arial"/>
+              </a:rPr>
+              <a:t>山田太郎</a:t>
+            </a:r>
+            <a:endParaRPr lang="en-US" sz="2800" b="0" strike="noStrike" spc="-1" dirty="0">
+              <a:solidFill>
+                <a:srgbClr val="000000"/>
+              </a:solidFill>
+              <a:latin typeface="Arial"/>
+            </a:endParaRPr>
+          </a:p>
+        </p:txBody>
+      </p:sp>
+      <p:sp>
+        <p:nvSpPr>
+          <p:cNvPr id="237" name="テキスト ボックス 10"/>
+          <p:cNvSpPr/>
+          <p:nvPr/>
+        </p:nvSpPr>
+        <p:spPr>
+          <a:xfrm>
+            <a:off x="718920" y="2965680"/>
+            <a:ext cx="10442160" cy="337100"/>
+          </a:xfrm>
+          <a:prstGeom prst="rect">
+            <a:avLst/>
+          </a:prstGeom>
+          <a:noFill/>
+          <a:ln w="0">
+            <a:noFill/>
+          </a:ln>
+        </p:spPr>
+        <p:style>
+          <a:lnRef idx="0">
+            <a:scrgbClr r="0" g="0" b="0"/>
+          </a:lnRef>
+          <a:fillRef idx="0">
+            <a:scrgbClr r="0" g="0" b="0"/>
+          </a:fillRef>
+          <a:effectRef idx="0">
+            <a:scrgbClr r="0" g="0" b="0"/>
+          </a:effectRef>
+          <a:fontRef idx="minor"/>
+        </p:style>
+        <p:txBody>
+          <a:bodyPr lIns="90000" tIns="45000" rIns="90000" bIns="45000" anchor="t">
+            <a:spAutoFit/>
+          </a:bodyPr>
+          <a:lstStyle/>
+          <a:p>
+            <a:pPr>
+              <a:lnSpc>
+                <a:spcPct val="100000"/>
+              </a:lnSpc>
+            </a:pPr>
+            <a:r>
+              <a:rPr lang="ja-JP" sz="1600" b="1" strike="noStrike" spc="-1" dirty="0">
+                <a:solidFill>
+                  <a:srgbClr val="000000"/>
+                </a:solidFill>
+                <a:latin typeface="Arial"/>
+                <a:ea typeface="Arial"/>
+              </a:rPr>
+              <a:t>　</a:t>
+            </a:r>
+            <a:r>
+              <a:rPr lang="en-US" sz="1600" b="1" strike="noStrike" spc="-1" dirty="0">
+                <a:solidFill>
+                  <a:srgbClr val="000000"/>
+                </a:solidFill>
+                <a:latin typeface="Arial"/>
+                <a:ea typeface="Arial"/>
+              </a:rPr>
+              <a:t>ID</a:t>
+            </a:r>
+            <a:r>
+              <a:rPr lang="ja-JP" sz="1600" b="1" strike="noStrike" spc="-1" dirty="0">
+                <a:solidFill>
+                  <a:srgbClr val="000000"/>
+                </a:solidFill>
+                <a:latin typeface="Arial"/>
+                <a:ea typeface="Arial"/>
+              </a:rPr>
+              <a:t>　</a:t>
+            </a:r>
+            <a:r>
+              <a:rPr lang="ja-JP" altLang="en-US" sz="1600" b="1" strike="noStrike" spc="-1" dirty="0">
+                <a:solidFill>
+                  <a:srgbClr val="000000"/>
+                </a:solidFill>
+                <a:latin typeface="Arial"/>
+                <a:ea typeface="Arial"/>
+              </a:rPr>
+              <a:t>　生年月日</a:t>
+            </a:r>
+            <a:r>
+              <a:rPr lang="ja-JP" sz="1600" b="1" strike="noStrike" spc="-1" dirty="0">
+                <a:solidFill>
+                  <a:srgbClr val="000000"/>
+                </a:solidFill>
+                <a:latin typeface="Arial"/>
+                <a:ea typeface="Arial"/>
+              </a:rPr>
+              <a:t>　</a:t>
+            </a:r>
+            <a:r>
+              <a:rPr lang="ja-JP" altLang="en-US" sz="1600" b="1" strike="noStrike" spc="-1" dirty="0">
+                <a:solidFill>
+                  <a:srgbClr val="000000"/>
+                </a:solidFill>
+                <a:latin typeface="Arial"/>
+                <a:ea typeface="Arial"/>
+              </a:rPr>
+              <a:t>　　　　　</a:t>
+            </a:r>
+            <a:r>
+              <a:rPr lang="ja-JP" altLang="en-US" sz="1600" b="1" spc="-1" dirty="0">
+                <a:solidFill>
+                  <a:srgbClr val="000000"/>
+                </a:solidFill>
+                <a:latin typeface="Arial"/>
+                <a:ea typeface="Arial"/>
+              </a:rPr>
+              <a:t>登録日</a:t>
+            </a:r>
+            <a:r>
+              <a:rPr lang="ja-JP" sz="1600" b="1" strike="noStrike" spc="-1" dirty="0">
+                <a:solidFill>
+                  <a:srgbClr val="000000"/>
+                </a:solidFill>
+                <a:latin typeface="Arial"/>
+                <a:ea typeface="Arial"/>
+              </a:rPr>
+              <a:t>　　　　　</a:t>
+            </a:r>
+            <a:r>
+              <a:rPr lang="ja-JP" altLang="en-US" sz="1600" b="1" strike="noStrike" spc="-1" dirty="0">
+                <a:solidFill>
+                  <a:srgbClr val="000000"/>
+                </a:solidFill>
+                <a:latin typeface="Arial"/>
+                <a:ea typeface="Arial"/>
+              </a:rPr>
+              <a:t>　　</a:t>
+            </a:r>
+            <a:r>
+              <a:rPr lang="ja-JP" sz="1600" b="1" strike="noStrike" spc="-1" dirty="0">
+                <a:solidFill>
+                  <a:srgbClr val="000000"/>
+                </a:solidFill>
+                <a:latin typeface="Arial"/>
+                <a:ea typeface="Arial"/>
+              </a:rPr>
+              <a:t>　・・・　　　　　　　　　　　　</a:t>
+            </a:r>
+            <a:endParaRPr lang="en-US" sz="1600" b="0" strike="noStrike" spc="-1" dirty="0">
+              <a:solidFill>
+                <a:srgbClr val="000000"/>
+              </a:solidFill>
+              <a:latin typeface="Arial"/>
+            </a:endParaRPr>
+          </a:p>
+        </p:txBody>
+      </p:sp>
+      <p:cxnSp>
+        <p:nvCxnSpPr>
+          <p:cNvPr id="238" name="直線コネクタ 12"/>
+          <p:cNvCxnSpPr/>
+          <p:nvPr/>
+        </p:nvCxnSpPr>
+        <p:spPr>
+          <a:xfrm>
+            <a:off x="761760" y="3429000"/>
+            <a:ext cx="10721160" cy="2160"/>
+          </a:xfrm>
+          <a:prstGeom prst="straightConnector1">
+            <a:avLst/>
+          </a:prstGeom>
+          <a:ln w="0">
+            <a:solidFill>
+              <a:srgbClr val="000000"/>
+            </a:solidFill>
+          </a:ln>
+        </p:spPr>
+      </p:cxnSp>
+      <p:sp>
+        <p:nvSpPr>
+          <p:cNvPr id="240" name="テキスト ボックス 22"/>
+          <p:cNvSpPr/>
+          <p:nvPr/>
+        </p:nvSpPr>
+        <p:spPr>
+          <a:xfrm>
+            <a:off x="718920" y="3545849"/>
+            <a:ext cx="7356444" cy="337100"/>
+          </a:xfrm>
+          <a:prstGeom prst="rect">
+            <a:avLst/>
+          </a:prstGeom>
+          <a:noFill/>
+          <a:ln w="0">
+            <a:noFill/>
+          </a:ln>
+        </p:spPr>
+        <p:style>
+          <a:lnRef idx="0">
+            <a:scrgbClr r="0" g="0" b="0"/>
+          </a:lnRef>
+          <a:fillRef idx="0">
+            <a:scrgbClr r="0" g="0" b="0"/>
+          </a:fillRef>
+          <a:effectRef idx="0">
+            <a:scrgbClr r="0" g="0" b="0"/>
+          </a:effectRef>
+          <a:fontRef idx="minor"/>
+        </p:style>
+        <p:txBody>
+          <a:bodyPr wrap="square" lIns="90000" tIns="45000" rIns="90000" bIns="45000" anchor="t">
+            <a:spAutoFit/>
+          </a:bodyPr>
+          <a:lstStyle/>
+          <a:p>
+            <a:pPr>
+              <a:lnSpc>
+                <a:spcPct val="100000"/>
+              </a:lnSpc>
+            </a:pPr>
+            <a:r>
+              <a:rPr lang="ja-JP" altLang="en-US" sz="1600" b="1" strike="noStrike" spc="-1" dirty="0">
+                <a:solidFill>
+                  <a:srgbClr val="000000"/>
+                </a:solidFill>
+                <a:latin typeface="Arial"/>
+                <a:ea typeface="Arial"/>
+              </a:rPr>
+              <a:t>　</a:t>
+            </a:r>
+            <a:r>
+              <a:rPr lang="en-US" sz="1600" b="1" strike="noStrike" spc="-1" dirty="0">
+                <a:solidFill>
+                  <a:srgbClr val="000000"/>
+                </a:solidFill>
+                <a:latin typeface="Arial"/>
+                <a:ea typeface="Arial"/>
+              </a:rPr>
+              <a:t>1</a:t>
+            </a:r>
+            <a:r>
+              <a:rPr lang="ja-JP" sz="1600" b="1" strike="noStrike" spc="-1" dirty="0">
+                <a:solidFill>
+                  <a:srgbClr val="000000"/>
+                </a:solidFill>
+                <a:latin typeface="Arial"/>
+                <a:ea typeface="Arial"/>
+              </a:rPr>
+              <a:t>　 </a:t>
+            </a:r>
+            <a:r>
+              <a:rPr lang="en-US" altLang="ja-JP" sz="1600" b="1" strike="noStrike" spc="-1" dirty="0">
+                <a:solidFill>
+                  <a:srgbClr val="000000"/>
+                </a:solidFill>
+                <a:latin typeface="Arial"/>
+                <a:ea typeface="Arial"/>
+              </a:rPr>
+              <a:t>1987</a:t>
+            </a:r>
+            <a:r>
+              <a:rPr lang="ja-JP" altLang="en-US" sz="1600" b="1" strike="noStrike" spc="-1" dirty="0">
+                <a:solidFill>
+                  <a:srgbClr val="000000"/>
+                </a:solidFill>
+                <a:latin typeface="Arial"/>
+                <a:ea typeface="Arial"/>
+              </a:rPr>
+              <a:t>年</a:t>
+            </a:r>
+            <a:r>
+              <a:rPr lang="en-US" altLang="ja-JP" sz="1600" b="1" strike="noStrike" spc="-1" dirty="0">
+                <a:solidFill>
+                  <a:srgbClr val="000000"/>
+                </a:solidFill>
+                <a:latin typeface="Arial"/>
+                <a:ea typeface="Arial"/>
+              </a:rPr>
+              <a:t>9</a:t>
+            </a:r>
+            <a:r>
+              <a:rPr lang="ja-JP" altLang="en-US" sz="1600" b="1" strike="noStrike" spc="-1" dirty="0">
+                <a:solidFill>
+                  <a:srgbClr val="000000"/>
+                </a:solidFill>
+                <a:latin typeface="Arial"/>
+                <a:ea typeface="Arial"/>
+              </a:rPr>
+              <a:t>月</a:t>
+            </a:r>
+            <a:r>
+              <a:rPr lang="en-US" altLang="ja-JP" sz="1600" b="1" strike="noStrike" spc="-1" dirty="0">
+                <a:solidFill>
+                  <a:srgbClr val="000000"/>
+                </a:solidFill>
+                <a:latin typeface="Arial"/>
+                <a:ea typeface="Arial"/>
+              </a:rPr>
+              <a:t>17</a:t>
+            </a:r>
+            <a:r>
+              <a:rPr lang="ja-JP" altLang="en-US" sz="1600" b="1" strike="noStrike" spc="-1" dirty="0">
+                <a:solidFill>
+                  <a:srgbClr val="000000"/>
+                </a:solidFill>
+                <a:latin typeface="Arial"/>
+                <a:ea typeface="Arial"/>
+              </a:rPr>
+              <a:t>日</a:t>
+            </a:r>
+            <a:r>
+              <a:rPr lang="en-US" sz="1600" b="1" strike="noStrike" spc="-1" dirty="0">
+                <a:solidFill>
+                  <a:srgbClr val="000000"/>
+                </a:solidFill>
+                <a:latin typeface="Arial"/>
+                <a:ea typeface="Arial"/>
+              </a:rPr>
+              <a:t>    </a:t>
+            </a:r>
+            <a:r>
+              <a:rPr lang="ja-JP" altLang="en-US" sz="1600" b="1" strike="noStrike" spc="-1" dirty="0">
+                <a:solidFill>
+                  <a:srgbClr val="000000"/>
+                </a:solidFill>
+                <a:latin typeface="Arial"/>
+                <a:ea typeface="Arial"/>
+              </a:rPr>
+              <a:t>　</a:t>
+            </a:r>
+            <a:r>
+              <a:rPr lang="en-US" sz="1600" b="1" strike="noStrike" spc="-1" dirty="0">
+                <a:solidFill>
+                  <a:srgbClr val="000000"/>
+                </a:solidFill>
+                <a:latin typeface="Arial"/>
+                <a:ea typeface="Arial"/>
+              </a:rPr>
+              <a:t> </a:t>
+            </a:r>
+            <a:r>
+              <a:rPr lang="ja-JP" sz="1600" b="1" strike="noStrike" spc="-1" dirty="0">
+                <a:solidFill>
+                  <a:srgbClr val="000000"/>
+                </a:solidFill>
+                <a:latin typeface="Arial"/>
+                <a:ea typeface="Arial"/>
+              </a:rPr>
+              <a:t>　</a:t>
+            </a:r>
+            <a:r>
+              <a:rPr lang="en-US" altLang="ja-JP" sz="1600" b="1" strike="noStrike" spc="-1" dirty="0">
+                <a:solidFill>
+                  <a:srgbClr val="000000"/>
+                </a:solidFill>
+                <a:latin typeface="Arial"/>
+                <a:ea typeface="Arial"/>
+              </a:rPr>
+              <a:t>2017</a:t>
+            </a:r>
+            <a:r>
+              <a:rPr lang="ja-JP" altLang="en-US" sz="1600" b="1" strike="noStrike" spc="-1" dirty="0">
+                <a:solidFill>
+                  <a:srgbClr val="000000"/>
+                </a:solidFill>
+                <a:latin typeface="Arial"/>
+                <a:ea typeface="Arial"/>
+              </a:rPr>
+              <a:t>年</a:t>
+            </a:r>
+            <a:r>
+              <a:rPr lang="en-US" altLang="ja-JP" sz="1600" b="1" strike="noStrike" spc="-1" dirty="0">
+                <a:solidFill>
+                  <a:srgbClr val="000000"/>
+                </a:solidFill>
+                <a:latin typeface="Arial"/>
+                <a:ea typeface="Arial"/>
+              </a:rPr>
+              <a:t>5</a:t>
+            </a:r>
+            <a:r>
+              <a:rPr lang="ja-JP" altLang="en-US" sz="1600" b="1" strike="noStrike" spc="-1" dirty="0">
+                <a:solidFill>
+                  <a:srgbClr val="000000"/>
+                </a:solidFill>
+                <a:latin typeface="Arial"/>
+                <a:ea typeface="Arial"/>
+              </a:rPr>
+              <a:t>月</a:t>
+            </a:r>
+            <a:r>
+              <a:rPr lang="en-US" altLang="ja-JP" sz="1600" b="1" strike="noStrike" spc="-1" dirty="0">
+                <a:solidFill>
+                  <a:srgbClr val="000000"/>
+                </a:solidFill>
+                <a:latin typeface="Arial"/>
+                <a:ea typeface="Arial"/>
+              </a:rPr>
+              <a:t>18</a:t>
+            </a:r>
+            <a:r>
+              <a:rPr lang="ja-JP" altLang="en-US" sz="1600" b="1" strike="noStrike" spc="-1" dirty="0">
+                <a:solidFill>
+                  <a:srgbClr val="000000"/>
+                </a:solidFill>
+                <a:latin typeface="Arial"/>
+                <a:ea typeface="Arial"/>
+              </a:rPr>
+              <a:t>日</a:t>
+            </a:r>
+            <a:r>
+              <a:rPr lang="ja-JP" sz="1600" b="1" strike="noStrike" spc="-1" dirty="0">
+                <a:solidFill>
+                  <a:srgbClr val="000000"/>
+                </a:solidFill>
+                <a:latin typeface="Arial"/>
+                <a:ea typeface="Arial"/>
+              </a:rPr>
+              <a:t>　　     </a:t>
+            </a:r>
+            <a:r>
+              <a:rPr lang="ja-JP" altLang="en-US" sz="1600" b="1" strike="noStrike" spc="-1" dirty="0">
+                <a:solidFill>
+                  <a:srgbClr val="000000"/>
+                </a:solidFill>
+                <a:latin typeface="Arial"/>
+                <a:ea typeface="Arial"/>
+              </a:rPr>
+              <a:t>　</a:t>
+            </a:r>
+            <a:r>
+              <a:rPr lang="ja-JP" sz="1600" b="1" strike="noStrike" spc="-1" dirty="0">
+                <a:solidFill>
+                  <a:srgbClr val="000000"/>
+                </a:solidFill>
+                <a:latin typeface="Arial"/>
+                <a:ea typeface="Arial"/>
+              </a:rPr>
+              <a:t>  ・・・</a:t>
+            </a:r>
+            <a:endParaRPr lang="en-US" sz="1600" b="0" strike="noStrike" spc="-1" dirty="0">
+              <a:solidFill>
+                <a:srgbClr val="000000"/>
+              </a:solidFill>
+              <a:latin typeface="Arial"/>
+            </a:endParaRPr>
+          </a:p>
+        </p:txBody>
+      </p:sp>
+      <p:sp>
+        <p:nvSpPr>
+          <p:cNvPr id="244" name="正方形/長方形 8"/>
+          <p:cNvSpPr/>
+          <p:nvPr/>
+        </p:nvSpPr>
+        <p:spPr>
+          <a:xfrm>
+            <a:off x="1190069" y="2298720"/>
+            <a:ext cx="943920" cy="280440"/>
+          </a:xfrm>
+          <a:prstGeom prst="rect">
+            <a:avLst/>
+          </a:prstGeom>
+          <a:solidFill>
+            <a:srgbClr val="A9D4DB"/>
+          </a:solidFill>
+          <a:ln>
+            <a:solidFill>
+              <a:srgbClr val="4A5C5F"/>
+            </a:solidFill>
+            <a:round/>
+          </a:ln>
+        </p:spPr>
+        <p:style>
+          <a:lnRef idx="2">
+            <a:schemeClr val="accent1">
+              <a:shade val="15000"/>
+            </a:schemeClr>
+          </a:lnRef>
+          <a:fillRef idx="1">
+            <a:schemeClr val="accent1"/>
+          </a:fillRef>
+          <a:effectRef idx="0">
+            <a:schemeClr val="accent1"/>
+          </a:effectRef>
+          <a:fontRef idx="minor"/>
+        </p:style>
+        <p:txBody>
+          <a:bodyPr lIns="90000" tIns="45000" rIns="90000" bIns="45000" anchor="ctr">
+            <a:noAutofit/>
+          </a:bodyPr>
+          <a:lstStyle/>
+          <a:p>
+            <a:pPr algn="ctr">
+              <a:lnSpc>
+                <a:spcPct val="100000"/>
+              </a:lnSpc>
+            </a:pPr>
+            <a:r>
+              <a:rPr lang="ja-JP" altLang="en-US" sz="1400" b="1" strike="noStrike" spc="-1" dirty="0">
+                <a:solidFill>
+                  <a:srgbClr val="000000"/>
+                </a:solidFill>
+                <a:latin typeface="Arial"/>
+              </a:rPr>
+              <a:t>編集</a:t>
+            </a:r>
+            <a:endParaRPr lang="en-US" sz="1400" b="0" strike="noStrike" spc="-1" dirty="0">
+              <a:solidFill>
+                <a:srgbClr val="000000"/>
+              </a:solidFill>
+              <a:latin typeface="Arial"/>
+            </a:endParaRPr>
+          </a:p>
+        </p:txBody>
+      </p:sp>
+      <p:sp>
+        <p:nvSpPr>
+          <p:cNvPr id="16" name="PlaceHolder 1">
+            <a:extLst>
+              <a:ext uri="{FF2B5EF4-FFF2-40B4-BE49-F238E27FC236}">
+                <a16:creationId xmlns:a16="http://schemas.microsoft.com/office/drawing/2014/main" id="{4D94A865-D726-4753-8DFD-692D2AF2E6B9}"/>
+              </a:ext>
+            </a:extLst>
+          </p:cNvPr>
+          <p:cNvSpPr txBox="1">
+            <a:spLocks/>
+          </p:cNvSpPr>
+          <p:nvPr/>
+        </p:nvSpPr>
+        <p:spPr>
+          <a:xfrm>
+            <a:off x="892963" y="664774"/>
+            <a:ext cx="3866324" cy="547491"/>
+          </a:xfrm>
+          <a:prstGeom prst="rect">
+            <a:avLst/>
+          </a:prstGeom>
+        </p:spPr>
+        <p:txBody>
+          <a:bodyPr/>
+          <a:lstStyle>
+            <a:lvl1pPr algn="l" defTabSz="914400" rtl="0" eaLnBrk="1" latinLnBrk="0" hangingPunct="1">
+              <a:lnSpc>
+                <a:spcPct val="90000"/>
+              </a:lnSpc>
+              <a:spcBef>
+                <a:spcPct val="0"/>
+              </a:spcBef>
+              <a:buNone/>
+              <a:defRPr kumimoji="1" sz="4400" kern="1200">
+                <a:solidFill>
+                  <a:schemeClr val="tx1"/>
+                </a:solidFill>
+                <a:latin typeface="+mj-lt"/>
+                <a:ea typeface="+mj-ea"/>
+                <a:cs typeface="+mj-cs"/>
+              </a:defRPr>
+            </a:lvl1pPr>
+          </a:lstStyle>
+          <a:p>
+            <a:r>
+              <a:rPr lang="ja-JP" altLang="en-US" sz="2800" dirty="0"/>
+              <a:t>オーナー情報詳細画面</a:t>
+            </a:r>
+            <a:endParaRPr lang="en-US" sz="2800" dirty="0"/>
+          </a:p>
+        </p:txBody>
+      </p:sp>
+      <p:sp>
+        <p:nvSpPr>
+          <p:cNvPr id="17" name="テキスト ボックス 10">
+            <a:extLst>
+              <a:ext uri="{FF2B5EF4-FFF2-40B4-BE49-F238E27FC236}">
+                <a16:creationId xmlns:a16="http://schemas.microsoft.com/office/drawing/2014/main" id="{B3DE7435-06AE-4686-869B-DED6460A2F2A}"/>
+              </a:ext>
+            </a:extLst>
+          </p:cNvPr>
+          <p:cNvSpPr/>
+          <p:nvPr/>
+        </p:nvSpPr>
+        <p:spPr>
+          <a:xfrm>
+            <a:off x="761760" y="4719095"/>
+            <a:ext cx="10442160" cy="337100"/>
+          </a:xfrm>
+          <a:prstGeom prst="rect">
+            <a:avLst/>
+          </a:prstGeom>
+          <a:noFill/>
+          <a:ln w="0">
+            <a:noFill/>
+          </a:ln>
+        </p:spPr>
+        <p:style>
+          <a:lnRef idx="0">
+            <a:scrgbClr r="0" g="0" b="0"/>
+          </a:lnRef>
+          <a:fillRef idx="0">
+            <a:scrgbClr r="0" g="0" b="0"/>
+          </a:fillRef>
+          <a:effectRef idx="0">
+            <a:scrgbClr r="0" g="0" b="0"/>
+          </a:effectRef>
+          <a:fontRef idx="minor"/>
+        </p:style>
+        <p:txBody>
+          <a:bodyPr lIns="90000" tIns="45000" rIns="90000" bIns="45000" anchor="t">
+            <a:spAutoFit/>
+          </a:bodyPr>
+          <a:lstStyle/>
+          <a:p>
+            <a:pPr>
+              <a:lnSpc>
+                <a:spcPct val="100000"/>
+              </a:lnSpc>
+            </a:pPr>
+            <a:r>
+              <a:rPr lang="ja-JP" sz="1600" b="1" strike="noStrike" spc="-1" dirty="0">
+                <a:solidFill>
+                  <a:srgbClr val="000000"/>
+                </a:solidFill>
+                <a:latin typeface="Arial"/>
+                <a:ea typeface="Arial"/>
+              </a:rPr>
+              <a:t>　</a:t>
+            </a:r>
+            <a:r>
+              <a:rPr lang="ja-JP" altLang="en-US" sz="1600" b="1" strike="noStrike" spc="-1" dirty="0">
+                <a:solidFill>
+                  <a:srgbClr val="000000"/>
+                </a:solidFill>
+                <a:latin typeface="Arial"/>
+                <a:ea typeface="Arial"/>
+              </a:rPr>
+              <a:t>　</a:t>
+            </a:r>
+            <a:r>
+              <a:rPr lang="ja-JP" altLang="ja-JP" sz="1600" b="1" spc="-1" dirty="0">
+                <a:solidFill>
+                  <a:srgbClr val="000000"/>
+                </a:solidFill>
+                <a:ea typeface="Arial"/>
+              </a:rPr>
+              <a:t>所有アパート</a:t>
+            </a:r>
+            <a:r>
+              <a:rPr lang="ja-JP" altLang="en-US" sz="1600" b="1" strike="noStrike" spc="-1" dirty="0">
+                <a:solidFill>
+                  <a:srgbClr val="000000"/>
+                </a:solidFill>
+                <a:latin typeface="Arial"/>
+                <a:ea typeface="Arial"/>
+              </a:rPr>
+              <a:t>　</a:t>
+            </a:r>
+            <a:r>
+              <a:rPr lang="ja-JP" sz="1600" b="1" strike="noStrike" spc="-1" dirty="0">
+                <a:solidFill>
+                  <a:srgbClr val="000000"/>
+                </a:solidFill>
+                <a:latin typeface="Arial"/>
+                <a:ea typeface="Arial"/>
+              </a:rPr>
+              <a:t>　　　　　　　　　　</a:t>
+            </a:r>
+            <a:endParaRPr lang="en-US" sz="1600" b="0" strike="noStrike" spc="-1" dirty="0">
+              <a:solidFill>
+                <a:srgbClr val="000000"/>
+              </a:solidFill>
+              <a:latin typeface="Arial"/>
+            </a:endParaRPr>
+          </a:p>
+        </p:txBody>
+      </p:sp>
+      <p:cxnSp>
+        <p:nvCxnSpPr>
+          <p:cNvPr id="18" name="直線コネクタ 12">
+            <a:extLst>
+              <a:ext uri="{FF2B5EF4-FFF2-40B4-BE49-F238E27FC236}">
+                <a16:creationId xmlns:a16="http://schemas.microsoft.com/office/drawing/2014/main" id="{4F3AF079-37E7-412F-9B40-9D52B1BF06B8}"/>
+              </a:ext>
+            </a:extLst>
+          </p:cNvPr>
+          <p:cNvCxnSpPr/>
+          <p:nvPr/>
+        </p:nvCxnSpPr>
+        <p:spPr>
+          <a:xfrm>
+            <a:off x="804600" y="5182415"/>
+            <a:ext cx="10721160" cy="2160"/>
+          </a:xfrm>
+          <a:prstGeom prst="straightConnector1">
+            <a:avLst/>
+          </a:prstGeom>
+          <a:ln w="0">
+            <a:solidFill>
+              <a:srgbClr val="000000"/>
+            </a:solidFill>
+          </a:ln>
+        </p:spPr>
+      </p:cxnSp>
+      <p:sp>
+        <p:nvSpPr>
+          <p:cNvPr id="21" name="正方形/長方形 14">
+            <a:extLst>
+              <a:ext uri="{FF2B5EF4-FFF2-40B4-BE49-F238E27FC236}">
+                <a16:creationId xmlns:a16="http://schemas.microsoft.com/office/drawing/2014/main" id="{C28DA623-6022-47C0-AA42-2106A686D865}"/>
+              </a:ext>
+            </a:extLst>
+          </p:cNvPr>
+          <p:cNvSpPr/>
+          <p:nvPr/>
+        </p:nvSpPr>
+        <p:spPr>
+          <a:xfrm>
+            <a:off x="1063198" y="5415877"/>
+            <a:ext cx="1644948" cy="375618"/>
+          </a:xfrm>
+          <a:prstGeom prst="rect">
+            <a:avLst/>
+          </a:prstGeom>
+          <a:solidFill>
+            <a:srgbClr val="A9D4DB"/>
+          </a:solidFill>
+          <a:ln cap="rnd">
+            <a:solidFill>
+              <a:srgbClr val="4A5C5F"/>
+            </a:solidFill>
+            <a:round/>
+          </a:ln>
+        </p:spPr>
+        <p:style>
+          <a:lnRef idx="2">
+            <a:schemeClr val="accent1">
+              <a:shade val="15000"/>
+            </a:schemeClr>
+          </a:lnRef>
+          <a:fillRef idx="1">
+            <a:schemeClr val="accent1"/>
+          </a:fillRef>
+          <a:effectRef idx="0">
+            <a:schemeClr val="accent1"/>
+          </a:effectRef>
+          <a:fontRef idx="minor"/>
+        </p:style>
+        <p:txBody>
+          <a:bodyPr lIns="90000" tIns="45000" rIns="90000" bIns="45000" anchor="ctr">
+            <a:noAutofit/>
+          </a:bodyPr>
+          <a:lstStyle/>
+          <a:p>
+            <a:pPr algn="ctr">
+              <a:lnSpc>
+                <a:spcPct val="100000"/>
+              </a:lnSpc>
+            </a:pPr>
+            <a:r>
+              <a:rPr lang="ja-JP" altLang="en-US" sz="1600" b="1" strike="noStrike" spc="-1" dirty="0">
+                <a:solidFill>
+                  <a:srgbClr val="000000"/>
+                </a:solidFill>
+                <a:latin typeface="Arial"/>
+              </a:rPr>
+              <a:t>レオパレス荻窪</a:t>
+            </a:r>
+            <a:endParaRPr lang="en-US" sz="1600" b="1" strike="noStrike" spc="-1" dirty="0">
+              <a:solidFill>
+                <a:srgbClr val="000000"/>
+              </a:solidFill>
+              <a:latin typeface="Arial"/>
+            </a:endParaRPr>
+          </a:p>
+        </p:txBody>
+      </p:sp>
+      <p:sp>
+        <p:nvSpPr>
+          <p:cNvPr id="22" name="正方形/長方形 14">
+            <a:extLst>
+              <a:ext uri="{FF2B5EF4-FFF2-40B4-BE49-F238E27FC236}">
+                <a16:creationId xmlns:a16="http://schemas.microsoft.com/office/drawing/2014/main" id="{78FF35A6-D787-4979-BE8F-59C729BDAE10}"/>
+              </a:ext>
+            </a:extLst>
+          </p:cNvPr>
+          <p:cNvSpPr/>
+          <p:nvPr/>
+        </p:nvSpPr>
+        <p:spPr>
+          <a:xfrm>
+            <a:off x="3069524" y="5415877"/>
+            <a:ext cx="1204038" cy="375618"/>
+          </a:xfrm>
+          <a:prstGeom prst="rect">
+            <a:avLst/>
+          </a:prstGeom>
+          <a:solidFill>
+            <a:srgbClr val="A9D4DB"/>
+          </a:solidFill>
+          <a:ln cap="rnd">
+            <a:solidFill>
+              <a:srgbClr val="4A5C5F"/>
+            </a:solidFill>
+            <a:round/>
+          </a:ln>
+        </p:spPr>
+        <p:style>
+          <a:lnRef idx="2">
+            <a:schemeClr val="accent1">
+              <a:shade val="15000"/>
+            </a:schemeClr>
+          </a:lnRef>
+          <a:fillRef idx="1">
+            <a:schemeClr val="accent1"/>
+          </a:fillRef>
+          <a:effectRef idx="0">
+            <a:schemeClr val="accent1"/>
+          </a:effectRef>
+          <a:fontRef idx="minor"/>
+        </p:style>
+        <p:txBody>
+          <a:bodyPr lIns="90000" tIns="45000" rIns="90000" bIns="45000" anchor="ctr">
+            <a:noAutofit/>
+          </a:bodyPr>
+          <a:lstStyle/>
+          <a:p>
+            <a:pPr algn="ctr">
+              <a:lnSpc>
+                <a:spcPct val="100000"/>
+              </a:lnSpc>
+            </a:pPr>
+            <a:r>
+              <a:rPr lang="ja-JP" altLang="en-US" sz="1600" b="1" strike="noStrike" spc="-1" dirty="0">
+                <a:solidFill>
+                  <a:srgbClr val="000000"/>
+                </a:solidFill>
+                <a:latin typeface="Arial"/>
+              </a:rPr>
+              <a:t>メゾン中野</a:t>
+            </a:r>
+            <a:endParaRPr lang="en-US" sz="1600" b="1" strike="noStrike" spc="-1" dirty="0">
+              <a:solidFill>
+                <a:srgbClr val="000000"/>
+              </a:solidFill>
+              <a:latin typeface="Arial"/>
+            </a:endParaRPr>
+          </a:p>
+        </p:txBody>
+      </p:sp>
+    </p:spTree>
+    <p:extLst>
+      <p:ext uri="{BB962C8B-B14F-4D97-AF65-F5344CB8AC3E}">
+        <p14:creationId xmlns:p14="http://schemas.microsoft.com/office/powerpoint/2010/main" val="3460528075"/>
       </p:ext>
     </p:extLst>
   </p:cSld>
@@ -19734,7 +21589,27 @@
                 <a:latin typeface="Arial"/>
                 <a:ea typeface="Arial"/>
               </a:rPr>
-              <a:t>　　　　　　　　ホーム　お気に入り　会社概要　お問い合わせ</a:t>
+              <a:t>　　　　　　　　ホーム　お気に入り</a:t>
+            </a:r>
+            <a:r>
+              <a:rPr lang="ja-JP" altLang="en-US" sz="1400" b="1" strike="noStrike" spc="-1" dirty="0">
+                <a:solidFill>
+                  <a:srgbClr val="000000"/>
+                </a:solidFill>
+                <a:latin typeface="Arial"/>
+                <a:ea typeface="Arial"/>
+              </a:rPr>
+              <a:t>　ログイン</a:t>
+            </a:r>
+            <a:r>
+              <a:rPr lang="ja-JP" sz="1400" b="1" strike="noStrike" spc="-1" dirty="0">
+                <a:solidFill>
+                  <a:srgbClr val="000000"/>
+                </a:solidFill>
+                <a:latin typeface="Arial"/>
+                <a:ea typeface="Arial"/>
+              </a:rPr>
+              <a:t>　会社概要　お問い合わせ</a:t>
             </a:r>
             <a:endParaRPr lang="en-US" sz="1400" b="0" strike="noStrike" spc="-1" dirty="0">
               <a:solidFill>
@@ -20193,16 +22068,36 @@
               </a:lnSpc>
             </a:pPr>
             <a:r>
-              <a:rPr lang="ja-JP" sz="1400" b="1" strike="noStrike" spc="-1">
-                <a:solidFill>
-                  <a:srgbClr val="000000"/>
-                </a:solidFill>
-                <a:latin typeface="Arial"/>
-                <a:ea typeface="Arial"/>
-              </a:rPr>
-              <a:t>　　　　　　　　ホーム　お気に入り　会社概要　お問い合わせ</a:t>
-            </a:r>
-            <a:endParaRPr lang="en-US" sz="1400" b="0" strike="noStrike" spc="-1">
+              <a:rPr lang="ja-JP" sz="1400" b="1" strike="noStrike" spc="-1" dirty="0">
+                <a:solidFill>
+                  <a:srgbClr val="000000"/>
+                </a:solidFill>
+                <a:latin typeface="Arial"/>
+                <a:ea typeface="Arial"/>
+              </a:rPr>
+              <a:t>　　　　　　　　ホーム　お気に入り</a:t>
+            </a:r>
+            <a:r>
+              <a:rPr lang="ja-JP" altLang="en-US" sz="1400" b="1" strike="noStrike" spc="-1" dirty="0">
+                <a:solidFill>
+                  <a:srgbClr val="000000"/>
+                </a:solidFill>
+                <a:latin typeface="Arial"/>
+                <a:ea typeface="Arial"/>
+              </a:rPr>
+              <a:t>　ログイン</a:t>
+            </a:r>
+            <a:r>
+              <a:rPr lang="ja-JP" sz="1400" b="1" strike="noStrike" spc="-1" dirty="0">
+                <a:solidFill>
+                  <a:srgbClr val="000000"/>
+                </a:solidFill>
+                <a:latin typeface="Arial"/>
+                <a:ea typeface="Arial"/>
+              </a:rPr>
+              <a:t>　会社概要　お問い合わせ</a:t>
+            </a:r>
+            <a:endParaRPr lang="en-US" sz="1400" b="0" strike="noStrike" spc="-1" dirty="0">
               <a:solidFill>
                 <a:srgbClr val="000000"/>
               </a:solidFill>
